--- a/TIW-GruppiHTMLOnly.pptx
+++ b/TIW-GruppiHTMLOnly.pptx
@@ -27,7 +27,6 @@
     <p:sldId id="272" r:id="rId22"/>
     <p:sldId id="273" r:id="rId23"/>
     <p:sldId id="274" r:id="rId24"/>
-    <p:sldId id="275" r:id="rId25"/>
   </p:sldIdLst>
   <p:sldSz cx="9144000" cy="5143500"/>
   <p:notesSz cx="7772400" cy="10058400"/>
@@ -85,7 +84,7 @@
         <p:txBody>
           <a:bodyPr/>
           <a:p>
-            <a:fld id="{8A3C6E4A-1C16-44D1-A9A4-A3B66DF7060E}" type="slidenum">
+            <a:fld id="{069931C1-B881-4CD5-B63F-D49A71F42FC0}" type="slidenum">
               <a:t>&lt;#&gt;</a:t>
             </a:fld>
           </a:p>
@@ -147,7 +146,7 @@
         <p:spPr>
           <a:xfrm>
             <a:off x="457200" y="205200"/>
-            <a:ext cx="8229240" cy="858600"/>
+            <a:ext cx="8228880" cy="858240"/>
           </a:xfrm>
           <a:prstGeom prst="rect">
             <a:avLst/>
@@ -294,7 +293,7 @@
         <p:txBody>
           <a:bodyPr/>
           <a:p>
-            <a:fld id="{B4C0E006-3218-4BBD-84CD-F49950CE0F30}" type="slidenum">
+            <a:fld id="{5B330B76-6E27-4104-A190-71444237DEC5}" type="slidenum">
               <a:t>&lt;#&gt;</a:t>
             </a:fld>
           </a:p>
@@ -356,7 +355,7 @@
         <p:spPr>
           <a:xfrm>
             <a:off x="457200" y="205200"/>
-            <a:ext cx="8229240" cy="858600"/>
+            <a:ext cx="8228880" cy="858240"/>
           </a:xfrm>
           <a:prstGeom prst="rect">
             <a:avLst/>
@@ -589,7 +588,7 @@
         <p:txBody>
           <a:bodyPr/>
           <a:p>
-            <a:fld id="{A7DADF89-CCF9-4C88-895A-AC81744DF69D}" type="slidenum">
+            <a:fld id="{1B74EE5C-EA05-44E9-9BA8-A16A3E51D4C5}" type="slidenum">
               <a:t>&lt;#&gt;</a:t>
             </a:fld>
           </a:p>
@@ -651,7 +650,7 @@
         <p:spPr>
           <a:xfrm>
             <a:off x="457200" y="205200"/>
-            <a:ext cx="8229240" cy="858600"/>
+            <a:ext cx="8228880" cy="858240"/>
           </a:xfrm>
           <a:prstGeom prst="rect">
             <a:avLst/>
@@ -970,7 +969,7 @@
         <p:txBody>
           <a:bodyPr/>
           <a:p>
-            <a:fld id="{2D99D3A3-3EC6-4E40-85C9-0FA3A91B045D}" type="slidenum">
+            <a:fld id="{E2B5B4C1-A8F1-4D0C-8AE1-BCDAFC547254}" type="slidenum">
               <a:t>&lt;#&gt;</a:t>
             </a:fld>
           </a:p>
@@ -1053,7 +1052,7 @@
         <p:txBody>
           <a:bodyPr/>
           <a:p>
-            <a:fld id="{7DD95505-8B58-40BA-B4A1-15F2A130A05A}" type="slidenum">
+            <a:fld id="{C601ABED-02FE-4BD5-B4F4-52D667D8F605}" type="slidenum">
               <a:t>&lt;#&gt;</a:t>
             </a:fld>
           </a:p>
@@ -1115,7 +1114,7 @@
         <p:spPr>
           <a:xfrm>
             <a:off x="457200" y="205200"/>
-            <a:ext cx="8229240" cy="858600"/>
+            <a:ext cx="8228880" cy="858240"/>
           </a:xfrm>
           <a:prstGeom prst="rect">
             <a:avLst/>
@@ -1216,7 +1215,7 @@
         <p:txBody>
           <a:bodyPr/>
           <a:p>
-            <a:fld id="{D35A225C-FCE4-4518-B3B7-BB6B69330C75}" type="slidenum">
+            <a:fld id="{D2F39E9D-4453-464A-9AD6-AA715DEA9071}" type="slidenum">
               <a:t>&lt;#&gt;</a:t>
             </a:fld>
           </a:p>
@@ -1278,7 +1277,7 @@
         <p:spPr>
           <a:xfrm>
             <a:off x="457200" y="205200"/>
-            <a:ext cx="8229240" cy="858600"/>
+            <a:ext cx="8228880" cy="858240"/>
           </a:xfrm>
           <a:prstGeom prst="rect">
             <a:avLst/>
@@ -1382,7 +1381,7 @@
         <p:txBody>
           <a:bodyPr/>
           <a:p>
-            <a:fld id="{09FFA209-D3E1-4029-BB01-DE39608F841B}" type="slidenum">
+            <a:fld id="{1B4FD912-5067-4B07-8636-D003F1736F7E}" type="slidenum">
               <a:t>&lt;#&gt;</a:t>
             </a:fld>
           </a:p>
@@ -1444,7 +1443,7 @@
         <p:spPr>
           <a:xfrm>
             <a:off x="457200" y="205200"/>
-            <a:ext cx="8229240" cy="858600"/>
+            <a:ext cx="8228880" cy="858240"/>
           </a:xfrm>
           <a:prstGeom prst="rect">
             <a:avLst/>
@@ -1591,7 +1590,7 @@
         <p:txBody>
           <a:bodyPr/>
           <a:p>
-            <a:fld id="{F13FF5B0-71CC-41DA-9D51-A4D78BEFB3F3}" type="slidenum">
+            <a:fld id="{E69B631A-0C63-4B4E-90C9-0C090CBECF40}" type="slidenum">
               <a:t>&lt;#&gt;</a:t>
             </a:fld>
           </a:p>
@@ -1653,7 +1652,7 @@
         <p:spPr>
           <a:xfrm>
             <a:off x="457200" y="205200"/>
-            <a:ext cx="8229240" cy="858600"/>
+            <a:ext cx="8228880" cy="858240"/>
           </a:xfrm>
           <a:prstGeom prst="rect">
             <a:avLst/>
@@ -1714,7 +1713,7 @@
         <p:txBody>
           <a:bodyPr/>
           <a:p>
-            <a:fld id="{F2F9943D-099B-471F-B7C0-0099AAAFB283}" type="slidenum">
+            <a:fld id="{AB43BC78-D8BA-4F78-A2BB-9972F2826BE5}" type="slidenum">
               <a:t>&lt;#&gt;</a:t>
             </a:fld>
           </a:p>
@@ -1776,7 +1775,7 @@
         <p:spPr>
           <a:xfrm>
             <a:off x="457200" y="205200"/>
-            <a:ext cx="8229240" cy="3981240"/>
+            <a:ext cx="8228880" cy="3979440"/>
           </a:xfrm>
           <a:prstGeom prst="rect">
             <a:avLst/>
@@ -1835,7 +1834,7 @@
         <p:txBody>
           <a:bodyPr/>
           <a:p>
-            <a:fld id="{E8F8F4B9-30B2-4808-9EFC-AF2BF5666F95}" type="slidenum">
+            <a:fld id="{ABE08064-FDF7-4057-B254-52B511B56C66}" type="slidenum">
               <a:t>&lt;#&gt;</a:t>
             </a:fld>
           </a:p>
@@ -1897,7 +1896,7 @@
         <p:spPr>
           <a:xfrm>
             <a:off x="457200" y="205200"/>
-            <a:ext cx="8229240" cy="858600"/>
+            <a:ext cx="8228880" cy="858240"/>
           </a:xfrm>
           <a:prstGeom prst="rect">
             <a:avLst/>
@@ -2087,7 +2086,7 @@
         <p:txBody>
           <a:bodyPr/>
           <a:p>
-            <a:fld id="{FF3743AD-0165-4E89-B81E-184C7815291F}" type="slidenum">
+            <a:fld id="{4E7A8778-1AED-47EF-ABC4-FD0236D75B91}" type="slidenum">
               <a:t>&lt;#&gt;</a:t>
             </a:fld>
           </a:p>
@@ -2149,7 +2148,7 @@
         <p:spPr>
           <a:xfrm>
             <a:off x="457200" y="205200"/>
-            <a:ext cx="8229240" cy="858600"/>
+            <a:ext cx="8228880" cy="858240"/>
           </a:xfrm>
           <a:prstGeom prst="rect">
             <a:avLst/>
@@ -2250,7 +2249,7 @@
         <p:txBody>
           <a:bodyPr/>
           <a:p>
-            <a:fld id="{5DDB60CD-5AC5-4CCE-93BF-722931875A6F}" type="slidenum">
+            <a:fld id="{F2FBB0D5-AFCC-4524-8732-5484F505520D}" type="slidenum">
               <a:t>&lt;#&gt;</a:t>
             </a:fld>
           </a:p>
@@ -2312,7 +2311,7 @@
         <p:spPr>
           <a:xfrm>
             <a:off x="457200" y="205200"/>
-            <a:ext cx="8229240" cy="858600"/>
+            <a:ext cx="8228880" cy="858240"/>
           </a:xfrm>
           <a:prstGeom prst="rect">
             <a:avLst/>
@@ -2502,7 +2501,7 @@
         <p:txBody>
           <a:bodyPr/>
           <a:p>
-            <a:fld id="{35707480-19E2-4EF3-B1AF-DDFF44D37665}" type="slidenum">
+            <a:fld id="{081609C9-FBF1-46D8-8493-3887ACECF3C4}" type="slidenum">
               <a:t>&lt;#&gt;</a:t>
             </a:fld>
           </a:p>
@@ -2564,7 +2563,7 @@
         <p:spPr>
           <a:xfrm>
             <a:off x="457200" y="205200"/>
-            <a:ext cx="8229240" cy="858600"/>
+            <a:ext cx="8228880" cy="858240"/>
           </a:xfrm>
           <a:prstGeom prst="rect">
             <a:avLst/>
@@ -2754,7 +2753,7 @@
         <p:txBody>
           <a:bodyPr/>
           <a:p>
-            <a:fld id="{8024D215-524F-42FC-AF19-6596F84B8B9D}" type="slidenum">
+            <a:fld id="{D868BAB4-EE4C-44A1-B25E-F012EA9520FB}" type="slidenum">
               <a:t>&lt;#&gt;</a:t>
             </a:fld>
           </a:p>
@@ -2816,7 +2815,7 @@
         <p:spPr>
           <a:xfrm>
             <a:off x="457200" y="205200"/>
-            <a:ext cx="8229240" cy="858600"/>
+            <a:ext cx="8228880" cy="858240"/>
           </a:xfrm>
           <a:prstGeom prst="rect">
             <a:avLst/>
@@ -2963,7 +2962,7 @@
         <p:txBody>
           <a:bodyPr/>
           <a:p>
-            <a:fld id="{CDB6ADF2-7DDF-4F2D-BB6C-8F2A858B7561}" type="slidenum">
+            <a:fld id="{91ED827E-29FA-41FD-AE34-DE242B323059}" type="slidenum">
               <a:t>&lt;#&gt;</a:t>
             </a:fld>
           </a:p>
@@ -3025,7 +3024,7 @@
         <p:spPr>
           <a:xfrm>
             <a:off x="457200" y="205200"/>
-            <a:ext cx="8229240" cy="858600"/>
+            <a:ext cx="8228880" cy="858240"/>
           </a:xfrm>
           <a:prstGeom prst="rect">
             <a:avLst/>
@@ -3258,7 +3257,7 @@
         <p:txBody>
           <a:bodyPr/>
           <a:p>
-            <a:fld id="{45AA4781-3D83-41F2-BDE8-E59C64C51BD6}" type="slidenum">
+            <a:fld id="{DE5766A4-A6CE-4C8C-B164-79358336151F}" type="slidenum">
               <a:t>&lt;#&gt;</a:t>
             </a:fld>
           </a:p>
@@ -3320,7 +3319,7 @@
         <p:spPr>
           <a:xfrm>
             <a:off x="457200" y="205200"/>
-            <a:ext cx="8229240" cy="858600"/>
+            <a:ext cx="8228880" cy="858240"/>
           </a:xfrm>
           <a:prstGeom prst="rect">
             <a:avLst/>
@@ -3639,7 +3638,7 @@
         <p:txBody>
           <a:bodyPr/>
           <a:p>
-            <a:fld id="{1EF07D4F-3FEC-4845-8519-4887C039DBC8}" type="slidenum">
+            <a:fld id="{000BBE3D-CA25-4857-A798-003A447AC472}" type="slidenum">
               <a:t>&lt;#&gt;</a:t>
             </a:fld>
           </a:p>
@@ -3722,7 +3721,7 @@
         <p:txBody>
           <a:bodyPr/>
           <a:p>
-            <a:fld id="{5417EAEC-4918-4290-893D-7075D76A8DB5}" type="slidenum">
+            <a:fld id="{B2AD5039-9903-460E-9A7C-B7042454EE16}" type="slidenum">
               <a:t>&lt;#&gt;</a:t>
             </a:fld>
           </a:p>
@@ -3784,7 +3783,7 @@
         <p:spPr>
           <a:xfrm>
             <a:off x="457200" y="205200"/>
-            <a:ext cx="8229240" cy="858600"/>
+            <a:ext cx="8228880" cy="858240"/>
           </a:xfrm>
           <a:prstGeom prst="rect">
             <a:avLst/>
@@ -3885,7 +3884,7 @@
         <p:txBody>
           <a:bodyPr/>
           <a:p>
-            <a:fld id="{E48A0F66-9EAE-4EB9-85EF-07FC45225325}" type="slidenum">
+            <a:fld id="{69B6D164-CEC5-47B6-ACC2-3C068B0A2A68}" type="slidenum">
               <a:t>&lt;#&gt;</a:t>
             </a:fld>
           </a:p>
@@ -3947,7 +3946,7 @@
         <p:spPr>
           <a:xfrm>
             <a:off x="457200" y="205200"/>
-            <a:ext cx="8229240" cy="858600"/>
+            <a:ext cx="8228880" cy="858240"/>
           </a:xfrm>
           <a:prstGeom prst="rect">
             <a:avLst/>
@@ -4051,7 +4050,7 @@
         <p:txBody>
           <a:bodyPr/>
           <a:p>
-            <a:fld id="{624BBD38-7D87-444E-9082-3B53A360C2D5}" type="slidenum">
+            <a:fld id="{4ED63417-18B0-4105-A3BD-90A73A15AAB4}" type="slidenum">
               <a:t>&lt;#&gt;</a:t>
             </a:fld>
           </a:p>
@@ -4113,7 +4112,7 @@
         <p:spPr>
           <a:xfrm>
             <a:off x="457200" y="205200"/>
-            <a:ext cx="8229240" cy="858600"/>
+            <a:ext cx="8228880" cy="858240"/>
           </a:xfrm>
           <a:prstGeom prst="rect">
             <a:avLst/>
@@ -4260,7 +4259,7 @@
         <p:txBody>
           <a:bodyPr/>
           <a:p>
-            <a:fld id="{FCF65410-5BE0-45C7-90E2-2D738117BE2C}" type="slidenum">
+            <a:fld id="{B4E300E3-D53F-439F-8AF9-6A6ABAE31661}" type="slidenum">
               <a:t>&lt;#&gt;</a:t>
             </a:fld>
           </a:p>
@@ -4322,7 +4321,7 @@
         <p:spPr>
           <a:xfrm>
             <a:off x="457200" y="205200"/>
-            <a:ext cx="8229240" cy="858600"/>
+            <a:ext cx="8228880" cy="858240"/>
           </a:xfrm>
           <a:prstGeom prst="rect">
             <a:avLst/>
@@ -4383,7 +4382,7 @@
         <p:txBody>
           <a:bodyPr/>
           <a:p>
-            <a:fld id="{E043E665-6110-4EFD-BFDB-AE4F7F65AA41}" type="slidenum">
+            <a:fld id="{510E845D-3C0E-40B0-83C2-D6C7F723F4FA}" type="slidenum">
               <a:t>&lt;#&gt;</a:t>
             </a:fld>
           </a:p>
@@ -4445,7 +4444,7 @@
         <p:spPr>
           <a:xfrm>
             <a:off x="457200" y="205200"/>
-            <a:ext cx="8229240" cy="858600"/>
+            <a:ext cx="8228880" cy="858240"/>
           </a:xfrm>
           <a:prstGeom prst="rect">
             <a:avLst/>
@@ -4549,7 +4548,7 @@
         <p:txBody>
           <a:bodyPr/>
           <a:p>
-            <a:fld id="{ADC0A9E6-5091-425D-9D95-CF10DC7F0331}" type="slidenum">
+            <a:fld id="{AE920243-FB27-41FB-B244-EFC0A20654F3}" type="slidenum">
               <a:t>&lt;#&gt;</a:t>
             </a:fld>
           </a:p>
@@ -4611,7 +4610,7 @@
         <p:spPr>
           <a:xfrm>
             <a:off x="457200" y="205200"/>
-            <a:ext cx="8229240" cy="3981240"/>
+            <a:ext cx="8228880" cy="3979440"/>
           </a:xfrm>
           <a:prstGeom prst="rect">
             <a:avLst/>
@@ -4670,7 +4669,7 @@
         <p:txBody>
           <a:bodyPr/>
           <a:p>
-            <a:fld id="{0E04F8EB-92C5-4692-8CBD-92A6475C2A2F}" type="slidenum">
+            <a:fld id="{BC9AAE31-68F1-4030-B7CF-3947436E9C8E}" type="slidenum">
               <a:t>&lt;#&gt;</a:t>
             </a:fld>
           </a:p>
@@ -4732,7 +4731,7 @@
         <p:spPr>
           <a:xfrm>
             <a:off x="457200" y="205200"/>
-            <a:ext cx="8229240" cy="858600"/>
+            <a:ext cx="8228880" cy="858240"/>
           </a:xfrm>
           <a:prstGeom prst="rect">
             <a:avLst/>
@@ -4922,7 +4921,7 @@
         <p:txBody>
           <a:bodyPr/>
           <a:p>
-            <a:fld id="{8BEDB4B8-196B-4802-B05F-9B073131A905}" type="slidenum">
+            <a:fld id="{56F25BD1-C45E-469F-88A9-6E77BA310053}" type="slidenum">
               <a:t>&lt;#&gt;</a:t>
             </a:fld>
           </a:p>
@@ -4984,7 +4983,7 @@
         <p:spPr>
           <a:xfrm>
             <a:off x="457200" y="205200"/>
-            <a:ext cx="8229240" cy="858600"/>
+            <a:ext cx="8228880" cy="858240"/>
           </a:xfrm>
           <a:prstGeom prst="rect">
             <a:avLst/>
@@ -5174,7 +5173,7 @@
         <p:txBody>
           <a:bodyPr/>
           <a:p>
-            <a:fld id="{1B1109EF-3873-4E68-A34A-6765184141E6}" type="slidenum">
+            <a:fld id="{CDB066E4-98E0-48D8-8AB7-200C577F7315}" type="slidenum">
               <a:t>&lt;#&gt;</a:t>
             </a:fld>
           </a:p>
@@ -5236,7 +5235,7 @@
         <p:spPr>
           <a:xfrm>
             <a:off x="457200" y="205200"/>
-            <a:ext cx="8229240" cy="858600"/>
+            <a:ext cx="8228880" cy="858240"/>
           </a:xfrm>
           <a:prstGeom prst="rect">
             <a:avLst/>
@@ -5426,7 +5425,7 @@
         <p:txBody>
           <a:bodyPr/>
           <a:p>
-            <a:fld id="{BF5D36AD-4921-4A67-8D64-A81C2D3AD9B7}" type="slidenum">
+            <a:fld id="{4193E1EC-61BE-4B8E-B1E0-B786B6EE615A}" type="slidenum">
               <a:t>&lt;#&gt;</a:t>
             </a:fld>
           </a:p>
@@ -5488,7 +5487,7 @@
         <p:spPr>
           <a:xfrm>
             <a:off x="457200" y="205200"/>
-            <a:ext cx="8229240" cy="858600"/>
+            <a:ext cx="8228880" cy="858240"/>
           </a:xfrm>
           <a:prstGeom prst="rect">
             <a:avLst/>
@@ -5635,7 +5634,7 @@
         <p:txBody>
           <a:bodyPr/>
           <a:p>
-            <a:fld id="{C3C78F53-6A40-4C97-B73E-C34837D10D9E}" type="slidenum">
+            <a:fld id="{16BB6E6E-DB18-45F7-B379-7A55AA7C072D}" type="slidenum">
               <a:t>&lt;#&gt;</a:t>
             </a:fld>
           </a:p>
@@ -5697,7 +5696,7 @@
         <p:spPr>
           <a:xfrm>
             <a:off x="457200" y="205200"/>
-            <a:ext cx="8229240" cy="858600"/>
+            <a:ext cx="8228880" cy="858240"/>
           </a:xfrm>
           <a:prstGeom prst="rect">
             <a:avLst/>
@@ -5930,7 +5929,7 @@
         <p:txBody>
           <a:bodyPr/>
           <a:p>
-            <a:fld id="{5523AD0E-5F51-4678-B085-251D98B1D28A}" type="slidenum">
+            <a:fld id="{B90AFCE4-E608-4AB8-AC87-B8BF0D5F589D}" type="slidenum">
               <a:t>&lt;#&gt;</a:t>
             </a:fld>
           </a:p>
@@ -5992,7 +5991,7 @@
         <p:spPr>
           <a:xfrm>
             <a:off x="457200" y="205200"/>
-            <a:ext cx="8229240" cy="858600"/>
+            <a:ext cx="8228880" cy="858240"/>
           </a:xfrm>
           <a:prstGeom prst="rect">
             <a:avLst/>
@@ -6311,7 +6310,7 @@
         <p:txBody>
           <a:bodyPr/>
           <a:p>
-            <a:fld id="{BF704C00-B6F4-4101-9DC3-8E05F42121D3}" type="slidenum">
+            <a:fld id="{04C2FFE4-789A-4311-91DB-FD4C0A49BAD0}" type="slidenum">
               <a:t>&lt;#&gt;</a:t>
             </a:fld>
           </a:p>
@@ -6394,7 +6393,7 @@
         <p:txBody>
           <a:bodyPr/>
           <a:p>
-            <a:fld id="{396EDD3A-2937-4B08-ADB5-A6F14333AAA3}" type="slidenum">
+            <a:fld id="{F4D9A914-EF3E-42E0-BB87-772ED60617E8}" type="slidenum">
               <a:t>&lt;#&gt;</a:t>
             </a:fld>
           </a:p>
@@ -6456,7 +6455,7 @@
         <p:spPr>
           <a:xfrm>
             <a:off x="457200" y="205200"/>
-            <a:ext cx="8229240" cy="858600"/>
+            <a:ext cx="8228880" cy="858240"/>
           </a:xfrm>
           <a:prstGeom prst="rect">
             <a:avLst/>
@@ -6557,7 +6556,7 @@
         <p:txBody>
           <a:bodyPr/>
           <a:p>
-            <a:fld id="{C13CC86C-F1DA-4F01-8D43-B56B4A533BCF}" type="slidenum">
+            <a:fld id="{20F1219B-30CD-40DC-B646-6CD388193D16}" type="slidenum">
               <a:t>&lt;#&gt;</a:t>
             </a:fld>
           </a:p>
@@ -6619,7 +6618,7 @@
         <p:spPr>
           <a:xfrm>
             <a:off x="457200" y="205200"/>
-            <a:ext cx="8229240" cy="858600"/>
+            <a:ext cx="8228880" cy="858240"/>
           </a:xfrm>
           <a:prstGeom prst="rect">
             <a:avLst/>
@@ -6723,7 +6722,7 @@
         <p:txBody>
           <a:bodyPr/>
           <a:p>
-            <a:fld id="{FA27FBA7-3D92-4782-AB4B-656E03672982}" type="slidenum">
+            <a:fld id="{EA845F32-2ABA-44E3-ABF0-C80FE6B27FB5}" type="slidenum">
               <a:t>&lt;#&gt;</a:t>
             </a:fld>
           </a:p>
@@ -6785,7 +6784,7 @@
         <p:spPr>
           <a:xfrm>
             <a:off x="457200" y="205200"/>
-            <a:ext cx="8229240" cy="858600"/>
+            <a:ext cx="8228880" cy="858240"/>
           </a:xfrm>
           <a:prstGeom prst="rect">
             <a:avLst/>
@@ -6932,7 +6931,7 @@
         <p:txBody>
           <a:bodyPr/>
           <a:p>
-            <a:fld id="{6F53E854-CB38-4CE8-B478-BC2D88AEF64C}" type="slidenum">
+            <a:fld id="{5C6A8718-6D2D-4B21-8A04-CA4291AB6188}" type="slidenum">
               <a:t>&lt;#&gt;</a:t>
             </a:fld>
           </a:p>
@@ -6994,7 +6993,7 @@
         <p:spPr>
           <a:xfrm>
             <a:off x="457200" y="205200"/>
-            <a:ext cx="8229240" cy="858600"/>
+            <a:ext cx="8228880" cy="858240"/>
           </a:xfrm>
           <a:prstGeom prst="rect">
             <a:avLst/>
@@ -7141,7 +7140,7 @@
         <p:txBody>
           <a:bodyPr/>
           <a:p>
-            <a:fld id="{B408A38B-EA75-427E-83E9-D1A1B3BDFBC4}" type="slidenum">
+            <a:fld id="{61B7E249-8175-4C06-A705-764A53379B6A}" type="slidenum">
               <a:t>&lt;#&gt;</a:t>
             </a:fld>
           </a:p>
@@ -7203,7 +7202,7 @@
         <p:spPr>
           <a:xfrm>
             <a:off x="457200" y="205200"/>
-            <a:ext cx="8229240" cy="858600"/>
+            <a:ext cx="8228880" cy="858240"/>
           </a:xfrm>
           <a:prstGeom prst="rect">
             <a:avLst/>
@@ -7264,7 +7263,7 @@
         <p:txBody>
           <a:bodyPr/>
           <a:p>
-            <a:fld id="{296EABF0-B052-454C-A232-931BC15854E7}" type="slidenum">
+            <a:fld id="{7F95E4BF-DF0C-46DC-915D-C8843400685F}" type="slidenum">
               <a:t>&lt;#&gt;</a:t>
             </a:fld>
           </a:p>
@@ -7326,7 +7325,7 @@
         <p:spPr>
           <a:xfrm>
             <a:off x="457200" y="205200"/>
-            <a:ext cx="8229240" cy="3981240"/>
+            <a:ext cx="8228880" cy="3979440"/>
           </a:xfrm>
           <a:prstGeom prst="rect">
             <a:avLst/>
@@ -7385,7 +7384,7 @@
         <p:txBody>
           <a:bodyPr/>
           <a:p>
-            <a:fld id="{B280D3E5-F5C1-4B69-844F-A313262471D3}" type="slidenum">
+            <a:fld id="{26C8FA1B-F9FA-4A0A-B008-1865AC256D84}" type="slidenum">
               <a:t>&lt;#&gt;</a:t>
             </a:fld>
           </a:p>
@@ -7447,7 +7446,7 @@
         <p:spPr>
           <a:xfrm>
             <a:off x="457200" y="205200"/>
-            <a:ext cx="8229240" cy="858600"/>
+            <a:ext cx="8228880" cy="858240"/>
           </a:xfrm>
           <a:prstGeom prst="rect">
             <a:avLst/>
@@ -7637,7 +7636,7 @@
         <p:txBody>
           <a:bodyPr/>
           <a:p>
-            <a:fld id="{1EED4758-038F-421D-BF4B-7972474B944B}" type="slidenum">
+            <a:fld id="{6F1A234C-D7B1-4AAB-B248-7BB113FDAFE6}" type="slidenum">
               <a:t>&lt;#&gt;</a:t>
             </a:fld>
           </a:p>
@@ -7699,7 +7698,7 @@
         <p:spPr>
           <a:xfrm>
             <a:off x="457200" y="205200"/>
-            <a:ext cx="8229240" cy="858600"/>
+            <a:ext cx="8228880" cy="858240"/>
           </a:xfrm>
           <a:prstGeom prst="rect">
             <a:avLst/>
@@ -7889,7 +7888,7 @@
         <p:txBody>
           <a:bodyPr/>
           <a:p>
-            <a:fld id="{526CAEEE-51FA-4840-9F2C-A2069540A3CA}" type="slidenum">
+            <a:fld id="{C4A08B3B-1E02-4923-A760-D6E9901D6B35}" type="slidenum">
               <a:t>&lt;#&gt;</a:t>
             </a:fld>
           </a:p>
@@ -7951,7 +7950,7 @@
         <p:spPr>
           <a:xfrm>
             <a:off x="457200" y="205200"/>
-            <a:ext cx="8229240" cy="858600"/>
+            <a:ext cx="8228880" cy="858240"/>
           </a:xfrm>
           <a:prstGeom prst="rect">
             <a:avLst/>
@@ -8141,7 +8140,7 @@
         <p:txBody>
           <a:bodyPr/>
           <a:p>
-            <a:fld id="{70E7304B-BF79-4CA2-B556-ADECFB8EF5E4}" type="slidenum">
+            <a:fld id="{BA58B13A-D6D7-4C0D-BB9A-0795C9A11136}" type="slidenum">
               <a:t>&lt;#&gt;</a:t>
             </a:fld>
           </a:p>
@@ -8203,7 +8202,7 @@
         <p:spPr>
           <a:xfrm>
             <a:off x="457200" y="205200"/>
-            <a:ext cx="8229240" cy="858600"/>
+            <a:ext cx="8228880" cy="858240"/>
           </a:xfrm>
           <a:prstGeom prst="rect">
             <a:avLst/>
@@ -8350,7 +8349,7 @@
         <p:txBody>
           <a:bodyPr/>
           <a:p>
-            <a:fld id="{B8D34A8C-8E00-4FFC-B52E-ECFE57FE148D}" type="slidenum">
+            <a:fld id="{F4570985-6EC3-4692-B1F0-C63CBBE327A5}" type="slidenum">
               <a:t>&lt;#&gt;</a:t>
             </a:fld>
           </a:p>
@@ -8412,7 +8411,7 @@
         <p:spPr>
           <a:xfrm>
             <a:off x="457200" y="205200"/>
-            <a:ext cx="8229240" cy="858600"/>
+            <a:ext cx="8228880" cy="858240"/>
           </a:xfrm>
           <a:prstGeom prst="rect">
             <a:avLst/>
@@ -8645,7 +8644,7 @@
         <p:txBody>
           <a:bodyPr/>
           <a:p>
-            <a:fld id="{A40C2148-27F1-4975-B1FA-C8969E3AA15B}" type="slidenum">
+            <a:fld id="{7A22869A-9EC5-4D4A-A1A2-5B9FEF09F516}" type="slidenum">
               <a:t>&lt;#&gt;</a:t>
             </a:fld>
           </a:p>
@@ -8707,7 +8706,7 @@
         <p:spPr>
           <a:xfrm>
             <a:off x="457200" y="205200"/>
-            <a:ext cx="8229240" cy="858600"/>
+            <a:ext cx="8228880" cy="858240"/>
           </a:xfrm>
           <a:prstGeom prst="rect">
             <a:avLst/>
@@ -9026,7 +9025,7 @@
         <p:txBody>
           <a:bodyPr/>
           <a:p>
-            <a:fld id="{F6D749D4-22B0-41CC-890A-68D4B2F1B443}" type="slidenum">
+            <a:fld id="{EACBE4E6-B086-4B97-AB36-7B2AA379A9FA}" type="slidenum">
               <a:t>&lt;#&gt;</a:t>
             </a:fld>
           </a:p>
@@ -9088,7 +9087,7 @@
         <p:spPr>
           <a:xfrm>
             <a:off x="457200" y="205200"/>
-            <a:ext cx="8229240" cy="858600"/>
+            <a:ext cx="8228880" cy="858240"/>
           </a:xfrm>
           <a:prstGeom prst="rect">
             <a:avLst/>
@@ -9149,7 +9148,7 @@
         <p:txBody>
           <a:bodyPr/>
           <a:p>
-            <a:fld id="{6AD26994-951C-47F2-8205-50ED0CB42A15}" type="slidenum">
+            <a:fld id="{F5A6ED60-EE20-419F-BEA2-80D0882F4DC9}" type="slidenum">
               <a:t>&lt;#&gt;</a:t>
             </a:fld>
           </a:p>
@@ -9211,7 +9210,7 @@
         <p:spPr>
           <a:xfrm>
             <a:off x="457200" y="205200"/>
-            <a:ext cx="8229240" cy="3981240"/>
+            <a:ext cx="8228880" cy="3979440"/>
           </a:xfrm>
           <a:prstGeom prst="rect">
             <a:avLst/>
@@ -9270,7 +9269,7 @@
         <p:txBody>
           <a:bodyPr/>
           <a:p>
-            <a:fld id="{86E71CDE-3413-4F39-9924-2E6E966316DE}" type="slidenum">
+            <a:fld id="{DF07EE43-46F7-4D77-ACA5-4B86F2FA6EBC}" type="slidenum">
               <a:t>&lt;#&gt;</a:t>
             </a:fld>
           </a:p>
@@ -9332,7 +9331,7 @@
         <p:spPr>
           <a:xfrm>
             <a:off x="457200" y="205200"/>
-            <a:ext cx="8229240" cy="858600"/>
+            <a:ext cx="8228880" cy="858240"/>
           </a:xfrm>
           <a:prstGeom prst="rect">
             <a:avLst/>
@@ -9522,7 +9521,7 @@
         <p:txBody>
           <a:bodyPr/>
           <a:p>
-            <a:fld id="{13195619-D93D-49E8-8CFC-504E5780F85D}" type="slidenum">
+            <a:fld id="{C78A17CE-AB9F-4ED5-BB16-5845E2FF4ABD}" type="slidenum">
               <a:t>&lt;#&gt;</a:t>
             </a:fld>
           </a:p>
@@ -9584,7 +9583,7 @@
         <p:spPr>
           <a:xfrm>
             <a:off x="457200" y="205200"/>
-            <a:ext cx="8229240" cy="858600"/>
+            <a:ext cx="8228880" cy="858240"/>
           </a:xfrm>
           <a:prstGeom prst="rect">
             <a:avLst/>
@@ -9774,7 +9773,7 @@
         <p:txBody>
           <a:bodyPr/>
           <a:p>
-            <a:fld id="{DFDA636D-F610-4008-9D51-2608664997AE}" type="slidenum">
+            <a:fld id="{33E0D426-CB78-4803-BA14-F73025F162A4}" type="slidenum">
               <a:t>&lt;#&gt;</a:t>
             </a:fld>
           </a:p>
@@ -9836,7 +9835,7 @@
         <p:spPr>
           <a:xfrm>
             <a:off x="457200" y="205200"/>
-            <a:ext cx="8229240" cy="858600"/>
+            <a:ext cx="8228880" cy="858240"/>
           </a:xfrm>
           <a:prstGeom prst="rect">
             <a:avLst/>
@@ -10026,7 +10025,7 @@
         <p:txBody>
           <a:bodyPr/>
           <a:p>
-            <a:fld id="{2132DF83-4201-4A41-B67B-E15E28057839}" type="slidenum">
+            <a:fld id="{813CC0A5-B540-4545-9EE6-73BB5F2056A1}" type="slidenum">
               <a:t>&lt;#&gt;</a:t>
             </a:fld>
           </a:p>
@@ -10094,8 +10093,8 @@
         </p:nvSpPr>
         <p:spPr>
           <a:xfrm>
-            <a:off x="457200" y="205920"/>
-            <a:ext cx="8228880" cy="856440"/>
+            <a:off x="457200" y="205200"/>
+            <a:ext cx="8228880" cy="858240"/>
           </a:xfrm>
           <a:prstGeom prst="rect">
             <a:avLst/>
@@ -10138,13 +10137,238 @@
             <a:spLocks noGrp="1"/>
           </p:cNvSpPr>
           <p:nvPr>
+            <p:ph type="body"/>
+          </p:nvPr>
+        </p:nvSpPr>
+        <p:spPr>
+          <a:xfrm>
+            <a:off x="457200" y="1203480"/>
+            <a:ext cx="8228880" cy="2982600"/>
+          </a:xfrm>
+          <a:prstGeom prst="rect">
+            <a:avLst/>
+          </a:prstGeom>
+          <a:noFill/>
+          <a:ln w="0">
+            <a:noFill/>
+          </a:ln>
+        </p:spPr>
+        <p:txBody>
+          <a:bodyPr lIns="0" rIns="0" tIns="0" bIns="0" anchor="t">
+            <a:normAutofit/>
+          </a:bodyPr>
+          <a:p>
+            <a:pPr marL="432000" indent="-324000">
+              <a:spcBef>
+                <a:spcPts val="1417"/>
+              </a:spcBef>
+              <a:buClr>
+                <a:srgbClr val="000000"/>
+              </a:buClr>
+              <a:buSzPct val="45000"/>
+              <a:buFont typeface="Wingdings" charset="2"/>
+              <a:buChar char=""/>
+            </a:pPr>
+            <a:r>
+              <a:rPr b="0" lang="en-US" sz="1800" spc="-1" strike="noStrike">
+                <a:solidFill>
+                  <a:srgbClr val="000000"/>
+                </a:solidFill>
+                <a:latin typeface="Arial"/>
+              </a:rPr>
+              <a:t>Click to edit the outline text format</a:t>
+            </a:r>
+            <a:endParaRPr b="0" lang="en-US" sz="1800" spc="-1" strike="noStrike">
+              <a:solidFill>
+                <a:srgbClr val="000000"/>
+              </a:solidFill>
+              <a:latin typeface="Arial"/>
+            </a:endParaRPr>
+          </a:p>
+          <a:p>
+            <a:pPr lvl="1" marL="864000" indent="-324000">
+              <a:spcBef>
+                <a:spcPts val="1134"/>
+              </a:spcBef>
+              <a:buClr>
+                <a:srgbClr val="000000"/>
+              </a:buClr>
+              <a:buSzPct val="75000"/>
+              <a:buFont typeface="Symbol" charset="2"/>
+              <a:buChar char=""/>
+            </a:pPr>
+            <a:r>
+              <a:rPr b="0" lang="en-US" sz="1800" spc="-1" strike="noStrike">
+                <a:solidFill>
+                  <a:srgbClr val="000000"/>
+                </a:solidFill>
+                <a:latin typeface="Arial"/>
+              </a:rPr>
+              <a:t>Second Outline Level</a:t>
+            </a:r>
+            <a:endParaRPr b="0" lang="en-US" sz="1800" spc="-1" strike="noStrike">
+              <a:solidFill>
+                <a:srgbClr val="000000"/>
+              </a:solidFill>
+              <a:latin typeface="Arial"/>
+            </a:endParaRPr>
+          </a:p>
+          <a:p>
+            <a:pPr lvl="2" marL="1296000" indent="-288000">
+              <a:spcBef>
+                <a:spcPts val="850"/>
+              </a:spcBef>
+              <a:buClr>
+                <a:srgbClr val="000000"/>
+              </a:buClr>
+              <a:buSzPct val="45000"/>
+              <a:buFont typeface="Wingdings" charset="2"/>
+              <a:buChar char=""/>
+            </a:pPr>
+            <a:r>
+              <a:rPr b="0" lang="en-US" sz="1800" spc="-1" strike="noStrike">
+                <a:solidFill>
+                  <a:srgbClr val="000000"/>
+                </a:solidFill>
+                <a:latin typeface="Arial"/>
+              </a:rPr>
+              <a:t>Third Outline Level</a:t>
+            </a:r>
+            <a:endParaRPr b="0" lang="en-US" sz="1800" spc="-1" strike="noStrike">
+              <a:solidFill>
+                <a:srgbClr val="000000"/>
+              </a:solidFill>
+              <a:latin typeface="Arial"/>
+            </a:endParaRPr>
+          </a:p>
+          <a:p>
+            <a:pPr lvl="3" marL="1728000" indent="-216000">
+              <a:spcBef>
+                <a:spcPts val="567"/>
+              </a:spcBef>
+              <a:buClr>
+                <a:srgbClr val="000000"/>
+              </a:buClr>
+              <a:buSzPct val="75000"/>
+              <a:buFont typeface="Symbol" charset="2"/>
+              <a:buChar char=""/>
+            </a:pPr>
+            <a:r>
+              <a:rPr b="0" lang="en-US" sz="1800" spc="-1" strike="noStrike">
+                <a:solidFill>
+                  <a:srgbClr val="000000"/>
+                </a:solidFill>
+                <a:latin typeface="Arial"/>
+              </a:rPr>
+              <a:t>Fourth Outline Level</a:t>
+            </a:r>
+            <a:endParaRPr b="0" lang="en-US" sz="1800" spc="-1" strike="noStrike">
+              <a:solidFill>
+                <a:srgbClr val="000000"/>
+              </a:solidFill>
+              <a:latin typeface="Arial"/>
+            </a:endParaRPr>
+          </a:p>
+          <a:p>
+            <a:pPr lvl="4" marL="2160000" indent="-216000">
+              <a:spcBef>
+                <a:spcPts val="283"/>
+              </a:spcBef>
+              <a:buClr>
+                <a:srgbClr val="000000"/>
+              </a:buClr>
+              <a:buSzPct val="45000"/>
+              <a:buFont typeface="Wingdings" charset="2"/>
+              <a:buChar char=""/>
+            </a:pPr>
+            <a:r>
+              <a:rPr b="0" lang="en-US" sz="1800" spc="-1" strike="noStrike">
+                <a:solidFill>
+                  <a:srgbClr val="000000"/>
+                </a:solidFill>
+                <a:latin typeface="Arial"/>
+              </a:rPr>
+              <a:t>Fifth Outline Level</a:t>
+            </a:r>
+            <a:endParaRPr b="0" lang="en-US" sz="1800" spc="-1" strike="noStrike">
+              <a:solidFill>
+                <a:srgbClr val="000000"/>
+              </a:solidFill>
+              <a:latin typeface="Arial"/>
+            </a:endParaRPr>
+          </a:p>
+          <a:p>
+            <a:pPr lvl="5" marL="2592000" indent="-216000">
+              <a:spcBef>
+                <a:spcPts val="283"/>
+              </a:spcBef>
+              <a:buClr>
+                <a:srgbClr val="000000"/>
+              </a:buClr>
+              <a:buSzPct val="45000"/>
+              <a:buFont typeface="Wingdings" charset="2"/>
+              <a:buChar char=""/>
+            </a:pPr>
+            <a:r>
+              <a:rPr b="0" lang="en-US" sz="1800" spc="-1" strike="noStrike">
+                <a:solidFill>
+                  <a:srgbClr val="000000"/>
+                </a:solidFill>
+                <a:latin typeface="Arial"/>
+              </a:rPr>
+              <a:t>Sixth Outline Level</a:t>
+            </a:r>
+            <a:endParaRPr b="0" lang="en-US" sz="1800" spc="-1" strike="noStrike">
+              <a:solidFill>
+                <a:srgbClr val="000000"/>
+              </a:solidFill>
+              <a:latin typeface="Arial"/>
+            </a:endParaRPr>
+          </a:p>
+          <a:p>
+            <a:pPr lvl="6" marL="3024000" indent="-216000">
+              <a:spcBef>
+                <a:spcPts val="283"/>
+              </a:spcBef>
+              <a:buClr>
+                <a:srgbClr val="000000"/>
+              </a:buClr>
+              <a:buSzPct val="45000"/>
+              <a:buFont typeface="Wingdings" charset="2"/>
+              <a:buChar char=""/>
+            </a:pPr>
+            <a:r>
+              <a:rPr b="0" lang="en-US" sz="1800" spc="-1" strike="noStrike">
+                <a:solidFill>
+                  <a:srgbClr val="000000"/>
+                </a:solidFill>
+                <a:latin typeface="Arial"/>
+              </a:rPr>
+              <a:t>Seventh Outline Level</a:t>
+            </a:r>
+            <a:endParaRPr b="0" lang="en-US" sz="1800" spc="-1" strike="noStrike">
+              <a:solidFill>
+                <a:srgbClr val="000000"/>
+              </a:solidFill>
+              <a:latin typeface="Arial"/>
+            </a:endParaRPr>
+          </a:p>
+        </p:txBody>
+      </p:sp>
+      <p:sp>
+        <p:nvSpPr>
+          <p:cNvPr id="2" name="PlaceHolder 3"/>
+          <p:cNvSpPr>
+            <a:spLocks noGrp="1"/>
+          </p:cNvSpPr>
+          <p:nvPr>
             <p:ph type="ftr" idx="1"/>
           </p:nvPr>
         </p:nvSpPr>
         <p:spPr>
           <a:xfrm>
             <a:off x="3124080" y="4767120"/>
-            <a:ext cx="2894760" cy="273240"/>
+            <a:ext cx="2894400" cy="272880"/>
           </a:xfrm>
           <a:prstGeom prst="rect">
             <a:avLst/>
@@ -10192,7 +10416,7 @@
                 </a:solidFill>
                 <a:latin typeface="Times New Roman"/>
               </a:rPr>
-              <a:t> </a:t>
+              <a:t>&lt;footer&gt;</a:t>
             </a:r>
             <a:endParaRPr b="0" lang="en-US" sz="1400" spc="-1" strike="noStrike">
               <a:solidFill>
@@ -10205,7 +10429,7 @@
       </p:sp>
       <p:sp>
         <p:nvSpPr>
-          <p:cNvPr id="2" name="PlaceHolder 3"/>
+          <p:cNvPr id="3" name="PlaceHolder 4"/>
           <p:cNvSpPr>
             <a:spLocks noGrp="1"/>
           </p:cNvSpPr>
@@ -10216,7 +10440,7 @@
         <p:spPr>
           <a:xfrm>
             <a:off x="6553080" y="4767120"/>
-            <a:ext cx="2133000" cy="273240"/>
+            <a:ext cx="2132640" cy="272880"/>
           </a:xfrm>
           <a:prstGeom prst="rect">
             <a:avLst/>
@@ -10258,7 +10482,7 @@
                 <a:tab algn="l" pos="0"/>
               </a:tabLst>
             </a:pPr>
-            <a:fld id="{5E5AF03B-65BC-4599-808D-67494301E9EC}" type="slidenum">
+            <a:fld id="{A52062EA-8BCB-4914-AEF2-13655B540AC7}" type="slidenum">
               <a:rPr b="0" lang="es-419" sz="1200" spc="-1" strike="noStrike">
                 <a:solidFill>
                   <a:srgbClr val="888888"/>
@@ -10266,7 +10490,7 @@
                 <a:latin typeface="Calibri"/>
                 <a:ea typeface="Calibri"/>
               </a:rPr>
-              <a:t>3</a:t>
+              <a:t>&lt;number&gt;</a:t>
             </a:fld>
             <a:endParaRPr b="0" lang="en-US" sz="1200" spc="-1" strike="noStrike">
               <a:solidFill>
@@ -10279,7 +10503,7 @@
       </p:sp>
       <p:sp>
         <p:nvSpPr>
-          <p:cNvPr id="3" name="PlaceHolder 4"/>
+          <p:cNvPr id="4" name="PlaceHolder 5"/>
           <p:cNvSpPr>
             <a:spLocks noGrp="1"/>
           </p:cNvSpPr>
@@ -10290,7 +10514,7 @@
         <p:spPr>
           <a:xfrm>
             <a:off x="457200" y="4767120"/>
-            <a:ext cx="2133000" cy="273240"/>
+            <a:ext cx="2132640" cy="272880"/>
           </a:xfrm>
           <a:prstGeom prst="rect">
             <a:avLst/>
@@ -10326,238 +10550,13 @@
                 </a:solidFill>
                 <a:latin typeface="Times New Roman"/>
               </a:rPr>
-              <a:t> </a:t>
+              <a:t>&lt;date/time&gt;</a:t>
             </a:r>
             <a:endParaRPr b="0" lang="en-US" sz="1400" spc="-1" strike="noStrike">
               <a:solidFill>
                 <a:srgbClr val="000000"/>
               </a:solidFill>
               <a:latin typeface="Times New Roman"/>
-            </a:endParaRPr>
-          </a:p>
-        </p:txBody>
-      </p:sp>
-      <p:sp>
-        <p:nvSpPr>
-          <p:cNvPr id="4" name="PlaceHolder 5"/>
-          <p:cNvSpPr>
-            <a:spLocks noGrp="1"/>
-          </p:cNvSpPr>
-          <p:nvPr>
-            <p:ph type="body"/>
-          </p:nvPr>
-        </p:nvSpPr>
-        <p:spPr>
-          <a:xfrm>
-            <a:off x="457200" y="1203480"/>
-            <a:ext cx="8229240" cy="2982960"/>
-          </a:xfrm>
-          <a:prstGeom prst="rect">
-            <a:avLst/>
-          </a:prstGeom>
-          <a:noFill/>
-          <a:ln w="0">
-            <a:noFill/>
-          </a:ln>
-        </p:spPr>
-        <p:txBody>
-          <a:bodyPr lIns="0" rIns="0" tIns="0" bIns="0" anchor="t">
-            <a:normAutofit/>
-          </a:bodyPr>
-          <a:p>
-            <a:pPr marL="432000" indent="-324000">
-              <a:spcBef>
-                <a:spcPts val="1417"/>
-              </a:spcBef>
-              <a:buClr>
-                <a:srgbClr val="000000"/>
-              </a:buClr>
-              <a:buSzPct val="45000"/>
-              <a:buFont typeface="Wingdings" charset="2"/>
-              <a:buChar char=""/>
-            </a:pPr>
-            <a:r>
-              <a:rPr b="0" lang="en-US" sz="3200" spc="-1" strike="noStrike">
-                <a:solidFill>
-                  <a:srgbClr val="000000"/>
-                </a:solidFill>
-                <a:latin typeface="Arial"/>
-              </a:rPr>
-              <a:t>Click to edit the outline text format</a:t>
-            </a:r>
-            <a:endParaRPr b="0" lang="en-US" sz="3200" spc="-1" strike="noStrike">
-              <a:solidFill>
-                <a:srgbClr val="000000"/>
-              </a:solidFill>
-              <a:latin typeface="Arial"/>
-            </a:endParaRPr>
-          </a:p>
-          <a:p>
-            <a:pPr lvl="1" marL="864000" indent="-324000">
-              <a:spcBef>
-                <a:spcPts val="1134"/>
-              </a:spcBef>
-              <a:buClr>
-                <a:srgbClr val="000000"/>
-              </a:buClr>
-              <a:buSzPct val="75000"/>
-              <a:buFont typeface="Symbol" charset="2"/>
-              <a:buChar char=""/>
-            </a:pPr>
-            <a:r>
-              <a:rPr b="0" lang="en-US" sz="2800" spc="-1" strike="noStrike">
-                <a:solidFill>
-                  <a:srgbClr val="000000"/>
-                </a:solidFill>
-                <a:latin typeface="Arial"/>
-              </a:rPr>
-              <a:t>Second Outline Level</a:t>
-            </a:r>
-            <a:endParaRPr b="0" lang="en-US" sz="2800" spc="-1" strike="noStrike">
-              <a:solidFill>
-                <a:srgbClr val="000000"/>
-              </a:solidFill>
-              <a:latin typeface="Arial"/>
-            </a:endParaRPr>
-          </a:p>
-          <a:p>
-            <a:pPr lvl="2" marL="1296000" indent="-288000">
-              <a:spcBef>
-                <a:spcPts val="850"/>
-              </a:spcBef>
-              <a:buClr>
-                <a:srgbClr val="000000"/>
-              </a:buClr>
-              <a:buSzPct val="45000"/>
-              <a:buFont typeface="Wingdings" charset="2"/>
-              <a:buChar char=""/>
-            </a:pPr>
-            <a:r>
-              <a:rPr b="0" lang="en-US" sz="2400" spc="-1" strike="noStrike">
-                <a:solidFill>
-                  <a:srgbClr val="000000"/>
-                </a:solidFill>
-                <a:latin typeface="Arial"/>
-              </a:rPr>
-              <a:t>Third Outline Level</a:t>
-            </a:r>
-            <a:endParaRPr b="0" lang="en-US" sz="2400" spc="-1" strike="noStrike">
-              <a:solidFill>
-                <a:srgbClr val="000000"/>
-              </a:solidFill>
-              <a:latin typeface="Arial"/>
-            </a:endParaRPr>
-          </a:p>
-          <a:p>
-            <a:pPr lvl="3" marL="1728000" indent="-216000">
-              <a:spcBef>
-                <a:spcPts val="567"/>
-              </a:spcBef>
-              <a:buClr>
-                <a:srgbClr val="000000"/>
-              </a:buClr>
-              <a:buSzPct val="75000"/>
-              <a:buFont typeface="Symbol" charset="2"/>
-              <a:buChar char=""/>
-            </a:pPr>
-            <a:r>
-              <a:rPr b="0" lang="en-US" sz="2000" spc="-1" strike="noStrike">
-                <a:solidFill>
-                  <a:srgbClr val="000000"/>
-                </a:solidFill>
-                <a:latin typeface="Arial"/>
-              </a:rPr>
-              <a:t>Fourth Outline Level</a:t>
-            </a:r>
-            <a:endParaRPr b="0" lang="en-US" sz="2000" spc="-1" strike="noStrike">
-              <a:solidFill>
-                <a:srgbClr val="000000"/>
-              </a:solidFill>
-              <a:latin typeface="Arial"/>
-            </a:endParaRPr>
-          </a:p>
-          <a:p>
-            <a:pPr lvl="4" marL="2160000" indent="-216000">
-              <a:spcBef>
-                <a:spcPts val="283"/>
-              </a:spcBef>
-              <a:buClr>
-                <a:srgbClr val="000000"/>
-              </a:buClr>
-              <a:buSzPct val="45000"/>
-              <a:buFont typeface="Wingdings" charset="2"/>
-              <a:buChar char=""/>
-            </a:pPr>
-            <a:r>
-              <a:rPr b="0" lang="en-US" sz="2000" spc="-1" strike="noStrike">
-                <a:solidFill>
-                  <a:srgbClr val="000000"/>
-                </a:solidFill>
-                <a:latin typeface="Arial"/>
-              </a:rPr>
-              <a:t>Fifth Outline Level</a:t>
-            </a:r>
-            <a:endParaRPr b="0" lang="en-US" sz="2000" spc="-1" strike="noStrike">
-              <a:solidFill>
-                <a:srgbClr val="000000"/>
-              </a:solidFill>
-              <a:latin typeface="Arial"/>
-            </a:endParaRPr>
-          </a:p>
-          <a:p>
-            <a:pPr lvl="5" marL="2592000" indent="-216000">
-              <a:spcBef>
-                <a:spcPts val="283"/>
-              </a:spcBef>
-              <a:buClr>
-                <a:srgbClr val="000000"/>
-              </a:buClr>
-              <a:buSzPct val="45000"/>
-              <a:buFont typeface="Wingdings" charset="2"/>
-              <a:buChar char=""/>
-            </a:pPr>
-            <a:r>
-              <a:rPr b="0" lang="en-US" sz="2000" spc="-1" strike="noStrike">
-                <a:solidFill>
-                  <a:srgbClr val="000000"/>
-                </a:solidFill>
-                <a:latin typeface="Arial"/>
-              </a:rPr>
-              <a:t>Sixth Outline Level</a:t>
-            </a:r>
-            <a:endParaRPr b="0" lang="en-US" sz="2000" spc="-1" strike="noStrike">
-              <a:solidFill>
-                <a:srgbClr val="000000"/>
-              </a:solidFill>
-              <a:latin typeface="Arial"/>
-            </a:endParaRPr>
-          </a:p>
-          <a:p>
-            <a:pPr lvl="6" marL="3024000" indent="-216000">
-              <a:spcBef>
-                <a:spcPts val="283"/>
-              </a:spcBef>
-              <a:buClr>
-                <a:srgbClr val="000000"/>
-              </a:buClr>
-              <a:buSzPct val="45000"/>
-              <a:buFont typeface="Wingdings" charset="2"/>
-              <a:buChar char=""/>
-            </a:pPr>
-            <a:r>
-              <a:rPr b="0" lang="en-US" sz="2000" spc="-1" strike="noStrike">
-                <a:solidFill>
-                  <a:srgbClr val="000000"/>
-                </a:solidFill>
-                <a:latin typeface="Arial"/>
-              </a:rPr>
-              <a:t>Seventh Outline Level</a:t>
-            </a:r>
-            <a:endParaRPr b="0" lang="en-US" sz="2000" spc="-1" strike="noStrike">
-              <a:solidFill>
-                <a:srgbClr val="000000"/>
-              </a:solidFill>
-              <a:latin typeface="Arial"/>
             </a:endParaRPr>
           </a:p>
         </p:txBody>
@@ -10619,7 +10618,7 @@
         <p:spPr>
           <a:xfrm>
             <a:off x="3124080" y="4767120"/>
-            <a:ext cx="2894760" cy="273240"/>
+            <a:ext cx="2894400" cy="272880"/>
           </a:xfrm>
           <a:prstGeom prst="rect">
             <a:avLst/>
@@ -10691,7 +10690,7 @@
         <p:spPr>
           <a:xfrm>
             <a:off x="6553080" y="4767120"/>
-            <a:ext cx="2133000" cy="273240"/>
+            <a:ext cx="2132640" cy="272880"/>
           </a:xfrm>
           <a:prstGeom prst="rect">
             <a:avLst/>
@@ -10733,7 +10732,7 @@
                 <a:tab algn="l" pos="0"/>
               </a:tabLst>
             </a:pPr>
-            <a:fld id="{DB7FD7E2-D747-4675-975D-0E5C71F76DFF}" type="slidenum">
+            <a:fld id="{D1DA7E27-E7BF-4D23-AB7F-0370F318D30A}" type="slidenum">
               <a:rPr b="0" lang="es-419" sz="1200" spc="-1" strike="noStrike">
                 <a:solidFill>
                   <a:srgbClr val="888888"/>
@@ -10765,7 +10764,7 @@
         <p:spPr>
           <a:xfrm>
             <a:off x="457200" y="4767120"/>
-            <a:ext cx="2133000" cy="273240"/>
+            <a:ext cx="2132640" cy="272880"/>
           </a:xfrm>
           <a:prstGeom prst="rect">
             <a:avLst/>
@@ -11142,8 +11141,8 @@
         </p:nvSpPr>
         <p:spPr>
           <a:xfrm>
-            <a:off x="457200" y="205920"/>
-            <a:ext cx="8228880" cy="856440"/>
+            <a:off x="457200" y="205200"/>
+            <a:ext cx="8228880" cy="858240"/>
           </a:xfrm>
           <a:prstGeom prst="rect">
             <a:avLst/>
@@ -11192,7 +11191,7 @@
         <p:spPr>
           <a:xfrm>
             <a:off x="3124080" y="4767120"/>
-            <a:ext cx="2894760" cy="273240"/>
+            <a:ext cx="2894400" cy="272880"/>
           </a:xfrm>
           <a:prstGeom prst="rect">
             <a:avLst/>
@@ -11264,7 +11263,7 @@
         <p:spPr>
           <a:xfrm>
             <a:off x="6553080" y="4767120"/>
-            <a:ext cx="2133000" cy="273240"/>
+            <a:ext cx="2132640" cy="272880"/>
           </a:xfrm>
           <a:prstGeom prst="rect">
             <a:avLst/>
@@ -11306,7 +11305,7 @@
                 <a:tab algn="l" pos="0"/>
               </a:tabLst>
             </a:pPr>
-            <a:fld id="{DF7BEF6C-CE82-4064-8415-2DF6BAB9562B}" type="slidenum">
+            <a:fld id="{4C32D2B6-7C33-4CFD-B86C-C7E9AD4EEC4C}" type="slidenum">
               <a:rPr b="0" lang="es-419" sz="1200" spc="-1" strike="noStrike">
                 <a:solidFill>
                   <a:srgbClr val="888888"/>
@@ -11338,7 +11337,7 @@
         <p:spPr>
           <a:xfrm>
             <a:off x="457200" y="4767120"/>
-            <a:ext cx="2133000" cy="273240"/>
+            <a:ext cx="2132640" cy="272880"/>
           </a:xfrm>
           <a:prstGeom prst="rect">
             <a:avLst/>
@@ -11666,8 +11665,8 @@
         </p:nvSpPr>
         <p:spPr>
           <a:xfrm>
-            <a:off x="457200" y="205920"/>
-            <a:ext cx="8228880" cy="856440"/>
+            <a:off x="457200" y="205200"/>
+            <a:ext cx="8228880" cy="858240"/>
           </a:xfrm>
           <a:prstGeom prst="rect">
             <a:avLst/>
@@ -11715,8 +11714,8 @@
         </p:nvSpPr>
         <p:spPr>
           <a:xfrm>
-            <a:off x="457200" y="1200240"/>
-            <a:ext cx="4015440" cy="3393720"/>
+            <a:off x="457200" y="1203480"/>
+            <a:ext cx="4015440" cy="2982600"/>
           </a:xfrm>
           <a:prstGeom prst="rect">
             <a:avLst/>
@@ -11728,10 +11727,10 @@
         </p:spPr>
         <p:txBody>
           <a:bodyPr lIns="0" rIns="0" tIns="0" bIns="0" anchor="t">
-            <a:normAutofit/>
-          </a:bodyPr>
-          <a:p>
-            <a:pPr marL="432000" indent="-324000">
+            <a:normAutofit fontScale="96000"/>
+          </a:bodyPr>
+          <a:p>
+            <a:pPr marL="414720" indent="-311040">
               <a:spcBef>
                 <a:spcPts val="1417"/>
               </a:spcBef>
@@ -11759,7 +11758,7 @@
             </a:endParaRPr>
           </a:p>
           <a:p>
-            <a:pPr lvl="1" marL="864000" indent="-324000">
+            <a:pPr lvl="1" marL="829440" indent="-311040">
               <a:spcBef>
                 <a:spcPts val="1134"/>
               </a:spcBef>
@@ -11787,7 +11786,7 @@
             </a:endParaRPr>
           </a:p>
           <a:p>
-            <a:pPr lvl="2" marL="1296000" indent="-288000">
+            <a:pPr lvl="2" marL="1244160" indent="-276480">
               <a:spcBef>
                 <a:spcPts val="850"/>
               </a:spcBef>
@@ -11815,7 +11814,7 @@
             </a:endParaRPr>
           </a:p>
           <a:p>
-            <a:pPr lvl="3" marL="1728000" indent="-216000">
+            <a:pPr lvl="3" marL="1658880" indent="-207360">
               <a:spcBef>
                 <a:spcPts val="567"/>
               </a:spcBef>
@@ -11843,7 +11842,7 @@
             </a:endParaRPr>
           </a:p>
           <a:p>
-            <a:pPr lvl="4" marL="2160000" indent="-216000">
+            <a:pPr lvl="4" marL="2073600" indent="-207360">
               <a:spcBef>
                 <a:spcPts val="283"/>
               </a:spcBef>
@@ -11871,7 +11870,7 @@
             </a:endParaRPr>
           </a:p>
           <a:p>
-            <a:pPr lvl="5" marL="2592000" indent="-216000">
+            <a:pPr lvl="5" marL="2488320" indent="-207360">
               <a:spcBef>
                 <a:spcPts val="283"/>
               </a:spcBef>
@@ -11899,7 +11898,7 @@
             </a:endParaRPr>
           </a:p>
           <a:p>
-            <a:pPr lvl="6" marL="3024000" indent="-216000">
+            <a:pPr lvl="6" marL="2903040" indent="-207360">
               <a:spcBef>
                 <a:spcPts val="283"/>
               </a:spcBef>
@@ -11940,8 +11939,8 @@
         </p:nvSpPr>
         <p:spPr>
           <a:xfrm>
-            <a:off x="4674240" y="1200240"/>
-            <a:ext cx="4015440" cy="3393720"/>
+            <a:off x="4674240" y="1203480"/>
+            <a:ext cx="4015440" cy="2982600"/>
           </a:xfrm>
           <a:prstGeom prst="rect">
             <a:avLst/>
@@ -11953,10 +11952,10 @@
         </p:spPr>
         <p:txBody>
           <a:bodyPr lIns="0" rIns="0" tIns="0" bIns="0" anchor="t">
-            <a:normAutofit/>
-          </a:bodyPr>
-          <a:p>
-            <a:pPr marL="432000" indent="-324000">
+            <a:normAutofit fontScale="96000"/>
+          </a:bodyPr>
+          <a:p>
+            <a:pPr marL="414720" indent="-311040">
               <a:spcBef>
                 <a:spcPts val="1417"/>
               </a:spcBef>
@@ -11984,7 +11983,7 @@
             </a:endParaRPr>
           </a:p>
           <a:p>
-            <a:pPr lvl="1" marL="864000" indent="-324000">
+            <a:pPr lvl="1" marL="829440" indent="-311040">
               <a:spcBef>
                 <a:spcPts val="1134"/>
               </a:spcBef>
@@ -12012,7 +12011,7 @@
             </a:endParaRPr>
           </a:p>
           <a:p>
-            <a:pPr lvl="2" marL="1296000" indent="-288000">
+            <a:pPr lvl="2" marL="1244160" indent="-276480">
               <a:spcBef>
                 <a:spcPts val="850"/>
               </a:spcBef>
@@ -12040,7 +12039,7 @@
             </a:endParaRPr>
           </a:p>
           <a:p>
-            <a:pPr lvl="3" marL="1728000" indent="-216000">
+            <a:pPr lvl="3" marL="1658880" indent="-207360">
               <a:spcBef>
                 <a:spcPts val="567"/>
               </a:spcBef>
@@ -12068,7 +12067,7 @@
             </a:endParaRPr>
           </a:p>
           <a:p>
-            <a:pPr lvl="4" marL="2160000" indent="-216000">
+            <a:pPr lvl="4" marL="2073600" indent="-207360">
               <a:spcBef>
                 <a:spcPts val="283"/>
               </a:spcBef>
@@ -12096,7 +12095,7 @@
             </a:endParaRPr>
           </a:p>
           <a:p>
-            <a:pPr lvl="5" marL="2592000" indent="-216000">
+            <a:pPr lvl="5" marL="2488320" indent="-207360">
               <a:spcBef>
                 <a:spcPts val="283"/>
               </a:spcBef>
@@ -12124,7 +12123,7 @@
             </a:endParaRPr>
           </a:p>
           <a:p>
-            <a:pPr lvl="6" marL="3024000" indent="-216000">
+            <a:pPr lvl="6" marL="2903040" indent="-207360">
               <a:spcBef>
                 <a:spcPts val="283"/>
               </a:spcBef>
@@ -12166,7 +12165,7 @@
         <p:spPr>
           <a:xfrm>
             <a:off x="3124080" y="4767120"/>
-            <a:ext cx="2894760" cy="273240"/>
+            <a:ext cx="2894400" cy="272880"/>
           </a:xfrm>
           <a:prstGeom prst="rect">
             <a:avLst/>
@@ -12238,7 +12237,7 @@
         <p:spPr>
           <a:xfrm>
             <a:off x="6553080" y="4767120"/>
-            <a:ext cx="2133000" cy="273240"/>
+            <a:ext cx="2132640" cy="272880"/>
           </a:xfrm>
           <a:prstGeom prst="rect">
             <a:avLst/>
@@ -12280,7 +12279,7 @@
                 <a:tab algn="l" pos="0"/>
               </a:tabLst>
             </a:pPr>
-            <a:fld id="{AC70D52F-D162-44C7-ABDE-527110D8EDFE}" type="slidenum">
+            <a:fld id="{5429AE82-DD44-4524-80AA-00D05F81A991}" type="slidenum">
               <a:rPr b="0" lang="es-419" sz="1200" spc="-1" strike="noStrike">
                 <a:solidFill>
                   <a:srgbClr val="888888"/>
@@ -12312,7 +12311,7 @@
         <p:spPr>
           <a:xfrm>
             <a:off x="457200" y="4767120"/>
-            <a:ext cx="2133000" cy="273240"/>
+            <a:ext cx="2132640" cy="272880"/>
           </a:xfrm>
           <a:prstGeom prst="rect">
             <a:avLst/>
@@ -12409,7 +12408,7 @@
         <p:spPr>
           <a:xfrm>
             <a:off x="685800" y="1641240"/>
-            <a:ext cx="7771680" cy="1101960"/>
+            <a:ext cx="7771320" cy="1101600"/>
           </a:xfrm>
           <a:prstGeom prst="rect">
             <a:avLst/>
@@ -12460,6 +12459,16 @@
               <a:rPr sz="3600"/>
             </a:br>
             <a:r>
+              <a:rPr b="1" lang="es-419" sz="2800" spc="-1" strike="noStrike">
+                <a:solidFill>
+                  <a:schemeClr val="dk1"/>
+                </a:solidFill>
+                <a:latin typeface="Calibri"/>
+                <a:ea typeface="Calibri"/>
+              </a:rPr>
+              <a:t>HTML</a:t>
+            </a:r>
+            <a:r>
               <a:rPr b="0" lang="es-419" sz="2600" spc="-1" strike="noStrike">
                 <a:solidFill>
                   <a:schemeClr val="dk1"/>
@@ -12467,7 +12476,7 @@
                 <a:latin typeface="Calibri"/>
                 <a:ea typeface="Calibri"/>
               </a:rPr>
-              <a:t>HTML Only</a:t>
+              <a:t> Only</a:t>
             </a:r>
             <a:endParaRPr b="0" lang="en-US" sz="2600" spc="-1" strike="noStrike">
               <a:solidFill>
@@ -12491,7 +12500,7 @@
         <p:spPr>
           <a:xfrm>
             <a:off x="2286000" y="4001400"/>
-            <a:ext cx="4571280" cy="799200"/>
+            <a:ext cx="4570920" cy="798840"/>
           </a:xfrm>
           <a:prstGeom prst="rect">
             <a:avLst/>
@@ -12525,7 +12534,7 @@
               </a:rPr>
               <a:t>Luca Gritti</a:t>
             </a:r>
-            <a:endParaRPr b="0" i="1" lang="en-US" sz="2000" spc="-1" strike="noStrike">
+            <a:endParaRPr b="0" lang="en-US" sz="2000" spc="-1" strike="noStrike">
               <a:solidFill>
                 <a:srgbClr val="000000"/>
               </a:solidFill>
@@ -12552,7 +12561,7 @@
               </a:rPr>
               <a:t>10765611</a:t>
             </a:r>
-            <a:endParaRPr b="0" i="1" lang="en-US" sz="2000" spc="-1" strike="noStrike">
+            <a:endParaRPr b="0" lang="en-US" sz="2000" spc="-1" strike="noStrike">
               <a:solidFill>
                 <a:srgbClr val="000000"/>
               </a:solidFill>
@@ -12593,7 +12602,7 @@
       </p:grpSpPr>
       <p:sp>
         <p:nvSpPr>
-          <p:cNvPr id="247" name="PlaceHolder 1"/>
+          <p:cNvPr id="236" name="PlaceHolder 1"/>
           <p:cNvSpPr>
             <a:spLocks noGrp="1"/>
           </p:cNvSpPr>
@@ -12604,7 +12613,7 @@
         <p:spPr>
           <a:xfrm>
             <a:off x="457200" y="205920"/>
-            <a:ext cx="8228880" cy="856800"/>
+            <a:ext cx="8228520" cy="856440"/>
           </a:xfrm>
           <a:prstGeom prst="rect">
             <a:avLst/>
@@ -12649,14 +12658,14 @@
       </p:sp>
       <p:sp>
         <p:nvSpPr>
-          <p:cNvPr id="248" name="Google Shape;244;p35"/>
+          <p:cNvPr id="237" name="Google Shape;244;p35"/>
           <p:cNvSpPr/>
           <p:nvPr/>
         </p:nvSpPr>
         <p:spPr>
           <a:xfrm>
             <a:off x="569160" y="951480"/>
-            <a:ext cx="4032360" cy="4098600"/>
+            <a:ext cx="4032000" cy="4098240"/>
           </a:xfrm>
           <a:prstGeom prst="rect">
             <a:avLst/>
@@ -12711,14 +12720,14 @@
       </p:sp>
       <p:sp>
         <p:nvSpPr>
-          <p:cNvPr id="249" name="Google Shape;245;p35"/>
+          <p:cNvPr id="238" name="Google Shape;245;p35"/>
           <p:cNvSpPr/>
           <p:nvPr/>
         </p:nvSpPr>
         <p:spPr>
           <a:xfrm>
             <a:off x="1422000" y="1453320"/>
-            <a:ext cx="1948320" cy="1663560"/>
+            <a:ext cx="1947960" cy="1663200"/>
           </a:xfrm>
           <a:prstGeom prst="roundRect">
             <a:avLst>
@@ -12840,14 +12849,14 @@
       </p:sp>
       <p:sp>
         <p:nvSpPr>
-          <p:cNvPr id="250" name="Google Shape;246;p35"/>
+          <p:cNvPr id="239" name="Google Shape;246;p35"/>
           <p:cNvSpPr/>
           <p:nvPr/>
         </p:nvSpPr>
         <p:spPr>
           <a:xfrm>
             <a:off x="3260520" y="1635840"/>
-            <a:ext cx="287280" cy="215280"/>
+            <a:ext cx="286920" cy="214920"/>
           </a:xfrm>
           <a:prstGeom prst="ellipse">
             <a:avLst/>
@@ -12893,20 +12902,22 @@
       </p:sp>
       <p:cxnSp>
         <p:nvCxnSpPr>
-          <p:cNvPr id="251" name="Google Shape;247;p35"/>
+          <p:cNvPr id="240" name="Google Shape;247;p35"/>
           <p:cNvCxnSpPr>
-            <a:stCxn id="250" idx="6"/>
-            <a:endCxn id="252" idx="5"/>
+            <a:stCxn id="239" idx="6"/>
+            <a:endCxn id="241" idx="5"/>
           </p:cNvCxnSpPr>
           <p:nvPr/>
         </p:nvCxnSpPr>
         <p:spPr>
-          <a:xfrm>
-            <a:off x="3547800" y="1743480"/>
-            <a:ext cx="1949760" cy="360"/>
-          </a:xfrm>
-          <a:prstGeom prst="bentConnector2">
-            <a:avLst/>
+          <a:xfrm flipV="1">
+            <a:off x="3547440" y="1743120"/>
+            <a:ext cx="1950120" cy="720"/>
+          </a:xfrm>
+          <a:prstGeom prst="bentConnector3">
+            <a:avLst>
+              <a:gd name="adj1" fmla="val 98430"/>
+            </a:avLst>
           </a:prstGeom>
           <a:ln w="25400">
             <a:solidFill>
@@ -12919,14 +12930,14 @@
       </p:cxnSp>
       <p:sp>
         <p:nvSpPr>
-          <p:cNvPr id="253" name="Google Shape;249;p35"/>
+          <p:cNvPr id="242" name="Google Shape;249;p35"/>
           <p:cNvSpPr/>
           <p:nvPr/>
         </p:nvSpPr>
         <p:spPr>
           <a:xfrm>
             <a:off x="3548520" y="1417320"/>
-            <a:ext cx="831600" cy="276120"/>
+            <a:ext cx="831240" cy="275760"/>
           </a:xfrm>
           <a:prstGeom prst="rect">
             <a:avLst/>
@@ -12976,14 +12987,14 @@
       </p:sp>
       <p:sp>
         <p:nvSpPr>
-          <p:cNvPr id="254" name="Google Shape;250;p35"/>
+          <p:cNvPr id="243" name="Google Shape;250;p35"/>
           <p:cNvSpPr/>
           <p:nvPr/>
         </p:nvSpPr>
         <p:spPr>
           <a:xfrm>
             <a:off x="5077800" y="951480"/>
-            <a:ext cx="2734920" cy="340920"/>
+            <a:ext cx="2734560" cy="340560"/>
           </a:xfrm>
           <a:prstGeom prst="rect">
             <a:avLst/>
@@ -13038,14 +13049,14 @@
       </p:sp>
       <p:cxnSp>
         <p:nvCxnSpPr>
-          <p:cNvPr id="255" name="Google Shape;251;p35"/>
+          <p:cNvPr id="244" name="Google Shape;251;p35"/>
           <p:cNvCxnSpPr/>
           <p:nvPr/>
         </p:nvCxnSpPr>
         <p:spPr>
           <a:xfrm flipH="1">
             <a:off x="4728600" y="1308240"/>
-            <a:ext cx="581760" cy="436680"/>
+            <a:ext cx="582120" cy="437040"/>
           </a:xfrm>
           <a:prstGeom prst="straightConnector1">
             <a:avLst/>
@@ -13060,14 +13071,14 @@
       </p:cxnSp>
       <p:sp>
         <p:nvSpPr>
-          <p:cNvPr id="252" name="Google Shape;248;p35"/>
+          <p:cNvPr id="241" name="Google Shape;248;p35"/>
           <p:cNvSpPr/>
           <p:nvPr/>
         </p:nvSpPr>
         <p:spPr>
           <a:xfrm>
             <a:off x="5436000" y="1498320"/>
-            <a:ext cx="1554120" cy="489960"/>
+            <a:ext cx="1553760" cy="489600"/>
           </a:xfrm>
           <a:prstGeom prst="parallelogram">
             <a:avLst>
@@ -13124,16 +13135,16 @@
       </p:sp>
       <p:cxnSp>
         <p:nvCxnSpPr>
-          <p:cNvPr id="256" name="Google Shape;252;p35"/>
+          <p:cNvPr id="245" name="Google Shape;252;p35"/>
           <p:cNvCxnSpPr>
-            <a:stCxn id="252" idx="4"/>
+            <a:stCxn id="241" idx="4"/>
           </p:cNvCxnSpPr>
           <p:nvPr/>
         </p:nvCxnSpPr>
         <p:spPr>
           <a:xfrm rot="5400000">
-            <a:off x="5262120" y="1334160"/>
-            <a:ext cx="297360" cy="1605240"/>
+            <a:off x="5261760" y="1334160"/>
+            <a:ext cx="297720" cy="1605240"/>
           </a:xfrm>
           <a:prstGeom prst="bentConnector3">
             <a:avLst>
@@ -13151,14 +13162,14 @@
       </p:cxnSp>
       <p:sp>
         <p:nvSpPr>
-          <p:cNvPr id="257" name="Google Shape;253;p35"/>
+          <p:cNvPr id="246" name="Google Shape;253;p35"/>
           <p:cNvSpPr/>
           <p:nvPr/>
         </p:nvSpPr>
         <p:spPr>
           <a:xfrm>
             <a:off x="5343840" y="4416840"/>
-            <a:ext cx="1697760" cy="340920"/>
+            <a:ext cx="1697400" cy="340560"/>
           </a:xfrm>
           <a:prstGeom prst="rect">
             <a:avLst/>
@@ -13213,9 +13224,9 @@
       </p:sp>
       <p:cxnSp>
         <p:nvCxnSpPr>
-          <p:cNvPr id="258" name="Google Shape;254;p35"/>
+          <p:cNvPr id="247" name="Google Shape;254;p35"/>
           <p:cNvCxnSpPr>
-            <a:stCxn id="257" idx="1"/>
+            <a:stCxn id="246" idx="1"/>
           </p:cNvCxnSpPr>
           <p:nvPr/>
         </p:nvCxnSpPr>
@@ -13238,14 +13249,14 @@
       </p:cxnSp>
       <p:sp>
         <p:nvSpPr>
-          <p:cNvPr id="259" name="Google Shape;255;p35"/>
+          <p:cNvPr id="248" name="Google Shape;255;p35"/>
           <p:cNvSpPr/>
           <p:nvPr/>
         </p:nvSpPr>
         <p:spPr>
           <a:xfrm>
             <a:off x="4428000" y="2917440"/>
-            <a:ext cx="287280" cy="215280"/>
+            <a:ext cx="286920" cy="214920"/>
           </a:xfrm>
           <a:prstGeom prst="ellipse">
             <a:avLst/>
@@ -13291,22 +13302,20 @@
       </p:sp>
       <p:cxnSp>
         <p:nvCxnSpPr>
-          <p:cNvPr id="260" name="Google Shape;256;p35"/>
+          <p:cNvPr id="249" name="Google Shape;256;p35"/>
           <p:cNvCxnSpPr>
-            <a:stCxn id="259" idx="6"/>
-            <a:endCxn id="261" idx="5"/>
+            <a:stCxn id="248" idx="6"/>
+            <a:endCxn id="250" idx="5"/>
           </p:cNvCxnSpPr>
           <p:nvPr/>
         </p:nvCxnSpPr>
         <p:spPr>
           <a:xfrm>
-            <a:off x="4715280" y="3025080"/>
-            <a:ext cx="1880640" cy="720"/>
-          </a:xfrm>
-          <a:prstGeom prst="bentConnector3">
-            <a:avLst>
-              <a:gd name="adj1" fmla="val 98391"/>
-            </a:avLst>
+            <a:off x="4714920" y="3025080"/>
+            <a:ext cx="1881000" cy="360"/>
+          </a:xfrm>
+          <a:prstGeom prst="bentConnector2">
+            <a:avLst/>
           </a:prstGeom>
           <a:ln w="25400">
             <a:solidFill>
@@ -13319,14 +13328,14 @@
       </p:cxnSp>
       <p:sp>
         <p:nvSpPr>
-          <p:cNvPr id="262" name="Google Shape;258;p35"/>
+          <p:cNvPr id="251" name="Google Shape;258;p35"/>
           <p:cNvSpPr/>
           <p:nvPr/>
         </p:nvSpPr>
         <p:spPr>
           <a:xfrm>
             <a:off x="5364720" y="2444760"/>
-            <a:ext cx="1168920" cy="340920"/>
+            <a:ext cx="1168560" cy="340560"/>
           </a:xfrm>
           <a:prstGeom prst="rect">
             <a:avLst/>
@@ -13381,16 +13390,16 @@
       </p:sp>
       <p:cxnSp>
         <p:nvCxnSpPr>
-          <p:cNvPr id="263" name="Google Shape;259;p35"/>
+          <p:cNvPr id="252" name="Google Shape;259;p35"/>
           <p:cNvCxnSpPr>
-            <a:stCxn id="262" idx="2"/>
+            <a:stCxn id="251" idx="2"/>
           </p:cNvCxnSpPr>
           <p:nvPr/>
         </p:nvCxnSpPr>
         <p:spPr>
           <a:xfrm flipH="1">
-            <a:off x="5401800" y="2785680"/>
-            <a:ext cx="547560" cy="222840"/>
+            <a:off x="5401800" y="2785320"/>
+            <a:ext cx="547560" cy="223560"/>
           </a:xfrm>
           <a:prstGeom prst="straightConnector1">
             <a:avLst/>
@@ -13405,14 +13414,14 @@
       </p:cxnSp>
       <p:sp>
         <p:nvSpPr>
-          <p:cNvPr id="261" name="Google Shape;257;p35"/>
+          <p:cNvPr id="250" name="Google Shape;257;p35"/>
           <p:cNvSpPr/>
           <p:nvPr/>
         </p:nvSpPr>
         <p:spPr>
           <a:xfrm>
             <a:off x="6534360" y="2780280"/>
-            <a:ext cx="1367640" cy="489960"/>
+            <a:ext cx="1367280" cy="489600"/>
           </a:xfrm>
           <a:prstGeom prst="parallelogram">
             <a:avLst>
@@ -13469,16 +13478,16 @@
       </p:sp>
       <p:cxnSp>
         <p:nvCxnSpPr>
-          <p:cNvPr id="264" name="Google Shape;260;p35"/>
+          <p:cNvPr id="253" name="Google Shape;260;p35"/>
           <p:cNvCxnSpPr>
-            <a:stCxn id="261" idx="3"/>
+            <a:stCxn id="250" idx="3"/>
           </p:cNvCxnSpPr>
           <p:nvPr/>
         </p:nvCxnSpPr>
         <p:spPr>
           <a:xfrm rot="5400000">
-            <a:off x="5745600" y="2106360"/>
-            <a:ext cx="247320" cy="2575440"/>
+            <a:off x="5745240" y="2106000"/>
+            <a:ext cx="248040" cy="2575800"/>
           </a:xfrm>
           <a:prstGeom prst="bentConnector3">
             <a:avLst>
@@ -13496,14 +13505,14 @@
       </p:cxnSp>
       <p:sp>
         <p:nvSpPr>
-          <p:cNvPr id="265" name="Google Shape;245;p35"/>
+          <p:cNvPr id="254" name="Google Shape;245;p35"/>
           <p:cNvSpPr/>
           <p:nvPr/>
         </p:nvSpPr>
         <p:spPr>
           <a:xfrm>
             <a:off x="1411200" y="3517560"/>
-            <a:ext cx="1948320" cy="1286280"/>
+            <a:ext cx="1947960" cy="1285920"/>
           </a:xfrm>
           <a:prstGeom prst="roundRect">
             <a:avLst>
@@ -13593,14 +13602,14 @@
       </p:sp>
       <p:sp>
         <p:nvSpPr>
-          <p:cNvPr id="266" name="Google Shape;249;p35"/>
+          <p:cNvPr id="255" name="Google Shape;249;p35"/>
           <p:cNvSpPr/>
           <p:nvPr/>
         </p:nvSpPr>
         <p:spPr>
           <a:xfrm>
             <a:off x="3733560" y="2919600"/>
-            <a:ext cx="831600" cy="276120"/>
+            <a:ext cx="831240" cy="275760"/>
           </a:xfrm>
           <a:prstGeom prst="rect">
             <a:avLst/>
@@ -13680,7 +13689,7 @@
       </p:grpSpPr>
       <p:sp>
         <p:nvSpPr>
-          <p:cNvPr id="267" name="PlaceHolder 1"/>
+          <p:cNvPr id="256" name="PlaceHolder 1"/>
           <p:cNvSpPr>
             <a:spLocks noGrp="1"/>
           </p:cNvSpPr>
@@ -13691,7 +13700,7 @@
         <p:spPr>
           <a:xfrm>
             <a:off x="457200" y="205920"/>
-            <a:ext cx="8228880" cy="856440"/>
+            <a:ext cx="8228520" cy="856080"/>
           </a:xfrm>
           <a:prstGeom prst="rect">
             <a:avLst/>
@@ -13736,7 +13745,7 @@
       </p:sp>
       <p:sp>
         <p:nvSpPr>
-          <p:cNvPr id="268" name="PlaceHolder 2"/>
+          <p:cNvPr id="257" name="PlaceHolder 2"/>
           <p:cNvSpPr>
             <a:spLocks noGrp="1"/>
           </p:cNvSpPr>
@@ -13747,7 +13756,7 @@
         <p:spPr>
           <a:xfrm>
             <a:off x="194400" y="1030320"/>
-            <a:ext cx="4315680" cy="3393720"/>
+            <a:ext cx="4315320" cy="3393360"/>
           </a:xfrm>
           <a:prstGeom prst="rect">
             <a:avLst/>
@@ -14247,7 +14256,7 @@
       </p:sp>
       <p:sp>
         <p:nvSpPr>
-          <p:cNvPr id="269" name="PlaceHolder 3"/>
+          <p:cNvPr id="258" name="PlaceHolder 3"/>
           <p:cNvSpPr>
             <a:spLocks noGrp="1"/>
           </p:cNvSpPr>
@@ -14258,7 +14267,7 @@
         <p:spPr>
           <a:xfrm>
             <a:off x="4648320" y="1030320"/>
-            <a:ext cx="4037760" cy="3393720"/>
+            <a:ext cx="4037400" cy="3393360"/>
           </a:xfrm>
           <a:prstGeom prst="rect">
             <a:avLst/>
@@ -14644,7 +14653,7 @@
       </p:grpSpPr>
       <p:sp>
         <p:nvSpPr>
-          <p:cNvPr id="270" name="PlaceHolder 1"/>
+          <p:cNvPr id="259" name="PlaceHolder 1"/>
           <p:cNvSpPr>
             <a:spLocks noGrp="1"/>
           </p:cNvSpPr>
@@ -14655,7 +14664,7 @@
         <p:spPr>
           <a:xfrm>
             <a:off x="457200" y="205920"/>
-            <a:ext cx="8228880" cy="755280"/>
+            <a:ext cx="8228520" cy="754920"/>
           </a:xfrm>
           <a:prstGeom prst="rect">
             <a:avLst/>
@@ -14700,14 +14709,14 @@
       </p:sp>
       <p:sp>
         <p:nvSpPr>
-          <p:cNvPr id="271" name="Google Shape;273;p37"/>
+          <p:cNvPr id="260" name="Google Shape;273;p37"/>
           <p:cNvSpPr/>
           <p:nvPr/>
         </p:nvSpPr>
         <p:spPr>
           <a:xfrm>
             <a:off x="867600" y="1071000"/>
-            <a:ext cx="1314000" cy="285120"/>
+            <a:ext cx="1313640" cy="284760"/>
           </a:xfrm>
           <a:prstGeom prst="rect">
             <a:avLst/>
@@ -14762,16 +14771,16 @@
       </p:sp>
       <p:cxnSp>
         <p:nvCxnSpPr>
-          <p:cNvPr id="272" name="Google Shape;274;p37"/>
+          <p:cNvPr id="261" name="Google Shape;274;p37"/>
           <p:cNvCxnSpPr>
-            <a:stCxn id="271" idx="2"/>
+            <a:stCxn id="260" idx="2"/>
           </p:cNvCxnSpPr>
           <p:nvPr/>
         </p:nvCxnSpPr>
         <p:spPr>
           <a:xfrm flipH="1">
-            <a:off x="1500120" y="1356120"/>
-            <a:ext cx="24840" cy="3366720"/>
+            <a:off x="1500120" y="1355760"/>
+            <a:ext cx="24480" cy="3367440"/>
           </a:xfrm>
           <a:prstGeom prst="straightConnector1">
             <a:avLst/>
@@ -14787,14 +14796,14 @@
       </p:cxnSp>
       <p:cxnSp>
         <p:nvCxnSpPr>
-          <p:cNvPr id="273" name="Google Shape;275;p37"/>
+          <p:cNvPr id="262" name="Google Shape;275;p37"/>
           <p:cNvCxnSpPr/>
           <p:nvPr/>
         </p:nvCxnSpPr>
         <p:spPr>
           <a:xfrm>
             <a:off x="429120" y="2214000"/>
-            <a:ext cx="877320" cy="720"/>
+            <a:ext cx="877680" cy="1080"/>
           </a:xfrm>
           <a:prstGeom prst="straightConnector1">
             <a:avLst/>
@@ -14810,14 +14819,14 @@
       </p:cxnSp>
       <p:sp>
         <p:nvSpPr>
-          <p:cNvPr id="274" name="Google Shape;276;p37"/>
+          <p:cNvPr id="263" name="Google Shape;276;p37"/>
           <p:cNvSpPr/>
           <p:nvPr/>
         </p:nvSpPr>
         <p:spPr>
           <a:xfrm>
             <a:off x="353160" y="1937160"/>
-            <a:ext cx="914760" cy="276120"/>
+            <a:ext cx="914400" cy="275760"/>
           </a:xfrm>
           <a:prstGeom prst="rect">
             <a:avLst/>
@@ -14867,14 +14876,14 @@
       </p:sp>
       <p:sp>
         <p:nvSpPr>
-          <p:cNvPr id="275" name="Google Shape;277;p37"/>
+          <p:cNvPr id="264" name="Google Shape;277;p37"/>
           <p:cNvSpPr/>
           <p:nvPr/>
         </p:nvSpPr>
         <p:spPr>
           <a:xfrm>
             <a:off x="1342080" y="1518840"/>
-            <a:ext cx="306000" cy="2899800"/>
+            <a:ext cx="305640" cy="2899440"/>
           </a:xfrm>
           <a:prstGeom prst="rect">
             <a:avLst/>
@@ -14920,14 +14929,14 @@
       </p:sp>
       <p:sp>
         <p:nvSpPr>
-          <p:cNvPr id="276" name="Google Shape;278;p37"/>
+          <p:cNvPr id="265" name="Google Shape;278;p37"/>
           <p:cNvSpPr/>
           <p:nvPr/>
         </p:nvSpPr>
         <p:spPr>
           <a:xfrm>
             <a:off x="2881080" y="1071000"/>
-            <a:ext cx="983160" cy="285120"/>
+            <a:ext cx="982800" cy="284760"/>
           </a:xfrm>
           <a:prstGeom prst="rect">
             <a:avLst/>
@@ -14982,14 +14991,14 @@
       </p:sp>
       <p:cxnSp>
         <p:nvCxnSpPr>
-          <p:cNvPr id="277" name="Google Shape;279;p37"/>
+          <p:cNvPr id="266" name="Google Shape;279;p37"/>
           <p:cNvCxnSpPr/>
           <p:nvPr/>
         </p:nvCxnSpPr>
         <p:spPr>
           <a:xfrm flipH="1">
             <a:off x="3398040" y="1356480"/>
-            <a:ext cx="30960" cy="3258720"/>
+            <a:ext cx="31320" cy="3259080"/>
           </a:xfrm>
           <a:prstGeom prst="straightConnector1">
             <a:avLst/>
@@ -15005,14 +15014,14 @@
       </p:cxnSp>
       <p:cxnSp>
         <p:nvCxnSpPr>
-          <p:cNvPr id="278" name="Google Shape;280;p37"/>
+          <p:cNvPr id="267" name="Google Shape;280;p37"/>
           <p:cNvCxnSpPr/>
           <p:nvPr/>
         </p:nvCxnSpPr>
         <p:spPr>
           <a:xfrm>
             <a:off x="1648440" y="1870920"/>
-            <a:ext cx="1596600" cy="720"/>
+            <a:ext cx="1596960" cy="1080"/>
           </a:xfrm>
           <a:prstGeom prst="straightConnector1">
             <a:avLst/>
@@ -15028,14 +15037,14 @@
       </p:cxnSp>
       <p:sp>
         <p:nvSpPr>
-          <p:cNvPr id="279" name="Google Shape;281;p37"/>
+          <p:cNvPr id="268" name="Google Shape;281;p37"/>
           <p:cNvSpPr/>
           <p:nvPr/>
         </p:nvSpPr>
         <p:spPr>
           <a:xfrm>
             <a:off x="1692360" y="1594080"/>
-            <a:ext cx="1717560" cy="230040"/>
+            <a:ext cx="1717200" cy="229680"/>
           </a:xfrm>
           <a:prstGeom prst="rect">
             <a:avLst/>
@@ -15085,14 +15094,14 @@
       </p:sp>
       <p:sp>
         <p:nvSpPr>
-          <p:cNvPr id="280" name="Google Shape;282;p37"/>
+          <p:cNvPr id="269" name="Google Shape;282;p37"/>
           <p:cNvSpPr/>
           <p:nvPr/>
         </p:nvSpPr>
         <p:spPr>
           <a:xfrm>
             <a:off x="3274560" y="1531440"/>
-            <a:ext cx="304200" cy="942120"/>
+            <a:ext cx="303840" cy="941760"/>
           </a:xfrm>
           <a:prstGeom prst="rect">
             <a:avLst/>
@@ -15138,14 +15147,14 @@
       </p:sp>
       <p:cxnSp>
         <p:nvCxnSpPr>
-          <p:cNvPr id="281" name="Google Shape;283;p37"/>
+          <p:cNvPr id="270" name="Google Shape;283;p37"/>
           <p:cNvCxnSpPr/>
           <p:nvPr/>
         </p:nvCxnSpPr>
         <p:spPr>
           <a:xfrm flipH="1">
             <a:off x="1666080" y="2394000"/>
-            <a:ext cx="1600920" cy="720"/>
+            <a:ext cx="1601280" cy="1080"/>
           </a:xfrm>
           <a:prstGeom prst="straightConnector1">
             <a:avLst/>
@@ -15161,14 +15170,14 @@
       </p:cxnSp>
       <p:sp>
         <p:nvSpPr>
-          <p:cNvPr id="282" name="Google Shape;284;p37"/>
+          <p:cNvPr id="271" name="Google Shape;284;p37"/>
           <p:cNvSpPr/>
           <p:nvPr/>
         </p:nvSpPr>
         <p:spPr>
           <a:xfrm>
             <a:off x="1893240" y="2092680"/>
-            <a:ext cx="1136160" cy="276120"/>
+            <a:ext cx="1135800" cy="275760"/>
           </a:xfrm>
           <a:prstGeom prst="rect">
             <a:avLst/>
@@ -15218,14 +15227,14 @@
       </p:sp>
       <p:sp>
         <p:nvSpPr>
-          <p:cNvPr id="283" name="Google Shape;285;p37"/>
+          <p:cNvPr id="272" name="Google Shape;285;p37"/>
           <p:cNvSpPr/>
           <p:nvPr/>
         </p:nvSpPr>
         <p:spPr>
           <a:xfrm>
             <a:off x="5221440" y="1071000"/>
-            <a:ext cx="750600" cy="285120"/>
+            <a:ext cx="750240" cy="284760"/>
           </a:xfrm>
           <a:prstGeom prst="rect">
             <a:avLst/>
@@ -15280,16 +15289,16 @@
       </p:sp>
       <p:cxnSp>
         <p:nvCxnSpPr>
-          <p:cNvPr id="284" name="Google Shape;286;p37"/>
+          <p:cNvPr id="273" name="Google Shape;286;p37"/>
           <p:cNvCxnSpPr>
-            <a:stCxn id="283" idx="2"/>
+            <a:stCxn id="272" idx="2"/>
           </p:cNvCxnSpPr>
           <p:nvPr/>
         </p:nvCxnSpPr>
         <p:spPr>
           <a:xfrm flipH="1">
-            <a:off x="5566680" y="1356120"/>
-            <a:ext cx="30240" cy="3259080"/>
+            <a:off x="5566680" y="1355760"/>
+            <a:ext cx="30240" cy="3259800"/>
           </a:xfrm>
           <a:prstGeom prst="straightConnector1">
             <a:avLst/>
@@ -15305,14 +15314,14 @@
       </p:cxnSp>
       <p:sp>
         <p:nvSpPr>
-          <p:cNvPr id="285" name="Google Shape;287;p37"/>
+          <p:cNvPr id="274" name="Google Shape;287;p37"/>
           <p:cNvSpPr/>
           <p:nvPr/>
         </p:nvSpPr>
         <p:spPr>
           <a:xfrm>
             <a:off x="5434200" y="3190320"/>
-            <a:ext cx="304200" cy="285120"/>
+            <a:ext cx="303840" cy="284760"/>
           </a:xfrm>
           <a:prstGeom prst="rect">
             <a:avLst/>
@@ -15358,14 +15367,14 @@
       </p:sp>
       <p:cxnSp>
         <p:nvCxnSpPr>
-          <p:cNvPr id="286" name="Google Shape;288;p37"/>
+          <p:cNvPr id="275" name="Google Shape;288;p37"/>
           <p:cNvCxnSpPr/>
           <p:nvPr/>
         </p:nvCxnSpPr>
         <p:spPr>
           <a:xfrm flipV="1">
             <a:off x="1648800" y="3331440"/>
-            <a:ext cx="3794400" cy="3960"/>
+            <a:ext cx="3794760" cy="4320"/>
           </a:xfrm>
           <a:prstGeom prst="straightConnector1">
             <a:avLst/>
@@ -15381,14 +15390,14 @@
       </p:cxnSp>
       <p:sp>
         <p:nvSpPr>
-          <p:cNvPr id="287" name="Google Shape;289;p37"/>
+          <p:cNvPr id="276" name="Google Shape;289;p37"/>
           <p:cNvSpPr/>
           <p:nvPr/>
         </p:nvSpPr>
         <p:spPr>
           <a:xfrm>
             <a:off x="1741320" y="3068640"/>
-            <a:ext cx="3112920" cy="273240"/>
+            <a:ext cx="3112560" cy="272880"/>
           </a:xfrm>
           <a:prstGeom prst="rect">
             <a:avLst/>
@@ -15435,14 +15444,14 @@
       </p:sp>
       <p:sp>
         <p:nvSpPr>
-          <p:cNvPr id="288" name="Google Shape;290;p37"/>
+          <p:cNvPr id="277" name="Google Shape;290;p37"/>
           <p:cNvSpPr/>
           <p:nvPr/>
         </p:nvSpPr>
         <p:spPr>
           <a:xfrm>
             <a:off x="4092840" y="1071000"/>
-            <a:ext cx="1055160" cy="285120"/>
+            <a:ext cx="1054800" cy="284760"/>
           </a:xfrm>
           <a:prstGeom prst="rect">
             <a:avLst/>
@@ -15497,16 +15506,16 @@
       </p:sp>
       <p:cxnSp>
         <p:nvCxnSpPr>
-          <p:cNvPr id="289" name="Google Shape;291;p37"/>
+          <p:cNvPr id="278" name="Google Shape;291;p37"/>
           <p:cNvCxnSpPr>
-            <a:stCxn id="288" idx="2"/>
+            <a:stCxn id="277" idx="2"/>
           </p:cNvCxnSpPr>
           <p:nvPr/>
         </p:nvCxnSpPr>
         <p:spPr>
           <a:xfrm flipH="1">
-            <a:off x="4590360" y="1356120"/>
-            <a:ext cx="30240" cy="3259080"/>
+            <a:off x="4590360" y="1355760"/>
+            <a:ext cx="30240" cy="3259800"/>
           </a:xfrm>
           <a:prstGeom prst="straightConnector1">
             <a:avLst/>
@@ -15522,14 +15531,14 @@
       </p:cxnSp>
       <p:sp>
         <p:nvSpPr>
-          <p:cNvPr id="290" name="Google Shape;292;p37"/>
+          <p:cNvPr id="279" name="Google Shape;292;p37"/>
           <p:cNvSpPr/>
           <p:nvPr/>
         </p:nvSpPr>
         <p:spPr>
           <a:xfrm>
             <a:off x="4464000" y="2498760"/>
-            <a:ext cx="304200" cy="664560"/>
+            <a:ext cx="303840" cy="664200"/>
           </a:xfrm>
           <a:prstGeom prst="rect">
             <a:avLst/>
@@ -15575,14 +15584,14 @@
       </p:sp>
       <p:cxnSp>
         <p:nvCxnSpPr>
-          <p:cNvPr id="291" name="Google Shape;293;p37"/>
+          <p:cNvPr id="280" name="Google Shape;293;p37"/>
           <p:cNvCxnSpPr/>
           <p:nvPr/>
         </p:nvCxnSpPr>
         <p:spPr>
           <a:xfrm>
             <a:off x="1670040" y="2901600"/>
-            <a:ext cx="2775600" cy="3240"/>
+            <a:ext cx="2775960" cy="3600"/>
           </a:xfrm>
           <a:prstGeom prst="straightConnector1">
             <a:avLst/>
@@ -15598,14 +15607,14 @@
       </p:cxnSp>
       <p:sp>
         <p:nvSpPr>
-          <p:cNvPr id="292" name="Google Shape;294;p37"/>
+          <p:cNvPr id="281" name="Google Shape;294;p37"/>
           <p:cNvSpPr/>
           <p:nvPr/>
         </p:nvSpPr>
         <p:spPr>
           <a:xfrm>
             <a:off x="96120" y="2311200"/>
-            <a:ext cx="1208880" cy="2107440"/>
+            <a:ext cx="1208520" cy="2107080"/>
           </a:xfrm>
           <a:prstGeom prst="rect">
             <a:avLst/>
@@ -15775,14 +15784,14 @@
       </p:sp>
       <p:cxnSp>
         <p:nvCxnSpPr>
-          <p:cNvPr id="293" name="Google Shape;295;p37"/>
+          <p:cNvPr id="282" name="Google Shape;295;p37"/>
           <p:cNvCxnSpPr/>
           <p:nvPr/>
         </p:nvCxnSpPr>
         <p:spPr>
           <a:xfrm flipH="1">
             <a:off x="6593400" y="1389960"/>
-            <a:ext cx="5400" cy="3299400"/>
+            <a:ext cx="5760" cy="3299760"/>
           </a:xfrm>
           <a:prstGeom prst="straightConnector1">
             <a:avLst/>
@@ -15798,14 +15807,14 @@
       </p:cxnSp>
       <p:sp>
         <p:nvSpPr>
-          <p:cNvPr id="294" name="Google Shape;296;p37"/>
+          <p:cNvPr id="283" name="Google Shape;296;p37"/>
           <p:cNvSpPr/>
           <p:nvPr/>
         </p:nvSpPr>
         <p:spPr>
           <a:xfrm>
             <a:off x="6443640" y="3421800"/>
-            <a:ext cx="304200" cy="755280"/>
+            <a:ext cx="303840" cy="754920"/>
           </a:xfrm>
           <a:prstGeom prst="rect">
             <a:avLst/>
@@ -15851,14 +15860,14 @@
       </p:sp>
       <p:sp>
         <p:nvSpPr>
-          <p:cNvPr id="295" name="Google Shape;297;p37"/>
+          <p:cNvPr id="284" name="Google Shape;297;p37"/>
           <p:cNvSpPr/>
           <p:nvPr/>
         </p:nvSpPr>
         <p:spPr>
           <a:xfrm>
             <a:off x="1707120" y="3502440"/>
-            <a:ext cx="2862360" cy="253080"/>
+            <a:ext cx="2862000" cy="252720"/>
           </a:xfrm>
           <a:prstGeom prst="rect">
             <a:avLst/>
@@ -15908,14 +15917,14 @@
       </p:sp>
       <p:sp>
         <p:nvSpPr>
-          <p:cNvPr id="296" name="Google Shape;298;p37"/>
+          <p:cNvPr id="285" name="Google Shape;298;p37"/>
           <p:cNvSpPr/>
           <p:nvPr/>
         </p:nvSpPr>
         <p:spPr>
           <a:xfrm>
             <a:off x="1826280" y="2612880"/>
-            <a:ext cx="2116800" cy="253080"/>
+            <a:ext cx="2116440" cy="252720"/>
           </a:xfrm>
           <a:prstGeom prst="rect">
             <a:avLst/>
@@ -15965,16 +15974,16 @@
       </p:sp>
       <p:cxnSp>
         <p:nvCxnSpPr>
-          <p:cNvPr id="297" name="Google Shape;299;p37"/>
+          <p:cNvPr id="286" name="Google Shape;299;p37"/>
           <p:cNvCxnSpPr>
-            <a:endCxn id="294" idx="1"/>
+            <a:endCxn id="283" idx="1"/>
           </p:cNvCxnSpPr>
           <p:nvPr/>
         </p:nvCxnSpPr>
         <p:spPr>
           <a:xfrm flipV="1">
-            <a:off x="1670040" y="3799440"/>
-            <a:ext cx="4773960" cy="6840"/>
+            <a:off x="1670040" y="3799080"/>
+            <a:ext cx="4773960" cy="7560"/>
           </a:xfrm>
           <a:prstGeom prst="straightConnector1">
             <a:avLst/>
@@ -15990,14 +15999,14 @@
       </p:cxnSp>
       <p:cxnSp>
         <p:nvCxnSpPr>
-          <p:cNvPr id="298" name="Google Shape;300;p37"/>
+          <p:cNvPr id="287" name="Google Shape;300;p37"/>
           <p:cNvCxnSpPr/>
           <p:nvPr/>
         </p:nvCxnSpPr>
         <p:spPr>
           <a:xfrm flipH="1">
             <a:off x="1660320" y="2134440"/>
-            <a:ext cx="1606680" cy="720"/>
+            <a:ext cx="1607040" cy="1080"/>
           </a:xfrm>
           <a:prstGeom prst="straightConnector1">
             <a:avLst/>
@@ -16013,14 +16022,14 @@
       </p:cxnSp>
       <p:sp>
         <p:nvSpPr>
-          <p:cNvPr id="299" name="Google Shape;301;p37"/>
+          <p:cNvPr id="288" name="Google Shape;301;p37"/>
           <p:cNvSpPr/>
           <p:nvPr/>
         </p:nvSpPr>
         <p:spPr>
           <a:xfrm>
             <a:off x="1591920" y="1887480"/>
-            <a:ext cx="1813320" cy="267120"/>
+            <a:ext cx="1812960" cy="266760"/>
           </a:xfrm>
           <a:prstGeom prst="rect">
             <a:avLst/>
@@ -16070,14 +16079,14 @@
       </p:sp>
       <p:sp>
         <p:nvSpPr>
-          <p:cNvPr id="300" name="Google Shape;302;p37"/>
+          <p:cNvPr id="289" name="Google Shape;302;p37"/>
           <p:cNvSpPr/>
           <p:nvPr/>
         </p:nvSpPr>
         <p:spPr>
           <a:xfrm>
             <a:off x="6133320" y="1075320"/>
-            <a:ext cx="1136160" cy="276120"/>
+            <a:ext cx="1135800" cy="275760"/>
           </a:xfrm>
           <a:prstGeom prst="rect">
             <a:avLst/>
@@ -16132,14 +16141,14 @@
       </p:sp>
       <p:cxnSp>
         <p:nvCxnSpPr>
-          <p:cNvPr id="301" name="Google Shape;303;p37"/>
+          <p:cNvPr id="290" name="Google Shape;303;p37"/>
           <p:cNvCxnSpPr/>
           <p:nvPr/>
         </p:nvCxnSpPr>
         <p:spPr>
           <a:xfrm>
             <a:off x="6748200" y="3799800"/>
-            <a:ext cx="1119600" cy="720"/>
+            <a:ext cx="1119960" cy="1080"/>
           </a:xfrm>
           <a:prstGeom prst="straightConnector1">
             <a:avLst/>
@@ -16155,14 +16164,14 @@
       </p:cxnSp>
       <p:sp>
         <p:nvSpPr>
-          <p:cNvPr id="302" name="Google Shape;304;p37"/>
+          <p:cNvPr id="291" name="Google Shape;304;p37"/>
           <p:cNvSpPr/>
           <p:nvPr/>
         </p:nvSpPr>
         <p:spPr>
           <a:xfrm>
             <a:off x="6842520" y="3502440"/>
-            <a:ext cx="2268720" cy="253080"/>
+            <a:ext cx="2268360" cy="252720"/>
           </a:xfrm>
           <a:prstGeom prst="rect">
             <a:avLst/>
@@ -16242,16 +16251,16 @@
       </p:grpSpPr>
       <p:cxnSp>
         <p:nvCxnSpPr>
-          <p:cNvPr id="303" name="Google Shape;291;p37"/>
+          <p:cNvPr id="292" name="Google Shape;291;p37"/>
           <p:cNvCxnSpPr>
-            <a:stCxn id="304" idx="2"/>
+            <a:stCxn id="293" idx="2"/>
           </p:cNvCxnSpPr>
           <p:nvPr/>
         </p:nvCxnSpPr>
         <p:spPr>
           <a:xfrm flipH="1">
-            <a:off x="5185800" y="1356120"/>
-            <a:ext cx="5400" cy="3567600"/>
+            <a:off x="5185800" y="1355760"/>
+            <a:ext cx="5400" cy="3568320"/>
           </a:xfrm>
           <a:prstGeom prst="straightConnector1">
             <a:avLst/>
@@ -16267,7 +16276,7 @@
       </p:cxnSp>
       <p:sp>
         <p:nvSpPr>
-          <p:cNvPr id="305" name="PlaceHolder 1"/>
+          <p:cNvPr id="294" name="PlaceHolder 1"/>
           <p:cNvSpPr>
             <a:spLocks noGrp="1"/>
           </p:cNvSpPr>
@@ -16278,7 +16287,7 @@
         <p:spPr>
           <a:xfrm>
             <a:off x="457200" y="205920"/>
-            <a:ext cx="8228880" cy="856440"/>
+            <a:ext cx="8228520" cy="856080"/>
           </a:xfrm>
           <a:prstGeom prst="rect">
             <a:avLst/>
@@ -16323,14 +16332,14 @@
       </p:sp>
       <p:sp>
         <p:nvSpPr>
-          <p:cNvPr id="306" name="Google Shape;273;p37"/>
+          <p:cNvPr id="295" name="Google Shape;273;p37"/>
           <p:cNvSpPr/>
           <p:nvPr/>
         </p:nvSpPr>
         <p:spPr>
           <a:xfrm>
             <a:off x="867600" y="1071000"/>
-            <a:ext cx="1314000" cy="285120"/>
+            <a:ext cx="1313640" cy="284760"/>
           </a:xfrm>
           <a:prstGeom prst="rect">
             <a:avLst/>
@@ -16385,16 +16394,16 @@
       </p:sp>
       <p:cxnSp>
         <p:nvCxnSpPr>
-          <p:cNvPr id="307" name="Google Shape;274;p37"/>
+          <p:cNvPr id="296" name="Google Shape;274;p37"/>
           <p:cNvCxnSpPr>
-            <a:stCxn id="306" idx="2"/>
+            <a:stCxn id="295" idx="2"/>
           </p:cNvCxnSpPr>
           <p:nvPr/>
         </p:nvCxnSpPr>
         <p:spPr>
           <a:xfrm flipH="1">
-            <a:off x="1500120" y="1356120"/>
-            <a:ext cx="24840" cy="3366720"/>
+            <a:off x="1500120" y="1355760"/>
+            <a:ext cx="24480" cy="3367440"/>
           </a:xfrm>
           <a:prstGeom prst="straightConnector1">
             <a:avLst/>
@@ -16410,14 +16419,14 @@
       </p:cxnSp>
       <p:cxnSp>
         <p:nvCxnSpPr>
-          <p:cNvPr id="308" name="Google Shape;275;p37"/>
+          <p:cNvPr id="297" name="Google Shape;275;p37"/>
           <p:cNvCxnSpPr/>
           <p:nvPr/>
         </p:nvCxnSpPr>
         <p:spPr>
           <a:xfrm>
             <a:off x="429120" y="2214000"/>
-            <a:ext cx="877320" cy="720"/>
+            <a:ext cx="877680" cy="1080"/>
           </a:xfrm>
           <a:prstGeom prst="straightConnector1">
             <a:avLst/>
@@ -16433,14 +16442,14 @@
       </p:cxnSp>
       <p:sp>
         <p:nvSpPr>
-          <p:cNvPr id="309" name="Google Shape;276;p37"/>
+          <p:cNvPr id="298" name="Google Shape;276;p37"/>
           <p:cNvSpPr/>
           <p:nvPr/>
         </p:nvSpPr>
         <p:spPr>
           <a:xfrm>
             <a:off x="0" y="1878480"/>
-            <a:ext cx="1268280" cy="276120"/>
+            <a:ext cx="1267920" cy="275760"/>
           </a:xfrm>
           <a:prstGeom prst="rect">
             <a:avLst/>
@@ -16490,14 +16499,14 @@
       </p:sp>
       <p:sp>
         <p:nvSpPr>
-          <p:cNvPr id="310" name="Google Shape;277;p37"/>
+          <p:cNvPr id="299" name="Google Shape;277;p37"/>
           <p:cNvSpPr/>
           <p:nvPr/>
         </p:nvSpPr>
         <p:spPr>
           <a:xfrm>
             <a:off x="1342080" y="1518840"/>
-            <a:ext cx="306000" cy="3403800"/>
+            <a:ext cx="305640" cy="3403440"/>
           </a:xfrm>
           <a:prstGeom prst="rect">
             <a:avLst/>
@@ -16543,14 +16552,14 @@
       </p:sp>
       <p:sp>
         <p:nvSpPr>
-          <p:cNvPr id="311" name="Google Shape;278;p37"/>
+          <p:cNvPr id="300" name="Google Shape;278;p37"/>
           <p:cNvSpPr/>
           <p:nvPr/>
         </p:nvSpPr>
         <p:spPr>
           <a:xfrm>
             <a:off x="2881080" y="1071000"/>
-            <a:ext cx="983160" cy="285120"/>
+            <a:ext cx="982800" cy="284760"/>
           </a:xfrm>
           <a:prstGeom prst="rect">
             <a:avLst/>
@@ -16605,14 +16614,14 @@
       </p:sp>
       <p:cxnSp>
         <p:nvCxnSpPr>
-          <p:cNvPr id="312" name="Google Shape;279;p37"/>
+          <p:cNvPr id="301" name="Google Shape;279;p37"/>
           <p:cNvCxnSpPr/>
           <p:nvPr/>
         </p:nvCxnSpPr>
         <p:spPr>
           <a:xfrm flipH="1">
             <a:off x="3362400" y="1356480"/>
-            <a:ext cx="66600" cy="3567240"/>
+            <a:ext cx="66960" cy="3567600"/>
           </a:xfrm>
           <a:prstGeom prst="straightConnector1">
             <a:avLst/>
@@ -16628,14 +16637,14 @@
       </p:cxnSp>
       <p:cxnSp>
         <p:nvCxnSpPr>
-          <p:cNvPr id="313" name="Google Shape;280;p37"/>
+          <p:cNvPr id="302" name="Google Shape;280;p37"/>
           <p:cNvCxnSpPr/>
           <p:nvPr/>
         </p:nvCxnSpPr>
         <p:spPr>
           <a:xfrm>
             <a:off x="1648440" y="1724760"/>
-            <a:ext cx="1596600" cy="720"/>
+            <a:ext cx="1596960" cy="1080"/>
           </a:xfrm>
           <a:prstGeom prst="straightConnector1">
             <a:avLst/>
@@ -16651,14 +16660,14 @@
       </p:cxnSp>
       <p:sp>
         <p:nvSpPr>
-          <p:cNvPr id="314" name="Google Shape;281;p37"/>
+          <p:cNvPr id="303" name="Google Shape;281;p37"/>
           <p:cNvSpPr/>
           <p:nvPr/>
         </p:nvSpPr>
         <p:spPr>
           <a:xfrm>
             <a:off x="1644480" y="1433160"/>
-            <a:ext cx="1717560" cy="230040"/>
+            <a:ext cx="1717200" cy="229680"/>
           </a:xfrm>
           <a:prstGeom prst="rect">
             <a:avLst/>
@@ -16708,14 +16717,14 @@
       </p:sp>
       <p:sp>
         <p:nvSpPr>
-          <p:cNvPr id="315" name="Google Shape;282;p37"/>
+          <p:cNvPr id="304" name="Google Shape;282;p37"/>
           <p:cNvSpPr/>
           <p:nvPr/>
         </p:nvSpPr>
         <p:spPr>
           <a:xfrm>
             <a:off x="3274560" y="1531440"/>
-            <a:ext cx="304200" cy="717120"/>
+            <a:ext cx="303840" cy="716760"/>
           </a:xfrm>
           <a:prstGeom prst="rect">
             <a:avLst/>
@@ -16761,14 +16770,14 @@
       </p:sp>
       <p:sp>
         <p:nvSpPr>
-          <p:cNvPr id="316" name="Google Shape;285;p37"/>
+          <p:cNvPr id="305" name="Google Shape;285;p37"/>
           <p:cNvSpPr/>
           <p:nvPr/>
         </p:nvSpPr>
         <p:spPr>
           <a:xfrm>
             <a:off x="5792040" y="1071000"/>
-            <a:ext cx="980640" cy="300600"/>
+            <a:ext cx="980280" cy="300240"/>
           </a:xfrm>
           <a:prstGeom prst="rect">
             <a:avLst/>
@@ -16823,16 +16832,16 @@
       </p:sp>
       <p:cxnSp>
         <p:nvCxnSpPr>
-          <p:cNvPr id="317" name="Google Shape;286;p37"/>
+          <p:cNvPr id="306" name="Google Shape;286;p37"/>
           <p:cNvCxnSpPr>
-            <a:stCxn id="316" idx="2"/>
+            <a:stCxn id="305" idx="2"/>
           </p:cNvCxnSpPr>
           <p:nvPr/>
         </p:nvCxnSpPr>
         <p:spPr>
           <a:xfrm flipH="1">
-            <a:off x="6269040" y="1371600"/>
-            <a:ext cx="13680" cy="3552120"/>
+            <a:off x="6269040" y="1371240"/>
+            <a:ext cx="13320" cy="3552840"/>
           </a:xfrm>
           <a:prstGeom prst="straightConnector1">
             <a:avLst/>
@@ -16848,14 +16857,14 @@
       </p:cxnSp>
       <p:sp>
         <p:nvSpPr>
-          <p:cNvPr id="304" name="Google Shape;290;p37"/>
+          <p:cNvPr id="293" name="Google Shape;290;p37"/>
           <p:cNvSpPr/>
           <p:nvPr/>
         </p:nvSpPr>
         <p:spPr>
           <a:xfrm>
             <a:off x="4663440" y="1071000"/>
-            <a:ext cx="1055160" cy="285120"/>
+            <a:ext cx="1054800" cy="284760"/>
           </a:xfrm>
           <a:prstGeom prst="rect">
             <a:avLst/>
@@ -16910,14 +16919,14 @@
       </p:sp>
       <p:sp>
         <p:nvSpPr>
-          <p:cNvPr id="318" name="Google Shape;292;p37"/>
+          <p:cNvPr id="307" name="Google Shape;292;p37"/>
           <p:cNvSpPr/>
           <p:nvPr/>
         </p:nvSpPr>
         <p:spPr>
           <a:xfrm>
             <a:off x="6080760" y="3003480"/>
-            <a:ext cx="304200" cy="664560"/>
+            <a:ext cx="303840" cy="664200"/>
           </a:xfrm>
           <a:prstGeom prst="rect">
             <a:avLst/>
@@ -16963,14 +16972,14 @@
       </p:sp>
       <p:cxnSp>
         <p:nvCxnSpPr>
-          <p:cNvPr id="319" name="Google Shape;293;p37"/>
+          <p:cNvPr id="308" name="Google Shape;293;p37"/>
           <p:cNvCxnSpPr/>
           <p:nvPr/>
         </p:nvCxnSpPr>
         <p:spPr>
           <a:xfrm flipV="1">
             <a:off x="1670040" y="3372480"/>
-            <a:ext cx="4411440" cy="41760"/>
+            <a:ext cx="4411800" cy="42120"/>
           </a:xfrm>
           <a:prstGeom prst="straightConnector1">
             <a:avLst/>
@@ -16986,14 +16995,14 @@
       </p:cxnSp>
       <p:cxnSp>
         <p:nvCxnSpPr>
-          <p:cNvPr id="320" name="Google Shape;295;p37"/>
+          <p:cNvPr id="309" name="Google Shape;295;p37"/>
           <p:cNvCxnSpPr/>
           <p:nvPr/>
         </p:nvCxnSpPr>
         <p:spPr>
           <a:xfrm flipH="1">
             <a:off x="7810200" y="1389960"/>
-            <a:ext cx="10440" cy="3533760"/>
+            <a:ext cx="10800" cy="3534120"/>
           </a:xfrm>
           <a:prstGeom prst="straightConnector1">
             <a:avLst/>
@@ -17009,14 +17018,14 @@
       </p:cxnSp>
       <p:sp>
         <p:nvSpPr>
-          <p:cNvPr id="321" name="Google Shape;296;p37"/>
+          <p:cNvPr id="310" name="Google Shape;296;p37"/>
           <p:cNvSpPr/>
           <p:nvPr/>
         </p:nvSpPr>
         <p:spPr>
           <a:xfrm>
             <a:off x="7665120" y="3853440"/>
-            <a:ext cx="304200" cy="584640"/>
+            <a:ext cx="303840" cy="584280"/>
           </a:xfrm>
           <a:prstGeom prst="rect">
             <a:avLst/>
@@ -17062,14 +17071,14 @@
       </p:sp>
       <p:sp>
         <p:nvSpPr>
-          <p:cNvPr id="322" name="Google Shape;297;p37"/>
+          <p:cNvPr id="311" name="Google Shape;297;p37"/>
           <p:cNvSpPr/>
           <p:nvPr/>
         </p:nvSpPr>
         <p:spPr>
           <a:xfrm>
             <a:off x="1707120" y="3934080"/>
-            <a:ext cx="2862360" cy="253080"/>
+            <a:ext cx="2862000" cy="252720"/>
           </a:xfrm>
           <a:prstGeom prst="rect">
             <a:avLst/>
@@ -17119,14 +17128,14 @@
       </p:sp>
       <p:sp>
         <p:nvSpPr>
-          <p:cNvPr id="323" name="Google Shape;298;p37"/>
+          <p:cNvPr id="312" name="Google Shape;298;p37"/>
           <p:cNvSpPr/>
           <p:nvPr/>
         </p:nvSpPr>
         <p:spPr>
           <a:xfrm>
             <a:off x="2017440" y="3066120"/>
-            <a:ext cx="2766600" cy="298800"/>
+            <a:ext cx="2766240" cy="298440"/>
           </a:xfrm>
           <a:prstGeom prst="rect">
             <a:avLst/>
@@ -17173,14 +17182,14 @@
       </p:sp>
       <p:cxnSp>
         <p:nvCxnSpPr>
-          <p:cNvPr id="324" name="Google Shape;299;p37"/>
+          <p:cNvPr id="313" name="Google Shape;299;p37"/>
           <p:cNvCxnSpPr/>
           <p:nvPr/>
         </p:nvCxnSpPr>
         <p:spPr>
           <a:xfrm flipV="1">
             <a:off x="1636920" y="4231080"/>
-            <a:ext cx="6028920" cy="1080"/>
+            <a:ext cx="6029280" cy="1440"/>
           </a:xfrm>
           <a:prstGeom prst="straightConnector1">
             <a:avLst/>
@@ -17196,14 +17205,14 @@
       </p:cxnSp>
       <p:cxnSp>
         <p:nvCxnSpPr>
-          <p:cNvPr id="325" name="Google Shape;300;p37"/>
+          <p:cNvPr id="314" name="Google Shape;300;p37"/>
           <p:cNvCxnSpPr/>
           <p:nvPr/>
         </p:nvCxnSpPr>
         <p:spPr>
           <a:xfrm flipH="1">
             <a:off x="1660320" y="2061360"/>
-            <a:ext cx="1606680" cy="720"/>
+            <a:ext cx="1607040" cy="1080"/>
           </a:xfrm>
           <a:prstGeom prst="straightConnector1">
             <a:avLst/>
@@ -17219,14 +17228,14 @@
       </p:cxnSp>
       <p:sp>
         <p:nvSpPr>
-          <p:cNvPr id="326" name="Google Shape;301;p37"/>
+          <p:cNvPr id="315" name="Google Shape;301;p37"/>
           <p:cNvSpPr/>
           <p:nvPr/>
         </p:nvSpPr>
         <p:spPr>
           <a:xfrm>
             <a:off x="1756080" y="1785240"/>
-            <a:ext cx="1605600" cy="230040"/>
+            <a:ext cx="1605240" cy="229680"/>
           </a:xfrm>
           <a:prstGeom prst="rect">
             <a:avLst/>
@@ -17276,14 +17285,14 @@
       </p:sp>
       <p:sp>
         <p:nvSpPr>
-          <p:cNvPr id="327" name="Google Shape;302;p37"/>
+          <p:cNvPr id="316" name="Google Shape;302;p37"/>
           <p:cNvSpPr/>
           <p:nvPr/>
         </p:nvSpPr>
         <p:spPr>
           <a:xfrm>
             <a:off x="7259760" y="1075320"/>
-            <a:ext cx="1136160" cy="276120"/>
+            <a:ext cx="1135800" cy="275760"/>
           </a:xfrm>
           <a:prstGeom prst="rect">
             <a:avLst/>
@@ -17338,14 +17347,14 @@
       </p:sp>
       <p:cxnSp>
         <p:nvCxnSpPr>
-          <p:cNvPr id="328" name="Google Shape;280;p37"/>
+          <p:cNvPr id="317" name="Google Shape;280;p37"/>
           <p:cNvCxnSpPr/>
           <p:nvPr/>
         </p:nvCxnSpPr>
         <p:spPr>
           <a:xfrm>
             <a:off x="1676520" y="2542680"/>
-            <a:ext cx="3364920" cy="2520"/>
+            <a:ext cx="3365280" cy="2880"/>
           </a:xfrm>
           <a:prstGeom prst="straightConnector1">
             <a:avLst/>
@@ -17361,14 +17370,14 @@
       </p:cxnSp>
       <p:cxnSp>
         <p:nvCxnSpPr>
-          <p:cNvPr id="329" name="Google Shape;300;p37"/>
+          <p:cNvPr id="318" name="Google Shape;300;p37"/>
           <p:cNvCxnSpPr/>
           <p:nvPr/>
         </p:nvCxnSpPr>
         <p:spPr>
           <a:xfrm flipH="1">
             <a:off x="1681200" y="2850120"/>
-            <a:ext cx="3360240" cy="720"/>
+            <a:ext cx="3360600" cy="1080"/>
           </a:xfrm>
           <a:prstGeom prst="straightConnector1">
             <a:avLst/>
@@ -17384,14 +17393,14 @@
       </p:cxnSp>
       <p:sp>
         <p:nvSpPr>
-          <p:cNvPr id="330" name="Google Shape;301;p37"/>
+          <p:cNvPr id="319" name="Google Shape;301;p37"/>
           <p:cNvSpPr/>
           <p:nvPr/>
         </p:nvSpPr>
         <p:spPr>
           <a:xfrm>
             <a:off x="1689480" y="2559240"/>
-            <a:ext cx="1605600" cy="230040"/>
+            <a:ext cx="1605240" cy="229680"/>
           </a:xfrm>
           <a:prstGeom prst="rect">
             <a:avLst/>
@@ -17441,14 +17450,14 @@
       </p:sp>
       <p:sp>
         <p:nvSpPr>
-          <p:cNvPr id="331" name="Google Shape;292;p37"/>
+          <p:cNvPr id="320" name="Google Shape;292;p37"/>
           <p:cNvSpPr/>
           <p:nvPr/>
         </p:nvSpPr>
         <p:spPr>
           <a:xfrm>
             <a:off x="5040720" y="2328840"/>
-            <a:ext cx="304200" cy="664560"/>
+            <a:ext cx="303840" cy="664200"/>
           </a:xfrm>
           <a:prstGeom prst="rect">
             <a:avLst/>
@@ -17494,14 +17503,14 @@
       </p:sp>
       <p:sp>
         <p:nvSpPr>
-          <p:cNvPr id="332" name="Google Shape;281;p37"/>
+          <p:cNvPr id="321" name="Google Shape;281;p37"/>
           <p:cNvSpPr/>
           <p:nvPr/>
         </p:nvSpPr>
         <p:spPr>
           <a:xfrm>
             <a:off x="1796760" y="2280240"/>
-            <a:ext cx="3209760" cy="283320"/>
+            <a:ext cx="3209400" cy="282960"/>
           </a:xfrm>
           <a:prstGeom prst="rect">
             <a:avLst/>
@@ -17551,14 +17560,14 @@
       </p:sp>
       <p:sp>
         <p:nvSpPr>
-          <p:cNvPr id="333" name="Rectangle 47"/>
+          <p:cNvPr id="322" name="Rectangle 47"/>
           <p:cNvSpPr/>
           <p:nvPr/>
         </p:nvSpPr>
         <p:spPr>
           <a:xfrm>
             <a:off x="5194440" y="3083400"/>
-            <a:ext cx="744480" cy="302760"/>
+            <a:ext cx="744120" cy="302760"/>
           </a:xfrm>
           <a:prstGeom prst="rect">
             <a:avLst/>
@@ -17605,14 +17614,14 @@
       </p:sp>
       <p:sp>
         <p:nvSpPr>
-          <p:cNvPr id="334" name="Rectangle 54"/>
+          <p:cNvPr id="323" name="Rectangle 54"/>
           <p:cNvSpPr/>
           <p:nvPr/>
         </p:nvSpPr>
         <p:spPr>
           <a:xfrm>
             <a:off x="6632640" y="3923640"/>
-            <a:ext cx="944280" cy="302760"/>
+            <a:ext cx="943920" cy="302760"/>
           </a:xfrm>
           <a:prstGeom prst="rect">
             <a:avLst/>
@@ -17659,14 +17668,14 @@
       </p:sp>
       <p:cxnSp>
         <p:nvCxnSpPr>
-          <p:cNvPr id="335" name="Google Shape;299;p37"/>
+          <p:cNvPr id="324" name="Google Shape;299;p37"/>
           <p:cNvCxnSpPr/>
           <p:nvPr/>
         </p:nvCxnSpPr>
         <p:spPr>
           <a:xfrm>
             <a:off x="1660320" y="4758840"/>
-            <a:ext cx="6935760" cy="18360"/>
+            <a:ext cx="6936120" cy="18720"/>
           </a:xfrm>
           <a:prstGeom prst="straightConnector1">
             <a:avLst/>
@@ -17682,14 +17691,14 @@
       </p:cxnSp>
       <p:sp>
         <p:nvSpPr>
-          <p:cNvPr id="336" name="Rectangle 61"/>
+          <p:cNvPr id="325" name="Rectangle 61"/>
           <p:cNvSpPr/>
           <p:nvPr/>
         </p:nvSpPr>
         <p:spPr>
           <a:xfrm>
             <a:off x="6377760" y="4435560"/>
-            <a:ext cx="1383120" cy="302760"/>
+            <a:ext cx="1382760" cy="302760"/>
           </a:xfrm>
           <a:prstGeom prst="rect">
             <a:avLst/>
@@ -17766,7 +17775,7 @@
       </p:grpSpPr>
       <p:sp>
         <p:nvSpPr>
-          <p:cNvPr id="337" name="PlaceHolder 1"/>
+          <p:cNvPr id="326" name="PlaceHolder 1"/>
           <p:cNvSpPr>
             <a:spLocks noGrp="1"/>
           </p:cNvSpPr>
@@ -17777,7 +17786,7 @@
         <p:spPr>
           <a:xfrm>
             <a:off x="457200" y="205920"/>
-            <a:ext cx="8228880" cy="856800"/>
+            <a:ext cx="8228520" cy="856440"/>
           </a:xfrm>
           <a:prstGeom prst="rect">
             <a:avLst/>
@@ -17822,14 +17831,14 @@
       </p:sp>
       <p:sp>
         <p:nvSpPr>
-          <p:cNvPr id="338" name="Google Shape;310;p38"/>
+          <p:cNvPr id="327" name="Google Shape;310;p38"/>
           <p:cNvSpPr/>
           <p:nvPr/>
         </p:nvSpPr>
         <p:spPr>
           <a:xfrm>
             <a:off x="1270080" y="1085760"/>
-            <a:ext cx="1375200" cy="285120"/>
+            <a:ext cx="1374840" cy="284760"/>
           </a:xfrm>
           <a:prstGeom prst="rect">
             <a:avLst/>
@@ -17884,16 +17893,16 @@
       </p:sp>
       <p:cxnSp>
         <p:nvCxnSpPr>
-          <p:cNvPr id="339" name="Google Shape;311;p38"/>
+          <p:cNvPr id="328" name="Google Shape;311;p38"/>
           <p:cNvCxnSpPr>
-            <a:stCxn id="338" idx="2"/>
+            <a:stCxn id="327" idx="2"/>
           </p:cNvCxnSpPr>
           <p:nvPr/>
         </p:nvCxnSpPr>
         <p:spPr>
           <a:xfrm>
-            <a:off x="1957680" y="1370880"/>
-            <a:ext cx="720" cy="3259080"/>
+            <a:off x="1957320" y="1370520"/>
+            <a:ext cx="1440" cy="3259800"/>
           </a:xfrm>
           <a:prstGeom prst="straightConnector1">
             <a:avLst/>
@@ -17909,14 +17918,14 @@
       </p:cxnSp>
       <p:cxnSp>
         <p:nvCxnSpPr>
-          <p:cNvPr id="340" name="Google Shape;312;p38"/>
+          <p:cNvPr id="329" name="Google Shape;312;p38"/>
           <p:cNvCxnSpPr/>
           <p:nvPr/>
         </p:nvCxnSpPr>
         <p:spPr>
           <a:xfrm>
             <a:off x="831600" y="2228760"/>
-            <a:ext cx="876960" cy="720"/>
+            <a:ext cx="877320" cy="1080"/>
           </a:xfrm>
           <a:prstGeom prst="straightConnector1">
             <a:avLst/>
@@ -17932,14 +17941,14 @@
       </p:cxnSp>
       <p:sp>
         <p:nvSpPr>
-          <p:cNvPr id="341" name="Google Shape;313;p38"/>
+          <p:cNvPr id="330" name="Google Shape;313;p38"/>
           <p:cNvSpPr/>
           <p:nvPr/>
         </p:nvSpPr>
         <p:spPr>
           <a:xfrm>
             <a:off x="755640" y="1951920"/>
-            <a:ext cx="914760" cy="276120"/>
+            <a:ext cx="914400" cy="275760"/>
           </a:xfrm>
           <a:prstGeom prst="rect">
             <a:avLst/>
@@ -17989,14 +17998,14 @@
       </p:sp>
       <p:sp>
         <p:nvSpPr>
-          <p:cNvPr id="342" name="Google Shape;314;p38"/>
+          <p:cNvPr id="331" name="Google Shape;314;p38"/>
           <p:cNvSpPr/>
           <p:nvPr/>
         </p:nvSpPr>
         <p:spPr>
           <a:xfrm>
             <a:off x="1744560" y="1533600"/>
-            <a:ext cx="306000" cy="2752200"/>
+            <a:ext cx="305640" cy="2751840"/>
           </a:xfrm>
           <a:prstGeom prst="rect">
             <a:avLst/>
@@ -18042,14 +18051,14 @@
       </p:sp>
       <p:sp>
         <p:nvSpPr>
-          <p:cNvPr id="343" name="Google Shape;315;p38"/>
+          <p:cNvPr id="332" name="Google Shape;315;p38"/>
           <p:cNvSpPr/>
           <p:nvPr/>
         </p:nvSpPr>
         <p:spPr>
           <a:xfrm>
             <a:off x="4477680" y="1057680"/>
-            <a:ext cx="1117440" cy="285120"/>
+            <a:ext cx="1117080" cy="284760"/>
           </a:xfrm>
           <a:prstGeom prst="rect">
             <a:avLst/>
@@ -18104,16 +18113,16 @@
       </p:sp>
       <p:cxnSp>
         <p:nvCxnSpPr>
-          <p:cNvPr id="344" name="Google Shape;316;p38"/>
+          <p:cNvPr id="333" name="Google Shape;316;p38"/>
           <p:cNvCxnSpPr>
-            <a:stCxn id="343" idx="2"/>
+            <a:stCxn id="332" idx="2"/>
           </p:cNvCxnSpPr>
           <p:nvPr/>
         </p:nvCxnSpPr>
         <p:spPr>
           <a:xfrm flipH="1">
-            <a:off x="5006160" y="1342800"/>
-            <a:ext cx="30600" cy="3259080"/>
+            <a:off x="5006160" y="1342440"/>
+            <a:ext cx="30240" cy="3259800"/>
           </a:xfrm>
           <a:prstGeom prst="straightConnector1">
             <a:avLst/>
@@ -18129,14 +18138,14 @@
       </p:cxnSp>
       <p:cxnSp>
         <p:nvCxnSpPr>
-          <p:cNvPr id="345" name="Google Shape;317;p38"/>
+          <p:cNvPr id="334" name="Google Shape;317;p38"/>
           <p:cNvCxnSpPr/>
           <p:nvPr/>
         </p:nvCxnSpPr>
         <p:spPr>
           <a:xfrm flipH="1">
             <a:off x="2069280" y="2423880"/>
-            <a:ext cx="2816280" cy="720"/>
+            <a:ext cx="2816640" cy="1080"/>
           </a:xfrm>
           <a:prstGeom prst="straightConnector1">
             <a:avLst/>
@@ -18152,14 +18161,14 @@
       </p:cxnSp>
       <p:sp>
         <p:nvSpPr>
-          <p:cNvPr id="346" name="Google Shape;318;p38"/>
+          <p:cNvPr id="335" name="Google Shape;318;p38"/>
           <p:cNvSpPr/>
           <p:nvPr/>
         </p:nvSpPr>
         <p:spPr>
           <a:xfrm>
             <a:off x="2553480" y="2173680"/>
-            <a:ext cx="914760" cy="230400"/>
+            <a:ext cx="914400" cy="230040"/>
           </a:xfrm>
           <a:prstGeom prst="rect">
             <a:avLst/>
@@ -18209,14 +18218,14 @@
       </p:sp>
       <p:sp>
         <p:nvSpPr>
-          <p:cNvPr id="347" name="Google Shape;319;p38"/>
+          <p:cNvPr id="336" name="Google Shape;319;p38"/>
           <p:cNvSpPr/>
           <p:nvPr/>
         </p:nvSpPr>
         <p:spPr>
           <a:xfrm>
             <a:off x="4884120" y="1715040"/>
-            <a:ext cx="304200" cy="760680"/>
+            <a:ext cx="303840" cy="760320"/>
           </a:xfrm>
           <a:prstGeom prst="rect">
             <a:avLst/>
@@ -18262,14 +18271,14 @@
       </p:sp>
       <p:cxnSp>
         <p:nvCxnSpPr>
-          <p:cNvPr id="348" name="Google Shape;320;p38"/>
+          <p:cNvPr id="337" name="Google Shape;320;p38"/>
           <p:cNvCxnSpPr/>
           <p:nvPr/>
         </p:nvCxnSpPr>
         <p:spPr>
           <a:xfrm flipV="1">
             <a:off x="2061720" y="1876680"/>
-            <a:ext cx="2823120" cy="1080"/>
+            <a:ext cx="2823480" cy="1440"/>
           </a:xfrm>
           <a:prstGeom prst="straightConnector1">
             <a:avLst/>
@@ -18285,14 +18294,14 @@
       </p:cxnSp>
       <p:sp>
         <p:nvSpPr>
-          <p:cNvPr id="349" name="Google Shape;321;p38"/>
+          <p:cNvPr id="338" name="Google Shape;321;p38"/>
           <p:cNvSpPr/>
           <p:nvPr/>
         </p:nvSpPr>
         <p:spPr>
           <a:xfrm>
             <a:off x="2124360" y="1599480"/>
-            <a:ext cx="2659680" cy="230040"/>
+            <a:ext cx="2659320" cy="229680"/>
           </a:xfrm>
           <a:prstGeom prst="rect">
             <a:avLst/>
@@ -18342,14 +18351,14 @@
       </p:sp>
       <p:sp>
         <p:nvSpPr>
-          <p:cNvPr id="350" name="Google Shape;322;p38"/>
+          <p:cNvPr id="339" name="Google Shape;322;p38"/>
           <p:cNvSpPr/>
           <p:nvPr/>
         </p:nvSpPr>
         <p:spPr>
           <a:xfrm>
             <a:off x="5782680" y="1057680"/>
-            <a:ext cx="1079280" cy="285120"/>
+            <a:ext cx="1078920" cy="284760"/>
           </a:xfrm>
           <a:prstGeom prst="rect">
             <a:avLst/>
@@ -18404,16 +18413,16 @@
       </p:sp>
       <p:cxnSp>
         <p:nvCxnSpPr>
-          <p:cNvPr id="351" name="Google Shape;323;p38"/>
+          <p:cNvPr id="340" name="Google Shape;323;p38"/>
           <p:cNvCxnSpPr>
-            <a:stCxn id="350" idx="2"/>
+            <a:stCxn id="339" idx="2"/>
           </p:cNvCxnSpPr>
           <p:nvPr/>
         </p:nvCxnSpPr>
         <p:spPr>
           <a:xfrm>
-            <a:off x="6322320" y="1342800"/>
-            <a:ext cx="15480" cy="3259080"/>
+            <a:off x="6321960" y="1342440"/>
+            <a:ext cx="16200" cy="3259800"/>
           </a:xfrm>
           <a:prstGeom prst="straightConnector1">
             <a:avLst/>
@@ -18429,16 +18438,16 @@
       </p:cxnSp>
       <p:cxnSp>
         <p:nvCxnSpPr>
-          <p:cNvPr id="352" name="Google Shape;324;p38"/>
+          <p:cNvPr id="341" name="Google Shape;324;p38"/>
           <p:cNvCxnSpPr>
-            <a:endCxn id="353" idx="1"/>
+            <a:endCxn id="342" idx="1"/>
           </p:cNvCxnSpPr>
           <p:nvPr/>
         </p:nvCxnSpPr>
         <p:spPr>
           <a:xfrm flipV="1">
-            <a:off x="2043360" y="3803040"/>
-            <a:ext cx="5619240" cy="720"/>
+            <a:off x="2043360" y="3802680"/>
+            <a:ext cx="5619240" cy="1440"/>
           </a:xfrm>
           <a:prstGeom prst="straightConnector1">
             <a:avLst/>
@@ -18454,14 +18463,14 @@
       </p:cxnSp>
       <p:sp>
         <p:nvSpPr>
-          <p:cNvPr id="354" name="Google Shape;326;p38"/>
+          <p:cNvPr id="343" name="Google Shape;326;p38"/>
           <p:cNvSpPr/>
           <p:nvPr/>
         </p:nvSpPr>
         <p:spPr>
           <a:xfrm>
             <a:off x="7274520" y="1057680"/>
-            <a:ext cx="1079280" cy="475200"/>
+            <a:ext cx="1078920" cy="474840"/>
           </a:xfrm>
           <a:prstGeom prst="rect">
             <a:avLst/>
@@ -18529,16 +18538,16 @@
       </p:sp>
       <p:cxnSp>
         <p:nvCxnSpPr>
-          <p:cNvPr id="355" name="Google Shape;327;p38"/>
+          <p:cNvPr id="344" name="Google Shape;327;p38"/>
           <p:cNvCxnSpPr>
-            <a:stCxn id="354" idx="2"/>
+            <a:stCxn id="343" idx="2"/>
           </p:cNvCxnSpPr>
           <p:nvPr/>
         </p:nvCxnSpPr>
         <p:spPr>
           <a:xfrm>
-            <a:off x="7814160" y="1532880"/>
-            <a:ext cx="15840" cy="3258720"/>
+            <a:off x="7813800" y="1532520"/>
+            <a:ext cx="16560" cy="3259440"/>
           </a:xfrm>
           <a:prstGeom prst="straightConnector1">
             <a:avLst/>
@@ -18554,14 +18563,14 @@
       </p:cxnSp>
       <p:sp>
         <p:nvSpPr>
-          <p:cNvPr id="353" name="Google Shape;325;p38"/>
+          <p:cNvPr id="342" name="Google Shape;325;p38"/>
           <p:cNvSpPr/>
           <p:nvPr/>
         </p:nvSpPr>
         <p:spPr>
           <a:xfrm>
             <a:off x="7662240" y="3463560"/>
-            <a:ext cx="304200" cy="678960"/>
+            <a:ext cx="303840" cy="678600"/>
           </a:xfrm>
           <a:prstGeom prst="rect">
             <a:avLst/>
@@ -18607,14 +18616,14 @@
       </p:sp>
       <p:cxnSp>
         <p:nvCxnSpPr>
-          <p:cNvPr id="356" name="Google Shape;328;p38"/>
+          <p:cNvPr id="345" name="Google Shape;328;p38"/>
           <p:cNvCxnSpPr/>
           <p:nvPr/>
         </p:nvCxnSpPr>
         <p:spPr>
           <a:xfrm>
             <a:off x="2069280" y="3134520"/>
-            <a:ext cx="4128120" cy="720"/>
+            <a:ext cx="4128480" cy="1080"/>
           </a:xfrm>
           <a:prstGeom prst="straightConnector1">
             <a:avLst/>
@@ -18630,14 +18639,14 @@
       </p:cxnSp>
       <p:sp>
         <p:nvSpPr>
-          <p:cNvPr id="357" name="Google Shape;329;p38"/>
+          <p:cNvPr id="346" name="Google Shape;329;p38"/>
           <p:cNvSpPr/>
           <p:nvPr/>
         </p:nvSpPr>
         <p:spPr>
           <a:xfrm>
             <a:off x="6197040" y="2784240"/>
-            <a:ext cx="304200" cy="678960"/>
+            <a:ext cx="303840" cy="678600"/>
           </a:xfrm>
           <a:prstGeom prst="rect">
             <a:avLst/>
@@ -18683,14 +18692,14 @@
       </p:sp>
       <p:sp>
         <p:nvSpPr>
-          <p:cNvPr id="358" name="Google Shape;330;p38"/>
+          <p:cNvPr id="347" name="Google Shape;330;p38"/>
           <p:cNvSpPr/>
           <p:nvPr/>
         </p:nvSpPr>
         <p:spPr>
           <a:xfrm>
             <a:off x="2175840" y="2851920"/>
-            <a:ext cx="1865880" cy="253080"/>
+            <a:ext cx="1865520" cy="252720"/>
           </a:xfrm>
           <a:prstGeom prst="rect">
             <a:avLst/>
@@ -18740,14 +18749,14 @@
       </p:sp>
       <p:sp>
         <p:nvSpPr>
-          <p:cNvPr id="359" name="Google Shape;331;p38"/>
+          <p:cNvPr id="348" name="Google Shape;331;p38"/>
           <p:cNvSpPr/>
           <p:nvPr/>
         </p:nvSpPr>
         <p:spPr>
           <a:xfrm>
             <a:off x="2175840" y="3432960"/>
-            <a:ext cx="2581560" cy="327240"/>
+            <a:ext cx="2581200" cy="326880"/>
           </a:xfrm>
           <a:prstGeom prst="rect">
             <a:avLst/>
@@ -18797,14 +18806,14 @@
       </p:sp>
       <p:cxnSp>
         <p:nvCxnSpPr>
-          <p:cNvPr id="360" name="Google Shape;332;p38"/>
+          <p:cNvPr id="349" name="Google Shape;332;p38"/>
           <p:cNvCxnSpPr/>
           <p:nvPr/>
         </p:nvCxnSpPr>
         <p:spPr>
           <a:xfrm flipV="1">
             <a:off x="2055240" y="2200320"/>
-            <a:ext cx="2823120" cy="1080"/>
+            <a:ext cx="2823480" cy="1440"/>
           </a:xfrm>
           <a:prstGeom prst="straightConnector1">
             <a:avLst/>
@@ -18820,14 +18829,14 @@
       </p:cxnSp>
       <p:sp>
         <p:nvSpPr>
-          <p:cNvPr id="361" name="Google Shape;333;p38"/>
+          <p:cNvPr id="350" name="Google Shape;333;p38"/>
           <p:cNvSpPr/>
           <p:nvPr/>
         </p:nvSpPr>
         <p:spPr>
           <a:xfrm>
             <a:off x="2118240" y="1923480"/>
-            <a:ext cx="2659680" cy="230040"/>
+            <a:ext cx="2659320" cy="229680"/>
           </a:xfrm>
           <a:prstGeom prst="rect">
             <a:avLst/>
@@ -18917,7 +18926,7 @@
       </p:grpSpPr>
       <p:sp>
         <p:nvSpPr>
-          <p:cNvPr id="362" name="PlaceHolder 1"/>
+          <p:cNvPr id="351" name="PlaceHolder 1"/>
           <p:cNvSpPr>
             <a:spLocks noGrp="1"/>
           </p:cNvSpPr>
@@ -18928,7 +18937,7 @@
         <p:spPr>
           <a:xfrm>
             <a:off x="457200" y="205920"/>
-            <a:ext cx="8228880" cy="856440"/>
+            <a:ext cx="8228520" cy="856080"/>
           </a:xfrm>
           <a:prstGeom prst="rect">
             <a:avLst/>
@@ -18973,14 +18982,14 @@
       </p:sp>
       <p:sp>
         <p:nvSpPr>
-          <p:cNvPr id="363" name="Google Shape;339;p39"/>
+          <p:cNvPr id="352" name="Google Shape;339;p39"/>
           <p:cNvSpPr/>
           <p:nvPr/>
         </p:nvSpPr>
         <p:spPr>
           <a:xfrm>
             <a:off x="1270080" y="1085760"/>
-            <a:ext cx="1313640" cy="285120"/>
+            <a:ext cx="1313280" cy="284760"/>
           </a:xfrm>
           <a:prstGeom prst="rect">
             <a:avLst/>
@@ -19035,16 +19044,16 @@
       </p:sp>
       <p:cxnSp>
         <p:nvCxnSpPr>
-          <p:cNvPr id="364" name="Google Shape;340;p39"/>
+          <p:cNvPr id="353" name="Google Shape;340;p39"/>
           <p:cNvCxnSpPr>
-            <a:stCxn id="363" idx="2"/>
+            <a:stCxn id="352" idx="2"/>
           </p:cNvCxnSpPr>
           <p:nvPr/>
         </p:nvCxnSpPr>
         <p:spPr>
           <a:xfrm>
-            <a:off x="1926720" y="1370880"/>
-            <a:ext cx="1080" cy="3259080"/>
+            <a:off x="1926720" y="1370520"/>
+            <a:ext cx="1440" cy="3259800"/>
           </a:xfrm>
           <a:prstGeom prst="straightConnector1">
             <a:avLst/>
@@ -19060,14 +19069,14 @@
       </p:cxnSp>
       <p:cxnSp>
         <p:nvCxnSpPr>
-          <p:cNvPr id="365" name="Google Shape;341;p39"/>
+          <p:cNvPr id="354" name="Google Shape;341;p39"/>
           <p:cNvCxnSpPr/>
           <p:nvPr/>
         </p:nvCxnSpPr>
         <p:spPr>
           <a:xfrm>
             <a:off x="831600" y="2228760"/>
-            <a:ext cx="876960" cy="720"/>
+            <a:ext cx="877320" cy="1080"/>
           </a:xfrm>
           <a:prstGeom prst="straightConnector1">
             <a:avLst/>
@@ -19083,14 +19092,14 @@
       </p:cxnSp>
       <p:sp>
         <p:nvSpPr>
-          <p:cNvPr id="366" name="Google Shape;342;p39"/>
+          <p:cNvPr id="355" name="Google Shape;342;p39"/>
           <p:cNvSpPr/>
           <p:nvPr/>
         </p:nvSpPr>
         <p:spPr>
           <a:xfrm>
             <a:off x="755640" y="1951920"/>
-            <a:ext cx="914760" cy="276120"/>
+            <a:ext cx="914400" cy="275760"/>
           </a:xfrm>
           <a:prstGeom prst="rect">
             <a:avLst/>
@@ -19140,14 +19149,14 @@
       </p:sp>
       <p:sp>
         <p:nvSpPr>
-          <p:cNvPr id="367" name="Google Shape;343;p39"/>
+          <p:cNvPr id="356" name="Google Shape;343;p39"/>
           <p:cNvSpPr/>
           <p:nvPr/>
         </p:nvSpPr>
         <p:spPr>
           <a:xfrm>
             <a:off x="1744560" y="1533600"/>
-            <a:ext cx="306000" cy="2279520"/>
+            <a:ext cx="305640" cy="2279160"/>
           </a:xfrm>
           <a:prstGeom prst="rect">
             <a:avLst/>
@@ -19193,14 +19202,14 @@
       </p:sp>
       <p:sp>
         <p:nvSpPr>
-          <p:cNvPr id="368" name="Google Shape;344;p39"/>
+          <p:cNvPr id="357" name="Google Shape;344;p39"/>
           <p:cNvSpPr/>
           <p:nvPr/>
         </p:nvSpPr>
         <p:spPr>
           <a:xfrm>
             <a:off x="4409640" y="1085760"/>
-            <a:ext cx="1314000" cy="285120"/>
+            <a:ext cx="1313640" cy="284760"/>
           </a:xfrm>
           <a:prstGeom prst="rect">
             <a:avLst/>
@@ -19255,16 +19264,16 @@
       </p:sp>
       <p:cxnSp>
         <p:nvCxnSpPr>
-          <p:cNvPr id="369" name="Google Shape;345;p39"/>
+          <p:cNvPr id="358" name="Google Shape;345;p39"/>
           <p:cNvCxnSpPr>
-            <a:stCxn id="368" idx="2"/>
+            <a:stCxn id="357" idx="2"/>
           </p:cNvCxnSpPr>
           <p:nvPr/>
         </p:nvCxnSpPr>
         <p:spPr>
           <a:xfrm flipH="1">
-            <a:off x="5036400" y="1370880"/>
-            <a:ext cx="30600" cy="3259080"/>
+            <a:off x="5036400" y="1370520"/>
+            <a:ext cx="30240" cy="3259800"/>
           </a:xfrm>
           <a:prstGeom prst="straightConnector1">
             <a:avLst/>
@@ -19280,14 +19289,14 @@
       </p:cxnSp>
       <p:cxnSp>
         <p:nvCxnSpPr>
-          <p:cNvPr id="370" name="Google Shape;346;p39"/>
+          <p:cNvPr id="359" name="Google Shape;346;p39"/>
           <p:cNvCxnSpPr/>
           <p:nvPr/>
         </p:nvCxnSpPr>
         <p:spPr>
           <a:xfrm>
             <a:off x="2064960" y="2335320"/>
-            <a:ext cx="2833920" cy="720"/>
+            <a:ext cx="2834280" cy="1080"/>
           </a:xfrm>
           <a:prstGeom prst="straightConnector1">
             <a:avLst/>
@@ -19303,14 +19312,14 @@
       </p:cxnSp>
       <p:sp>
         <p:nvSpPr>
-          <p:cNvPr id="371" name="Google Shape;347;p39"/>
+          <p:cNvPr id="360" name="Google Shape;347;p39"/>
           <p:cNvSpPr/>
           <p:nvPr/>
         </p:nvSpPr>
         <p:spPr>
           <a:xfrm>
             <a:off x="2066040" y="2058480"/>
-            <a:ext cx="2581560" cy="230400"/>
+            <a:ext cx="2581200" cy="230040"/>
           </a:xfrm>
           <a:prstGeom prst="rect">
             <a:avLst/>
@@ -19360,14 +19369,14 @@
       </p:sp>
       <p:sp>
         <p:nvSpPr>
-          <p:cNvPr id="372" name="Google Shape;348;p39"/>
+          <p:cNvPr id="361" name="Google Shape;348;p39"/>
           <p:cNvSpPr/>
           <p:nvPr/>
         </p:nvSpPr>
         <p:spPr>
           <a:xfrm>
             <a:off x="4884120" y="1715040"/>
-            <a:ext cx="304200" cy="1045800"/>
+            <a:ext cx="303840" cy="1045440"/>
           </a:xfrm>
           <a:prstGeom prst="rect">
             <a:avLst/>
@@ -19413,14 +19422,14 @@
       </p:sp>
       <p:sp>
         <p:nvSpPr>
-          <p:cNvPr id="373" name="Google Shape;349;p39"/>
+          <p:cNvPr id="362" name="Google Shape;349;p39"/>
           <p:cNvSpPr/>
           <p:nvPr/>
         </p:nvSpPr>
         <p:spPr>
           <a:xfrm>
             <a:off x="5940000" y="1085760"/>
-            <a:ext cx="1641600" cy="285120"/>
+            <a:ext cx="1641240" cy="284760"/>
           </a:xfrm>
           <a:prstGeom prst="rect">
             <a:avLst/>
@@ -19475,16 +19484,16 @@
       </p:sp>
       <p:cxnSp>
         <p:nvCxnSpPr>
-          <p:cNvPr id="374" name="Google Shape;350;p39"/>
+          <p:cNvPr id="363" name="Google Shape;350;p39"/>
           <p:cNvCxnSpPr>
-            <a:stCxn id="373" idx="2"/>
+            <a:stCxn id="362" idx="2"/>
           </p:cNvCxnSpPr>
           <p:nvPr/>
         </p:nvCxnSpPr>
         <p:spPr>
           <a:xfrm flipH="1">
-            <a:off x="6739920" y="1370880"/>
-            <a:ext cx="21240" cy="3259080"/>
+            <a:off x="6739920" y="1370520"/>
+            <a:ext cx="20880" cy="3259800"/>
           </a:xfrm>
           <a:prstGeom prst="straightConnector1">
             <a:avLst/>
@@ -19500,14 +19509,14 @@
       </p:cxnSp>
       <p:sp>
         <p:nvSpPr>
-          <p:cNvPr id="375" name="Google Shape;351;p39"/>
+          <p:cNvPr id="364" name="Google Shape;351;p39"/>
           <p:cNvSpPr/>
           <p:nvPr/>
         </p:nvSpPr>
         <p:spPr>
           <a:xfrm>
             <a:off x="6558840" y="3035160"/>
-            <a:ext cx="304200" cy="678960"/>
+            <a:ext cx="303840" cy="678600"/>
           </a:xfrm>
           <a:prstGeom prst="rect">
             <a:avLst/>
@@ -19553,14 +19562,14 @@
       </p:sp>
       <p:cxnSp>
         <p:nvCxnSpPr>
-          <p:cNvPr id="376" name="Google Shape;352;p39"/>
+          <p:cNvPr id="365" name="Google Shape;352;p39"/>
           <p:cNvCxnSpPr/>
           <p:nvPr/>
         </p:nvCxnSpPr>
         <p:spPr>
           <a:xfrm>
             <a:off x="2051640" y="3485880"/>
-            <a:ext cx="4507560" cy="720"/>
+            <a:ext cx="4507920" cy="1080"/>
           </a:xfrm>
           <a:prstGeom prst="straightConnector1">
             <a:avLst/>
@@ -19576,14 +19585,14 @@
       </p:cxnSp>
       <p:sp>
         <p:nvSpPr>
-          <p:cNvPr id="377" name="Google Shape;353;p39"/>
+          <p:cNvPr id="366" name="Google Shape;353;p39"/>
           <p:cNvSpPr/>
           <p:nvPr/>
         </p:nvSpPr>
         <p:spPr>
           <a:xfrm>
             <a:off x="2149560" y="3165840"/>
-            <a:ext cx="837360" cy="253080"/>
+            <a:ext cx="837000" cy="252720"/>
           </a:xfrm>
           <a:prstGeom prst="rect">
             <a:avLst/>
@@ -19633,14 +19642,14 @@
       </p:sp>
       <p:sp>
         <p:nvSpPr>
-          <p:cNvPr id="378" name="Google Shape;354;p39"/>
+          <p:cNvPr id="367" name="Google Shape;354;p39"/>
           <p:cNvSpPr/>
           <p:nvPr/>
         </p:nvSpPr>
         <p:spPr>
           <a:xfrm>
             <a:off x="261720" y="2346120"/>
-            <a:ext cx="1445760" cy="2279520"/>
+            <a:ext cx="1445400" cy="2279160"/>
           </a:xfrm>
           <a:prstGeom prst="rect">
             <a:avLst/>
@@ -19872,14 +19881,14 @@
       </p:sp>
       <p:cxnSp>
         <p:nvCxnSpPr>
-          <p:cNvPr id="379" name="Google Shape;355;p39"/>
+          <p:cNvPr id="368" name="Google Shape;355;p39"/>
           <p:cNvCxnSpPr/>
           <p:nvPr/>
         </p:nvCxnSpPr>
         <p:spPr>
           <a:xfrm>
             <a:off x="2123640" y="1876320"/>
-            <a:ext cx="2761200" cy="720"/>
+            <a:ext cx="2761560" cy="1080"/>
           </a:xfrm>
           <a:prstGeom prst="straightConnector1">
             <a:avLst/>
@@ -19895,14 +19904,14 @@
       </p:cxnSp>
       <p:sp>
         <p:nvSpPr>
-          <p:cNvPr id="380" name="Google Shape;356;p39"/>
+          <p:cNvPr id="369" name="Google Shape;356;p39"/>
           <p:cNvSpPr/>
           <p:nvPr/>
         </p:nvSpPr>
         <p:spPr>
           <a:xfrm>
             <a:off x="2124360" y="1599480"/>
-            <a:ext cx="2678400" cy="230040"/>
+            <a:ext cx="2678040" cy="229680"/>
           </a:xfrm>
           <a:prstGeom prst="rect">
             <a:avLst/>
@@ -19952,14 +19961,14 @@
       </p:sp>
       <p:cxnSp>
         <p:nvCxnSpPr>
-          <p:cNvPr id="381" name="Google Shape;357;p39"/>
+          <p:cNvPr id="370" name="Google Shape;357;p39"/>
           <p:cNvCxnSpPr/>
           <p:nvPr/>
         </p:nvCxnSpPr>
         <p:spPr>
           <a:xfrm>
             <a:off x="6863400" y="3485880"/>
-            <a:ext cx="1383480" cy="720"/>
+            <a:ext cx="1383840" cy="1080"/>
           </a:xfrm>
           <a:prstGeom prst="straightConnector1">
             <a:avLst/>
@@ -19975,14 +19984,14 @@
       </p:cxnSp>
       <p:sp>
         <p:nvSpPr>
-          <p:cNvPr id="382" name="Google Shape;358;p39"/>
+          <p:cNvPr id="371" name="Google Shape;358;p39"/>
           <p:cNvSpPr/>
           <p:nvPr/>
         </p:nvSpPr>
         <p:spPr>
           <a:xfrm>
             <a:off x="6960600" y="3133080"/>
-            <a:ext cx="2268720" cy="253080"/>
+            <a:ext cx="2268360" cy="252720"/>
           </a:xfrm>
           <a:prstGeom prst="rect">
             <a:avLst/>
@@ -20062,7 +20071,7 @@
       </p:grpSpPr>
       <p:sp>
         <p:nvSpPr>
-          <p:cNvPr id="383" name="PlaceHolder 1"/>
+          <p:cNvPr id="372" name="PlaceHolder 1"/>
           <p:cNvSpPr>
             <a:spLocks noGrp="1"/>
           </p:cNvSpPr>
@@ -20073,7 +20082,7 @@
         <p:spPr>
           <a:xfrm>
             <a:off x="457200" y="205920"/>
-            <a:ext cx="8228880" cy="856800"/>
+            <a:ext cx="8228520" cy="856440"/>
           </a:xfrm>
           <a:prstGeom prst="rect">
             <a:avLst/>
@@ -20118,14 +20127,14 @@
       </p:sp>
       <p:sp>
         <p:nvSpPr>
-          <p:cNvPr id="384" name="Google Shape;364;p40"/>
+          <p:cNvPr id="373" name="Google Shape;364;p40"/>
           <p:cNvSpPr/>
           <p:nvPr/>
         </p:nvSpPr>
         <p:spPr>
           <a:xfrm>
             <a:off x="1128600" y="1085760"/>
-            <a:ext cx="1537560" cy="285120"/>
+            <a:ext cx="1537200" cy="284760"/>
           </a:xfrm>
           <a:prstGeom prst="rect">
             <a:avLst/>
@@ -20180,16 +20189,16 @@
       </p:sp>
       <p:cxnSp>
         <p:nvCxnSpPr>
-          <p:cNvPr id="385" name="Google Shape;365;p40"/>
+          <p:cNvPr id="374" name="Google Shape;365;p40"/>
           <p:cNvCxnSpPr>
-            <a:stCxn id="384" idx="2"/>
+            <a:stCxn id="373" idx="2"/>
           </p:cNvCxnSpPr>
           <p:nvPr/>
         </p:nvCxnSpPr>
         <p:spPr>
           <a:xfrm flipH="1">
-            <a:off x="1891440" y="1370880"/>
-            <a:ext cx="6120" cy="3588480"/>
+            <a:off x="1891440" y="1370520"/>
+            <a:ext cx="6120" cy="3589200"/>
           </a:xfrm>
           <a:prstGeom prst="straightConnector1">
             <a:avLst/>
@@ -20205,14 +20214,14 @@
       </p:cxnSp>
       <p:cxnSp>
         <p:nvCxnSpPr>
-          <p:cNvPr id="386" name="Google Shape;366;p40"/>
+          <p:cNvPr id="375" name="Google Shape;366;p40"/>
           <p:cNvCxnSpPr/>
           <p:nvPr/>
         </p:nvCxnSpPr>
         <p:spPr>
           <a:xfrm>
             <a:off x="831600" y="2228760"/>
-            <a:ext cx="876960" cy="720"/>
+            <a:ext cx="877320" cy="1080"/>
           </a:xfrm>
           <a:prstGeom prst="straightConnector1">
             <a:avLst/>
@@ -20228,14 +20237,14 @@
       </p:cxnSp>
       <p:sp>
         <p:nvSpPr>
-          <p:cNvPr id="387" name="Google Shape;367;p40"/>
+          <p:cNvPr id="376" name="Google Shape;367;p40"/>
           <p:cNvSpPr/>
           <p:nvPr/>
         </p:nvSpPr>
         <p:spPr>
           <a:xfrm>
             <a:off x="755640" y="1951920"/>
-            <a:ext cx="914760" cy="276120"/>
+            <a:ext cx="914400" cy="275760"/>
           </a:xfrm>
           <a:prstGeom prst="rect">
             <a:avLst/>
@@ -20285,14 +20294,14 @@
       </p:sp>
       <p:sp>
         <p:nvSpPr>
-          <p:cNvPr id="388" name="Google Shape;368;p40"/>
+          <p:cNvPr id="377" name="Google Shape;368;p40"/>
           <p:cNvSpPr/>
           <p:nvPr/>
         </p:nvSpPr>
         <p:spPr>
           <a:xfrm>
             <a:off x="1744560" y="1533600"/>
-            <a:ext cx="306000" cy="3224880"/>
+            <a:ext cx="305640" cy="3224520"/>
           </a:xfrm>
           <a:prstGeom prst="rect">
             <a:avLst/>
@@ -20338,14 +20347,14 @@
       </p:sp>
       <p:sp>
         <p:nvSpPr>
-          <p:cNvPr id="389" name="Google Shape;369;p40"/>
+          <p:cNvPr id="378" name="Google Shape;369;p40"/>
           <p:cNvSpPr/>
           <p:nvPr/>
         </p:nvSpPr>
         <p:spPr>
           <a:xfrm>
             <a:off x="3573360" y="1085760"/>
-            <a:ext cx="1114560" cy="285120"/>
+            <a:ext cx="1114200" cy="284760"/>
           </a:xfrm>
           <a:prstGeom prst="rect">
             <a:avLst/>
@@ -20400,16 +20409,16 @@
       </p:sp>
       <p:cxnSp>
         <p:nvCxnSpPr>
-          <p:cNvPr id="390" name="Google Shape;370;p40"/>
+          <p:cNvPr id="379" name="Google Shape;370;p40"/>
           <p:cNvCxnSpPr>
-            <a:stCxn id="389" idx="2"/>
+            <a:stCxn id="378" idx="2"/>
           </p:cNvCxnSpPr>
           <p:nvPr/>
         </p:nvCxnSpPr>
         <p:spPr>
           <a:xfrm flipH="1">
-            <a:off x="4086360" y="1370880"/>
-            <a:ext cx="44640" cy="3455640"/>
+            <a:off x="4086360" y="1370520"/>
+            <a:ext cx="44280" cy="3456360"/>
           </a:xfrm>
           <a:prstGeom prst="straightConnector1">
             <a:avLst/>
@@ -20425,14 +20434,14 @@
       </p:cxnSp>
       <p:cxnSp>
         <p:nvCxnSpPr>
-          <p:cNvPr id="391" name="Google Shape;371;p40"/>
+          <p:cNvPr id="380" name="Google Shape;371;p40"/>
           <p:cNvCxnSpPr/>
           <p:nvPr/>
         </p:nvCxnSpPr>
         <p:spPr>
           <a:xfrm>
             <a:off x="2064960" y="2335320"/>
-            <a:ext cx="1904040" cy="15480"/>
+            <a:ext cx="1904400" cy="15840"/>
           </a:xfrm>
           <a:prstGeom prst="straightConnector1">
             <a:avLst/>
@@ -20448,14 +20457,14 @@
       </p:cxnSp>
       <p:sp>
         <p:nvSpPr>
-          <p:cNvPr id="392" name="Google Shape;372;p40"/>
+          <p:cNvPr id="381" name="Google Shape;372;p40"/>
           <p:cNvSpPr/>
           <p:nvPr/>
         </p:nvSpPr>
         <p:spPr>
           <a:xfrm>
             <a:off x="2066040" y="2058480"/>
-            <a:ext cx="2581560" cy="230400"/>
+            <a:ext cx="2581200" cy="230040"/>
           </a:xfrm>
           <a:prstGeom prst="rect">
             <a:avLst/>
@@ -20515,14 +20524,14 @@
       </p:sp>
       <p:sp>
         <p:nvSpPr>
-          <p:cNvPr id="393" name="Google Shape;373;p40"/>
+          <p:cNvPr id="382" name="Google Shape;373;p40"/>
           <p:cNvSpPr/>
           <p:nvPr/>
         </p:nvSpPr>
         <p:spPr>
           <a:xfrm>
             <a:off x="3978720" y="1705680"/>
-            <a:ext cx="304200" cy="1045800"/>
+            <a:ext cx="303840" cy="1045440"/>
           </a:xfrm>
           <a:prstGeom prst="rect">
             <a:avLst/>
@@ -20568,14 +20577,14 @@
       </p:sp>
       <p:sp>
         <p:nvSpPr>
-          <p:cNvPr id="394" name="Google Shape;374;p40"/>
+          <p:cNvPr id="383" name="Google Shape;374;p40"/>
           <p:cNvSpPr/>
           <p:nvPr/>
         </p:nvSpPr>
         <p:spPr>
           <a:xfrm>
             <a:off x="16920" y="2289240"/>
-            <a:ext cx="1763280" cy="1453320"/>
+            <a:ext cx="1762920" cy="1452960"/>
           </a:xfrm>
           <a:prstGeom prst="rect">
             <a:avLst/>
@@ -20745,14 +20754,14 @@
       </p:sp>
       <p:cxnSp>
         <p:nvCxnSpPr>
-          <p:cNvPr id="395" name="Google Shape;375;p40"/>
+          <p:cNvPr id="384" name="Google Shape;375;p40"/>
           <p:cNvCxnSpPr/>
           <p:nvPr/>
         </p:nvCxnSpPr>
         <p:spPr>
           <a:xfrm>
             <a:off x="2054160" y="1876320"/>
-            <a:ext cx="1907280" cy="8640"/>
+            <a:ext cx="1907640" cy="9000"/>
           </a:xfrm>
           <a:prstGeom prst="straightConnector1">
             <a:avLst/>
@@ -20768,14 +20777,14 @@
       </p:cxnSp>
       <p:sp>
         <p:nvSpPr>
-          <p:cNvPr id="396" name="Google Shape;376;p40"/>
+          <p:cNvPr id="385" name="Google Shape;376;p40"/>
           <p:cNvSpPr/>
           <p:nvPr/>
         </p:nvSpPr>
         <p:spPr>
           <a:xfrm>
             <a:off x="2124360" y="1599480"/>
-            <a:ext cx="1609920" cy="230040"/>
+            <a:ext cx="1609560" cy="229680"/>
           </a:xfrm>
           <a:prstGeom prst="rect">
             <a:avLst/>
@@ -20825,14 +20834,14 @@
       </p:sp>
       <p:cxnSp>
         <p:nvCxnSpPr>
-          <p:cNvPr id="397" name="Google Shape;377;p40"/>
+          <p:cNvPr id="386" name="Google Shape;377;p40"/>
           <p:cNvCxnSpPr/>
           <p:nvPr/>
         </p:nvCxnSpPr>
         <p:spPr>
           <a:xfrm flipH="1">
             <a:off x="2048400" y="2673360"/>
-            <a:ext cx="1920600" cy="720"/>
+            <a:ext cx="1920960" cy="1080"/>
           </a:xfrm>
           <a:prstGeom prst="straightConnector1">
             <a:avLst/>
@@ -20848,14 +20857,14 @@
       </p:cxnSp>
       <p:sp>
         <p:nvSpPr>
-          <p:cNvPr id="398" name="Google Shape;378;p40"/>
+          <p:cNvPr id="387" name="Google Shape;378;p40"/>
           <p:cNvSpPr/>
           <p:nvPr/>
         </p:nvSpPr>
         <p:spPr>
           <a:xfrm>
             <a:off x="2819520" y="2388960"/>
-            <a:ext cx="914760" cy="230400"/>
+            <a:ext cx="914400" cy="230040"/>
           </a:xfrm>
           <a:prstGeom prst="rect">
             <a:avLst/>
@@ -20905,14 +20914,14 @@
       </p:sp>
       <p:sp>
         <p:nvSpPr>
-          <p:cNvPr id="399" name="Google Shape;379;p40"/>
+          <p:cNvPr id="388" name="Google Shape;379;p40"/>
           <p:cNvSpPr/>
           <p:nvPr/>
         </p:nvSpPr>
         <p:spPr>
           <a:xfrm>
             <a:off x="4863960" y="1085760"/>
-            <a:ext cx="1217160" cy="285120"/>
+            <a:ext cx="1216800" cy="284760"/>
           </a:xfrm>
           <a:prstGeom prst="rect">
             <a:avLst/>
@@ -20967,14 +20976,14 @@
       </p:sp>
       <p:cxnSp>
         <p:nvCxnSpPr>
-          <p:cNvPr id="400" name="Google Shape;380;p40"/>
+          <p:cNvPr id="389" name="Google Shape;380;p40"/>
           <p:cNvCxnSpPr/>
           <p:nvPr/>
         </p:nvCxnSpPr>
         <p:spPr>
           <a:xfrm flipH="1">
             <a:off x="5409360" y="1371600"/>
-            <a:ext cx="27360" cy="3425040"/>
+            <a:ext cx="27720" cy="3425400"/>
           </a:xfrm>
           <a:prstGeom prst="straightConnector1">
             <a:avLst/>
@@ -20990,14 +20999,14 @@
       </p:cxnSp>
       <p:sp>
         <p:nvSpPr>
-          <p:cNvPr id="401" name="Google Shape;381;p40"/>
+          <p:cNvPr id="390" name="Google Shape;381;p40"/>
           <p:cNvSpPr/>
           <p:nvPr/>
         </p:nvSpPr>
         <p:spPr>
           <a:xfrm>
             <a:off x="5268600" y="2806200"/>
-            <a:ext cx="304200" cy="1045800"/>
+            <a:ext cx="303840" cy="1045440"/>
           </a:xfrm>
           <a:prstGeom prst="rect">
             <a:avLst/>
@@ -21043,14 +21052,14 @@
       </p:sp>
       <p:cxnSp>
         <p:nvCxnSpPr>
-          <p:cNvPr id="402" name="Google Shape;382;p40"/>
+          <p:cNvPr id="391" name="Google Shape;382;p40"/>
           <p:cNvCxnSpPr/>
           <p:nvPr/>
         </p:nvCxnSpPr>
         <p:spPr>
           <a:xfrm flipV="1">
             <a:off x="2047320" y="3406680"/>
-            <a:ext cx="3200040" cy="16200"/>
+            <a:ext cx="3200400" cy="16560"/>
           </a:xfrm>
           <a:prstGeom prst="straightConnector1">
             <a:avLst/>
@@ -21066,14 +21075,14 @@
       </p:cxnSp>
       <p:sp>
         <p:nvSpPr>
-          <p:cNvPr id="403" name="Google Shape;383;p40"/>
+          <p:cNvPr id="392" name="Google Shape;383;p40"/>
           <p:cNvSpPr/>
           <p:nvPr/>
         </p:nvSpPr>
         <p:spPr>
           <a:xfrm>
             <a:off x="2066040" y="3136680"/>
-            <a:ext cx="2797200" cy="269640"/>
+            <a:ext cx="2796840" cy="269280"/>
           </a:xfrm>
           <a:prstGeom prst="rect">
             <a:avLst/>
@@ -21130,14 +21139,14 @@
       </p:sp>
       <p:cxnSp>
         <p:nvCxnSpPr>
-          <p:cNvPr id="404" name="Google Shape;384;p40"/>
+          <p:cNvPr id="393" name="Google Shape;384;p40"/>
           <p:cNvCxnSpPr/>
           <p:nvPr/>
         </p:nvCxnSpPr>
         <p:spPr>
           <a:xfrm flipV="1">
             <a:off x="2045880" y="3081240"/>
-            <a:ext cx="3209040" cy="16920"/>
+            <a:ext cx="3209400" cy="17280"/>
           </a:xfrm>
           <a:prstGeom prst="straightConnector1">
             <a:avLst/>
@@ -21153,14 +21162,14 @@
       </p:cxnSp>
       <p:sp>
         <p:nvSpPr>
-          <p:cNvPr id="405" name="Google Shape;385;p40"/>
+          <p:cNvPr id="394" name="Google Shape;385;p40"/>
           <p:cNvSpPr/>
           <p:nvPr/>
         </p:nvSpPr>
         <p:spPr>
           <a:xfrm>
             <a:off x="2135520" y="2806200"/>
-            <a:ext cx="1716840" cy="230040"/>
+            <a:ext cx="1716480" cy="229680"/>
           </a:xfrm>
           <a:prstGeom prst="rect">
             <a:avLst/>
@@ -21210,14 +21219,14 @@
       </p:sp>
       <p:cxnSp>
         <p:nvCxnSpPr>
-          <p:cNvPr id="406" name="Google Shape;386;p40"/>
+          <p:cNvPr id="395" name="Google Shape;386;p40"/>
           <p:cNvCxnSpPr/>
           <p:nvPr/>
         </p:nvCxnSpPr>
         <p:spPr>
           <a:xfrm flipH="1">
             <a:off x="2039040" y="3681720"/>
-            <a:ext cx="3208320" cy="720"/>
+            <a:ext cx="3208680" cy="1080"/>
           </a:xfrm>
           <a:prstGeom prst="straightConnector1">
             <a:avLst/>
@@ -21233,14 +21242,14 @@
       </p:cxnSp>
       <p:sp>
         <p:nvSpPr>
-          <p:cNvPr id="407" name="Google Shape;387;p40"/>
+          <p:cNvPr id="396" name="Google Shape;387;p40"/>
           <p:cNvSpPr/>
           <p:nvPr/>
         </p:nvSpPr>
         <p:spPr>
           <a:xfrm>
             <a:off x="2767680" y="3409200"/>
-            <a:ext cx="914760" cy="230400"/>
+            <a:ext cx="914400" cy="230040"/>
           </a:xfrm>
           <a:prstGeom prst="rect">
             <a:avLst/>
@@ -21290,14 +21299,14 @@
       </p:sp>
       <p:sp>
         <p:nvSpPr>
-          <p:cNvPr id="408" name="Google Shape;388;p40"/>
+          <p:cNvPr id="397" name="Google Shape;388;p40"/>
           <p:cNvSpPr/>
           <p:nvPr/>
         </p:nvSpPr>
         <p:spPr>
           <a:xfrm>
             <a:off x="6203880" y="1085760"/>
-            <a:ext cx="1079280" cy="285120"/>
+            <a:ext cx="1078920" cy="284760"/>
           </a:xfrm>
           <a:prstGeom prst="rect">
             <a:avLst/>
@@ -21352,16 +21361,16 @@
       </p:sp>
       <p:cxnSp>
         <p:nvCxnSpPr>
-          <p:cNvPr id="409" name="Google Shape;389;p40"/>
+          <p:cNvPr id="398" name="Google Shape;389;p40"/>
           <p:cNvCxnSpPr>
-            <a:stCxn id="408" idx="2"/>
+            <a:stCxn id="397" idx="2"/>
           </p:cNvCxnSpPr>
           <p:nvPr/>
         </p:nvCxnSpPr>
         <p:spPr>
           <a:xfrm>
-            <a:off x="6743520" y="1370880"/>
-            <a:ext cx="26280" cy="3418200"/>
+            <a:off x="6743160" y="1370520"/>
+            <a:ext cx="27000" cy="3418920"/>
           </a:xfrm>
           <a:prstGeom prst="straightConnector1">
             <a:avLst/>
@@ -21377,14 +21386,14 @@
       </p:cxnSp>
       <p:cxnSp>
         <p:nvCxnSpPr>
-          <p:cNvPr id="410" name="Google Shape;390;p40"/>
+          <p:cNvPr id="399" name="Google Shape;390;p40"/>
           <p:cNvCxnSpPr/>
           <p:nvPr/>
         </p:nvCxnSpPr>
         <p:spPr>
           <a:xfrm>
             <a:off x="2064960" y="4577040"/>
-            <a:ext cx="5857920" cy="19080"/>
+            <a:ext cx="5858280" cy="19440"/>
           </a:xfrm>
           <a:prstGeom prst="straightConnector1">
             <a:avLst/>
@@ -21400,14 +21409,14 @@
       </p:cxnSp>
       <p:sp>
         <p:nvSpPr>
-          <p:cNvPr id="411" name="Google Shape;391;p40"/>
+          <p:cNvPr id="400" name="Google Shape;391;p40"/>
           <p:cNvSpPr/>
           <p:nvPr/>
         </p:nvSpPr>
         <p:spPr>
           <a:xfrm>
             <a:off x="7548120" y="1085760"/>
-            <a:ext cx="1079280" cy="475200"/>
+            <a:ext cx="1078920" cy="474840"/>
           </a:xfrm>
           <a:prstGeom prst="rect">
             <a:avLst/>
@@ -21475,16 +21484,16 @@
       </p:sp>
       <p:cxnSp>
         <p:nvCxnSpPr>
-          <p:cNvPr id="412" name="Google Shape;392;p40"/>
+          <p:cNvPr id="401" name="Google Shape;392;p40"/>
           <p:cNvCxnSpPr>
-            <a:stCxn id="411" idx="2"/>
+            <a:stCxn id="400" idx="2"/>
           </p:cNvCxnSpPr>
           <p:nvPr/>
         </p:nvCxnSpPr>
         <p:spPr>
           <a:xfrm>
-            <a:off x="8087760" y="1560960"/>
-            <a:ext cx="15480" cy="3258720"/>
+            <a:off x="8087400" y="1560600"/>
+            <a:ext cx="16200" cy="3259440"/>
           </a:xfrm>
           <a:prstGeom prst="straightConnector1">
             <a:avLst/>
@@ -21500,14 +21509,14 @@
       </p:cxnSp>
       <p:sp>
         <p:nvSpPr>
-          <p:cNvPr id="413" name="Google Shape;393;p40"/>
+          <p:cNvPr id="402" name="Google Shape;393;p40"/>
           <p:cNvSpPr/>
           <p:nvPr/>
         </p:nvSpPr>
         <p:spPr>
           <a:xfrm>
             <a:off x="7936560" y="4246560"/>
-            <a:ext cx="304200" cy="678960"/>
+            <a:ext cx="303840" cy="678600"/>
           </a:xfrm>
           <a:prstGeom prst="rect">
             <a:avLst/>
@@ -21553,16 +21562,16 @@
       </p:sp>
       <p:cxnSp>
         <p:nvCxnSpPr>
-          <p:cNvPr id="414" name="Google Shape;394;p40"/>
+          <p:cNvPr id="403" name="Google Shape;394;p40"/>
           <p:cNvCxnSpPr>
-            <a:endCxn id="415" idx="1"/>
+            <a:endCxn id="404" idx="1"/>
           </p:cNvCxnSpPr>
           <p:nvPr/>
         </p:nvCxnSpPr>
         <p:spPr>
           <a:xfrm flipV="1">
-            <a:off x="2069280" y="4082760"/>
-            <a:ext cx="4529880" cy="11880"/>
+            <a:off x="2069280" y="4082400"/>
+            <a:ext cx="4529880" cy="12600"/>
           </a:xfrm>
           <a:prstGeom prst="straightConnector1">
             <a:avLst/>
@@ -21578,14 +21587,14 @@
       </p:cxnSp>
       <p:sp>
         <p:nvSpPr>
-          <p:cNvPr id="415" name="Google Shape;395;p40"/>
+          <p:cNvPr id="404" name="Google Shape;395;p40"/>
           <p:cNvSpPr/>
           <p:nvPr/>
         </p:nvSpPr>
         <p:spPr>
           <a:xfrm>
             <a:off x="6598800" y="3743280"/>
-            <a:ext cx="304200" cy="678960"/>
+            <a:ext cx="303840" cy="678600"/>
           </a:xfrm>
           <a:prstGeom prst="rect">
             <a:avLst/>
@@ -21631,14 +21640,14 @@
       </p:sp>
       <p:sp>
         <p:nvSpPr>
-          <p:cNvPr id="416" name="Google Shape;396;p40"/>
+          <p:cNvPr id="405" name="Google Shape;396;p40"/>
           <p:cNvSpPr/>
           <p:nvPr/>
         </p:nvSpPr>
         <p:spPr>
           <a:xfrm>
             <a:off x="2270160" y="3809160"/>
-            <a:ext cx="1865880" cy="253080"/>
+            <a:ext cx="1865520" cy="252720"/>
           </a:xfrm>
           <a:prstGeom prst="rect">
             <a:avLst/>
@@ -21701,14 +21710,14 @@
       </p:sp>
       <p:sp>
         <p:nvSpPr>
-          <p:cNvPr id="417" name="Google Shape;397;p40"/>
+          <p:cNvPr id="406" name="Google Shape;397;p40"/>
           <p:cNvSpPr/>
           <p:nvPr/>
         </p:nvSpPr>
         <p:spPr>
           <a:xfrm>
             <a:off x="2360880" y="4278240"/>
-            <a:ext cx="3454560" cy="327240"/>
+            <a:ext cx="3454200" cy="326880"/>
           </a:xfrm>
           <a:prstGeom prst="rect">
             <a:avLst/>
@@ -21788,7 +21797,7 @@
       </p:grpSpPr>
       <p:sp>
         <p:nvSpPr>
-          <p:cNvPr id="418" name="PlaceHolder 1"/>
+          <p:cNvPr id="407" name="PlaceHolder 1"/>
           <p:cNvSpPr>
             <a:spLocks noGrp="1"/>
           </p:cNvSpPr>
@@ -21799,7 +21808,7 @@
         <p:spPr>
           <a:xfrm>
             <a:off x="457200" y="205920"/>
-            <a:ext cx="8228880" cy="856800"/>
+            <a:ext cx="8228520" cy="856440"/>
           </a:xfrm>
           <a:prstGeom prst="rect">
             <a:avLst/>
@@ -21844,14 +21853,14 @@
       </p:sp>
       <p:sp>
         <p:nvSpPr>
-          <p:cNvPr id="419" name="Google Shape;403;p41"/>
+          <p:cNvPr id="408" name="Google Shape;403;p41"/>
           <p:cNvSpPr/>
           <p:nvPr/>
         </p:nvSpPr>
         <p:spPr>
           <a:xfrm>
             <a:off x="1178640" y="1085040"/>
-            <a:ext cx="1967400" cy="285120"/>
+            <a:ext cx="1967040" cy="284760"/>
           </a:xfrm>
           <a:prstGeom prst="rect">
             <a:avLst/>
@@ -21906,16 +21915,16 @@
       </p:sp>
       <p:cxnSp>
         <p:nvCxnSpPr>
-          <p:cNvPr id="420" name="Google Shape;404;p41"/>
+          <p:cNvPr id="409" name="Google Shape;404;p41"/>
           <p:cNvCxnSpPr>
-            <a:stCxn id="419" idx="2"/>
+            <a:stCxn id="408" idx="2"/>
           </p:cNvCxnSpPr>
           <p:nvPr/>
         </p:nvCxnSpPr>
         <p:spPr>
           <a:xfrm flipH="1">
-            <a:off x="2149200" y="1370160"/>
-            <a:ext cx="13320" cy="3292920"/>
+            <a:off x="2149200" y="1369800"/>
+            <a:ext cx="13320" cy="3293640"/>
           </a:xfrm>
           <a:prstGeom prst="straightConnector1">
             <a:avLst/>
@@ -21931,14 +21940,14 @@
       </p:cxnSp>
       <p:cxnSp>
         <p:nvCxnSpPr>
-          <p:cNvPr id="421" name="Google Shape;405;p41"/>
+          <p:cNvPr id="410" name="Google Shape;405;p41"/>
           <p:cNvCxnSpPr/>
           <p:nvPr/>
         </p:nvCxnSpPr>
         <p:spPr>
           <a:xfrm>
             <a:off x="1096560" y="2250000"/>
-            <a:ext cx="876960" cy="720"/>
+            <a:ext cx="877320" cy="1080"/>
           </a:xfrm>
           <a:prstGeom prst="straightConnector1">
             <a:avLst/>
@@ -21954,14 +21963,14 @@
       </p:cxnSp>
       <p:sp>
         <p:nvSpPr>
-          <p:cNvPr id="422" name="Google Shape;406;p41"/>
+          <p:cNvPr id="411" name="Google Shape;406;p41"/>
           <p:cNvSpPr/>
           <p:nvPr/>
         </p:nvSpPr>
         <p:spPr>
           <a:xfrm>
             <a:off x="1020240" y="1973160"/>
-            <a:ext cx="914760" cy="276120"/>
+            <a:ext cx="914400" cy="275760"/>
           </a:xfrm>
           <a:prstGeom prst="rect">
             <a:avLst/>
@@ -22011,14 +22020,14 @@
       </p:sp>
       <p:sp>
         <p:nvSpPr>
-          <p:cNvPr id="423" name="Google Shape;407;p41"/>
+          <p:cNvPr id="412" name="Google Shape;407;p41"/>
           <p:cNvSpPr/>
           <p:nvPr/>
         </p:nvSpPr>
         <p:spPr>
           <a:xfrm>
             <a:off x="2009160" y="1554840"/>
-            <a:ext cx="306000" cy="2759400"/>
+            <a:ext cx="305640" cy="2759040"/>
           </a:xfrm>
           <a:prstGeom prst="rect">
             <a:avLst/>
@@ -22064,14 +22073,14 @@
       </p:sp>
       <p:sp>
         <p:nvSpPr>
-          <p:cNvPr id="424" name="Google Shape;408;p41"/>
+          <p:cNvPr id="413" name="Google Shape;408;p41"/>
           <p:cNvSpPr/>
           <p:nvPr/>
         </p:nvSpPr>
         <p:spPr>
           <a:xfrm>
             <a:off x="162720" y="2303640"/>
-            <a:ext cx="1915200" cy="2468880"/>
+            <a:ext cx="1914840" cy="2468520"/>
           </a:xfrm>
           <a:prstGeom prst="rect">
             <a:avLst/>
@@ -22319,14 +22328,14 @@
       </p:sp>
       <p:sp>
         <p:nvSpPr>
-          <p:cNvPr id="425" name="Google Shape;409;p41"/>
+          <p:cNvPr id="414" name="Google Shape;409;p41"/>
           <p:cNvSpPr/>
           <p:nvPr/>
         </p:nvSpPr>
         <p:spPr>
           <a:xfrm>
             <a:off x="4160520" y="1083240"/>
-            <a:ext cx="1217160" cy="285120"/>
+            <a:ext cx="1216800" cy="284760"/>
           </a:xfrm>
           <a:prstGeom prst="rect">
             <a:avLst/>
@@ -22381,14 +22390,14 @@
       </p:sp>
       <p:cxnSp>
         <p:nvCxnSpPr>
-          <p:cNvPr id="426" name="Google Shape;410;p41"/>
+          <p:cNvPr id="415" name="Google Shape;410;p41"/>
           <p:cNvCxnSpPr/>
           <p:nvPr/>
         </p:nvCxnSpPr>
         <p:spPr>
           <a:xfrm flipH="1">
             <a:off x="4735800" y="1388880"/>
-            <a:ext cx="30600" cy="3384720"/>
+            <a:ext cx="30960" cy="3385080"/>
           </a:xfrm>
           <a:prstGeom prst="straightConnector1">
             <a:avLst/>
@@ -22404,14 +22413,14 @@
       </p:cxnSp>
       <p:sp>
         <p:nvSpPr>
-          <p:cNvPr id="427" name="Google Shape;411;p41"/>
+          <p:cNvPr id="416" name="Google Shape;411;p41"/>
           <p:cNvSpPr/>
           <p:nvPr/>
         </p:nvSpPr>
         <p:spPr>
           <a:xfrm>
             <a:off x="4617360" y="1659960"/>
-            <a:ext cx="304200" cy="1717920"/>
+            <a:ext cx="303840" cy="1717560"/>
           </a:xfrm>
           <a:prstGeom prst="rect">
             <a:avLst/>
@@ -22457,14 +22466,14 @@
       </p:sp>
       <p:cxnSp>
         <p:nvCxnSpPr>
-          <p:cNvPr id="428" name="Google Shape;412;p41"/>
+          <p:cNvPr id="417" name="Google Shape;412;p41"/>
           <p:cNvCxnSpPr/>
           <p:nvPr/>
         </p:nvCxnSpPr>
         <p:spPr>
           <a:xfrm flipV="1">
             <a:off x="2323800" y="2245320"/>
-            <a:ext cx="2279520" cy="1440"/>
+            <a:ext cx="2279880" cy="1800"/>
           </a:xfrm>
           <a:prstGeom prst="straightConnector1">
             <a:avLst/>
@@ -22480,14 +22489,14 @@
       </p:cxnSp>
       <p:sp>
         <p:nvSpPr>
-          <p:cNvPr id="429" name="Google Shape;413;p41"/>
+          <p:cNvPr id="418" name="Google Shape;413;p41"/>
           <p:cNvSpPr/>
           <p:nvPr/>
         </p:nvSpPr>
         <p:spPr>
           <a:xfrm>
             <a:off x="2342520" y="1960560"/>
-            <a:ext cx="2581560" cy="230400"/>
+            <a:ext cx="2581200" cy="230040"/>
           </a:xfrm>
           <a:prstGeom prst="rect">
             <a:avLst/>
@@ -22537,14 +22546,14 @@
       </p:sp>
       <p:cxnSp>
         <p:nvCxnSpPr>
-          <p:cNvPr id="430" name="Google Shape;414;p41"/>
+          <p:cNvPr id="419" name="Google Shape;414;p41"/>
           <p:cNvCxnSpPr/>
           <p:nvPr/>
         </p:nvCxnSpPr>
         <p:spPr>
           <a:xfrm flipV="1">
             <a:off x="2322360" y="1905480"/>
-            <a:ext cx="2295720" cy="16560"/>
+            <a:ext cx="2296080" cy="16920"/>
           </a:xfrm>
           <a:prstGeom prst="straightConnector1">
             <a:avLst/>
@@ -22560,14 +22569,14 @@
       </p:cxnSp>
       <p:sp>
         <p:nvSpPr>
-          <p:cNvPr id="431" name="Google Shape;415;p41"/>
+          <p:cNvPr id="420" name="Google Shape;415;p41"/>
           <p:cNvSpPr/>
           <p:nvPr/>
         </p:nvSpPr>
         <p:spPr>
           <a:xfrm>
             <a:off x="2412000" y="1630440"/>
-            <a:ext cx="1716840" cy="230040"/>
+            <a:ext cx="1716480" cy="229680"/>
           </a:xfrm>
           <a:prstGeom prst="rect">
             <a:avLst/>
@@ -22617,14 +22626,14 @@
       </p:sp>
       <p:cxnSp>
         <p:nvCxnSpPr>
-          <p:cNvPr id="432" name="Google Shape;416;p41"/>
+          <p:cNvPr id="421" name="Google Shape;416;p41"/>
           <p:cNvCxnSpPr/>
           <p:nvPr/>
         </p:nvCxnSpPr>
         <p:spPr>
           <a:xfrm flipV="1">
             <a:off x="2313360" y="4131000"/>
-            <a:ext cx="5361480" cy="26640"/>
+            <a:ext cx="5361840" cy="27000"/>
           </a:xfrm>
           <a:prstGeom prst="straightConnector1">
             <a:avLst/>
@@ -22640,14 +22649,14 @@
       </p:cxnSp>
       <p:sp>
         <p:nvSpPr>
-          <p:cNvPr id="433" name="Google Shape;418;p41"/>
+          <p:cNvPr id="422" name="Google Shape;418;p41"/>
           <p:cNvSpPr/>
           <p:nvPr/>
         </p:nvSpPr>
         <p:spPr>
           <a:xfrm>
             <a:off x="7234560" y="1096560"/>
-            <a:ext cx="1217160" cy="475200"/>
+            <a:ext cx="1216800" cy="474840"/>
           </a:xfrm>
           <a:prstGeom prst="rect">
             <a:avLst/>
@@ -22702,16 +22711,16 @@
       </p:sp>
       <p:cxnSp>
         <p:nvCxnSpPr>
-          <p:cNvPr id="434" name="Google Shape;419;p41"/>
+          <p:cNvPr id="423" name="Google Shape;419;p41"/>
           <p:cNvCxnSpPr>
-            <a:stCxn id="433" idx="2"/>
+            <a:stCxn id="422" idx="2"/>
           </p:cNvCxnSpPr>
           <p:nvPr/>
         </p:nvCxnSpPr>
         <p:spPr>
           <a:xfrm>
-            <a:off x="7842960" y="1571760"/>
-            <a:ext cx="15840" cy="3259080"/>
+            <a:off x="7842960" y="1571400"/>
+            <a:ext cx="16200" cy="3259800"/>
           </a:xfrm>
           <a:prstGeom prst="straightConnector1">
             <a:avLst/>
@@ -22727,14 +22736,14 @@
       </p:cxnSp>
       <p:sp>
         <p:nvSpPr>
-          <p:cNvPr id="435" name="Google Shape;417;p41"/>
+          <p:cNvPr id="424" name="Google Shape;417;p41"/>
           <p:cNvSpPr/>
           <p:nvPr/>
         </p:nvSpPr>
         <p:spPr>
           <a:xfrm>
             <a:off x="7674120" y="3791520"/>
-            <a:ext cx="304200" cy="678960"/>
+            <a:ext cx="303840" cy="678600"/>
           </a:xfrm>
           <a:prstGeom prst="rect">
             <a:avLst/>
@@ -22780,14 +22789,14 @@
       </p:sp>
       <p:sp>
         <p:nvSpPr>
-          <p:cNvPr id="436" name="Google Shape;420;p41"/>
+          <p:cNvPr id="425" name="Google Shape;420;p41"/>
           <p:cNvSpPr/>
           <p:nvPr/>
         </p:nvSpPr>
         <p:spPr>
           <a:xfrm>
             <a:off x="2375280" y="3756960"/>
-            <a:ext cx="3038040" cy="327240"/>
+            <a:ext cx="3037680" cy="326880"/>
           </a:xfrm>
           <a:prstGeom prst="rect">
             <a:avLst/>
@@ -22837,16 +22846,16 @@
       </p:sp>
       <p:cxnSp>
         <p:nvCxnSpPr>
-          <p:cNvPr id="437" name="Google Shape;421;p41"/>
+          <p:cNvPr id="426" name="Google Shape;421;p41"/>
           <p:cNvCxnSpPr>
-            <a:stCxn id="435" idx="3"/>
+            <a:stCxn id="424" idx="3"/>
           </p:cNvCxnSpPr>
           <p:nvPr/>
         </p:nvCxnSpPr>
         <p:spPr>
           <a:xfrm>
-            <a:off x="7978320" y="4131000"/>
-            <a:ext cx="849240" cy="9720"/>
+            <a:off x="7977960" y="4130640"/>
+            <a:ext cx="849960" cy="10440"/>
           </a:xfrm>
           <a:prstGeom prst="straightConnector1">
             <a:avLst/>
@@ -22862,14 +22871,14 @@
       </p:cxnSp>
       <p:sp>
         <p:nvSpPr>
-          <p:cNvPr id="438" name="Google Shape;422;p41"/>
+          <p:cNvPr id="427" name="Google Shape;422;p41"/>
           <p:cNvSpPr/>
           <p:nvPr/>
         </p:nvSpPr>
         <p:spPr>
           <a:xfrm>
             <a:off x="7376760" y="3176640"/>
-            <a:ext cx="1737360" cy="579600"/>
+            <a:ext cx="1737000" cy="579240"/>
           </a:xfrm>
           <a:prstGeom prst="rect">
             <a:avLst/>
@@ -22919,14 +22928,14 @@
       </p:sp>
       <p:sp>
         <p:nvSpPr>
-          <p:cNvPr id="439" name="Google Shape;423;p41"/>
+          <p:cNvPr id="428" name="Google Shape;423;p41"/>
           <p:cNvSpPr/>
           <p:nvPr/>
         </p:nvSpPr>
         <p:spPr>
           <a:xfrm>
             <a:off x="5958000" y="1096560"/>
-            <a:ext cx="1114560" cy="285120"/>
+            <a:ext cx="1114200" cy="284760"/>
           </a:xfrm>
           <a:prstGeom prst="rect">
             <a:avLst/>
@@ -22981,14 +22990,14 @@
       </p:sp>
       <p:cxnSp>
         <p:nvCxnSpPr>
-          <p:cNvPr id="440" name="Google Shape;424;p41"/>
+          <p:cNvPr id="429" name="Google Shape;424;p41"/>
           <p:cNvCxnSpPr/>
           <p:nvPr/>
         </p:nvCxnSpPr>
         <p:spPr>
           <a:xfrm flipV="1">
             <a:off x="4909680" y="2927880"/>
-            <a:ext cx="1462320" cy="14040"/>
+            <a:ext cx="1462680" cy="14400"/>
           </a:xfrm>
           <a:prstGeom prst="straightConnector1">
             <a:avLst/>
@@ -23004,14 +23013,14 @@
       </p:cxnSp>
       <p:cxnSp>
         <p:nvCxnSpPr>
-          <p:cNvPr id="441" name="Google Shape;425;p41"/>
+          <p:cNvPr id="430" name="Google Shape;425;p41"/>
           <p:cNvCxnSpPr/>
           <p:nvPr/>
         </p:nvCxnSpPr>
         <p:spPr>
           <a:xfrm flipV="1">
             <a:off x="4928760" y="2468880"/>
-            <a:ext cx="1456560" cy="10440"/>
+            <a:ext cx="1456920" cy="10800"/>
           </a:xfrm>
           <a:prstGeom prst="straightConnector1">
             <a:avLst/>
@@ -23027,14 +23036,14 @@
       </p:cxnSp>
       <p:sp>
         <p:nvSpPr>
-          <p:cNvPr id="442" name="Google Shape;426;p41"/>
+          <p:cNvPr id="431" name="Google Shape;426;p41"/>
           <p:cNvSpPr/>
           <p:nvPr/>
         </p:nvSpPr>
         <p:spPr>
           <a:xfrm>
             <a:off x="4898880" y="2134800"/>
-            <a:ext cx="1609920" cy="230040"/>
+            <a:ext cx="1609560" cy="229680"/>
           </a:xfrm>
           <a:prstGeom prst="rect">
             <a:avLst/>
@@ -23084,16 +23093,16 @@
       </p:sp>
       <p:cxnSp>
         <p:nvCxnSpPr>
-          <p:cNvPr id="443" name="Google Shape;427;p41"/>
+          <p:cNvPr id="432" name="Google Shape;427;p41"/>
           <p:cNvCxnSpPr>
-            <a:stCxn id="439" idx="2"/>
+            <a:stCxn id="428" idx="2"/>
           </p:cNvCxnSpPr>
           <p:nvPr/>
         </p:nvCxnSpPr>
         <p:spPr>
           <a:xfrm>
-            <a:off x="6515280" y="1381680"/>
-            <a:ext cx="57960" cy="3433680"/>
+            <a:off x="6514920" y="1381320"/>
+            <a:ext cx="58680" cy="3434400"/>
           </a:xfrm>
           <a:prstGeom prst="straightConnector1">
             <a:avLst/>
@@ -23109,14 +23118,14 @@
       </p:cxnSp>
       <p:sp>
         <p:nvSpPr>
-          <p:cNvPr id="444" name="Google Shape;428;p41"/>
+          <p:cNvPr id="433" name="Google Shape;428;p41"/>
           <p:cNvSpPr/>
           <p:nvPr/>
         </p:nvSpPr>
         <p:spPr>
           <a:xfrm>
             <a:off x="6391800" y="2231280"/>
-            <a:ext cx="304200" cy="1045800"/>
+            <a:ext cx="303840" cy="1045440"/>
           </a:xfrm>
           <a:prstGeom prst="rect">
             <a:avLst/>
@@ -23162,14 +23171,14 @@
       </p:sp>
       <p:sp>
         <p:nvSpPr>
-          <p:cNvPr id="445" name="Google Shape;429;p41"/>
+          <p:cNvPr id="434" name="Google Shape;429;p41"/>
           <p:cNvSpPr/>
           <p:nvPr/>
         </p:nvSpPr>
         <p:spPr>
           <a:xfrm>
             <a:off x="4796640" y="2900520"/>
-            <a:ext cx="1737360" cy="851760"/>
+            <a:ext cx="1737000" cy="851400"/>
           </a:xfrm>
           <a:prstGeom prst="rect">
             <a:avLst/>
@@ -23262,7 +23271,7 @@
       </p:grpSpPr>
       <p:sp>
         <p:nvSpPr>
-          <p:cNvPr id="446" name="PlaceHolder 1"/>
+          <p:cNvPr id="435" name="PlaceHolder 1"/>
           <p:cNvSpPr>
             <a:spLocks noGrp="1"/>
           </p:cNvSpPr>
@@ -23273,7 +23282,7 @@
         <p:spPr>
           <a:xfrm>
             <a:off x="457200" y="205920"/>
-            <a:ext cx="8228880" cy="856800"/>
+            <a:ext cx="8228520" cy="856440"/>
           </a:xfrm>
           <a:prstGeom prst="rect">
             <a:avLst/>
@@ -23318,14 +23327,14 @@
       </p:sp>
       <p:sp>
         <p:nvSpPr>
-          <p:cNvPr id="447" name="Google Shape;435;p42"/>
+          <p:cNvPr id="436" name="Google Shape;435;p42"/>
           <p:cNvSpPr/>
           <p:nvPr/>
         </p:nvSpPr>
         <p:spPr>
           <a:xfrm>
             <a:off x="1128600" y="1085760"/>
-            <a:ext cx="1537560" cy="285120"/>
+            <a:ext cx="1537200" cy="284760"/>
           </a:xfrm>
           <a:prstGeom prst="rect">
             <a:avLst/>
@@ -23380,16 +23389,16 @@
       </p:sp>
       <p:cxnSp>
         <p:nvCxnSpPr>
-          <p:cNvPr id="448" name="Google Shape;436;p42"/>
+          <p:cNvPr id="437" name="Google Shape;436;p42"/>
           <p:cNvCxnSpPr>
-            <a:stCxn id="447" idx="2"/>
+            <a:stCxn id="436" idx="2"/>
           </p:cNvCxnSpPr>
           <p:nvPr/>
         </p:nvCxnSpPr>
         <p:spPr>
           <a:xfrm flipH="1">
-            <a:off x="1891440" y="1370880"/>
-            <a:ext cx="6120" cy="3588480"/>
+            <a:off x="1891440" y="1370520"/>
+            <a:ext cx="6120" cy="3589200"/>
           </a:xfrm>
           <a:prstGeom prst="straightConnector1">
             <a:avLst/>
@@ -23405,14 +23414,14 @@
       </p:cxnSp>
       <p:cxnSp>
         <p:nvCxnSpPr>
-          <p:cNvPr id="449" name="Google Shape;437;p42"/>
+          <p:cNvPr id="438" name="Google Shape;437;p42"/>
           <p:cNvCxnSpPr/>
           <p:nvPr/>
         </p:nvCxnSpPr>
         <p:spPr>
           <a:xfrm>
             <a:off x="831600" y="2228760"/>
-            <a:ext cx="876960" cy="720"/>
+            <a:ext cx="877320" cy="1080"/>
           </a:xfrm>
           <a:prstGeom prst="straightConnector1">
             <a:avLst/>
@@ -23428,14 +23437,14 @@
       </p:cxnSp>
       <p:sp>
         <p:nvSpPr>
-          <p:cNvPr id="450" name="Google Shape;438;p42"/>
+          <p:cNvPr id="439" name="Google Shape;438;p42"/>
           <p:cNvSpPr/>
           <p:nvPr/>
         </p:nvSpPr>
         <p:spPr>
           <a:xfrm>
             <a:off x="755640" y="1951920"/>
-            <a:ext cx="914760" cy="276120"/>
+            <a:ext cx="914400" cy="275760"/>
           </a:xfrm>
           <a:prstGeom prst="rect">
             <a:avLst/>
@@ -23485,14 +23494,14 @@
       </p:sp>
       <p:sp>
         <p:nvSpPr>
-          <p:cNvPr id="451" name="Google Shape;439;p42"/>
+          <p:cNvPr id="440" name="Google Shape;439;p42"/>
           <p:cNvSpPr/>
           <p:nvPr/>
         </p:nvSpPr>
         <p:spPr>
           <a:xfrm>
             <a:off x="1744560" y="1533600"/>
-            <a:ext cx="306000" cy="3224880"/>
+            <a:ext cx="305640" cy="3224520"/>
           </a:xfrm>
           <a:prstGeom prst="rect">
             <a:avLst/>
@@ -23538,14 +23547,14 @@
       </p:sp>
       <p:sp>
         <p:nvSpPr>
-          <p:cNvPr id="452" name="Google Shape;440;p42"/>
+          <p:cNvPr id="441" name="Google Shape;440;p42"/>
           <p:cNvSpPr/>
           <p:nvPr/>
         </p:nvSpPr>
         <p:spPr>
           <a:xfrm>
             <a:off x="3624840" y="1085760"/>
-            <a:ext cx="1114560" cy="285120"/>
+            <a:ext cx="1114200" cy="284760"/>
           </a:xfrm>
           <a:prstGeom prst="rect">
             <a:avLst/>
@@ -23600,16 +23609,16 @@
       </p:sp>
       <p:cxnSp>
         <p:nvCxnSpPr>
-          <p:cNvPr id="453" name="Google Shape;441;p42"/>
+          <p:cNvPr id="442" name="Google Shape;441;p42"/>
           <p:cNvCxnSpPr>
-            <a:stCxn id="452" idx="2"/>
+            <a:stCxn id="441" idx="2"/>
           </p:cNvCxnSpPr>
           <p:nvPr/>
         </p:nvCxnSpPr>
         <p:spPr>
           <a:xfrm flipH="1">
-            <a:off x="4137480" y="1370880"/>
-            <a:ext cx="45000" cy="3455640"/>
+            <a:off x="4137480" y="1370520"/>
+            <a:ext cx="44640" cy="3456360"/>
           </a:xfrm>
           <a:prstGeom prst="straightConnector1">
             <a:avLst/>
@@ -23625,14 +23634,14 @@
       </p:cxnSp>
       <p:cxnSp>
         <p:nvCxnSpPr>
-          <p:cNvPr id="454" name="Google Shape;442;p42"/>
+          <p:cNvPr id="443" name="Google Shape;442;p42"/>
           <p:cNvCxnSpPr/>
           <p:nvPr/>
         </p:nvCxnSpPr>
         <p:spPr>
           <a:xfrm flipV="1">
             <a:off x="2064960" y="2313360"/>
-            <a:ext cx="1897560" cy="22680"/>
+            <a:ext cx="1897920" cy="23040"/>
           </a:xfrm>
           <a:prstGeom prst="straightConnector1">
             <a:avLst/>
@@ -23648,14 +23657,14 @@
       </p:cxnSp>
       <p:sp>
         <p:nvSpPr>
-          <p:cNvPr id="455" name="Google Shape;443;p42"/>
+          <p:cNvPr id="444" name="Google Shape;443;p42"/>
           <p:cNvSpPr/>
           <p:nvPr/>
         </p:nvSpPr>
         <p:spPr>
           <a:xfrm>
             <a:off x="2066040" y="2058480"/>
-            <a:ext cx="1786320" cy="230400"/>
+            <a:ext cx="1785960" cy="230040"/>
           </a:xfrm>
           <a:prstGeom prst="rect">
             <a:avLst/>
@@ -23718,14 +23727,14 @@
       </p:sp>
       <p:sp>
         <p:nvSpPr>
-          <p:cNvPr id="456" name="Google Shape;444;p42"/>
+          <p:cNvPr id="445" name="Google Shape;444;p42"/>
           <p:cNvSpPr/>
           <p:nvPr/>
         </p:nvSpPr>
         <p:spPr>
           <a:xfrm>
             <a:off x="4029840" y="1705680"/>
-            <a:ext cx="304200" cy="1045800"/>
+            <a:ext cx="303840" cy="1045440"/>
           </a:xfrm>
           <a:prstGeom prst="rect">
             <a:avLst/>
@@ -23771,14 +23780,14 @@
       </p:sp>
       <p:sp>
         <p:nvSpPr>
-          <p:cNvPr id="457" name="Google Shape;445;p42"/>
+          <p:cNvPr id="446" name="Google Shape;445;p42"/>
           <p:cNvSpPr/>
           <p:nvPr/>
         </p:nvSpPr>
         <p:spPr>
           <a:xfrm>
             <a:off x="16920" y="2289240"/>
-            <a:ext cx="1919160" cy="2279520"/>
+            <a:ext cx="1918800" cy="2279160"/>
           </a:xfrm>
           <a:prstGeom prst="rect">
             <a:avLst/>
@@ -23932,14 +23941,14 @@
       </p:sp>
       <p:cxnSp>
         <p:nvCxnSpPr>
-          <p:cNvPr id="458" name="Google Shape;446;p42"/>
+          <p:cNvPr id="447" name="Google Shape;446;p42"/>
           <p:cNvCxnSpPr/>
           <p:nvPr/>
         </p:nvCxnSpPr>
         <p:spPr>
           <a:xfrm>
             <a:off x="2054160" y="1876320"/>
-            <a:ext cx="1907280" cy="8640"/>
+            <a:ext cx="1907640" cy="9000"/>
           </a:xfrm>
           <a:prstGeom prst="straightConnector1">
             <a:avLst/>
@@ -23955,14 +23964,14 @@
       </p:cxnSp>
       <p:sp>
         <p:nvSpPr>
-          <p:cNvPr id="459" name="Google Shape;447;p42"/>
+          <p:cNvPr id="448" name="Google Shape;447;p42"/>
           <p:cNvSpPr/>
           <p:nvPr/>
         </p:nvSpPr>
         <p:spPr>
           <a:xfrm>
             <a:off x="2124360" y="1599480"/>
-            <a:ext cx="1609920" cy="230040"/>
+            <a:ext cx="1609560" cy="229680"/>
           </a:xfrm>
           <a:prstGeom prst="rect">
             <a:avLst/>
@@ -24012,16 +24021,16 @@
       </p:sp>
       <p:cxnSp>
         <p:nvCxnSpPr>
-          <p:cNvPr id="460" name="Google Shape;448;p42"/>
+          <p:cNvPr id="449" name="Google Shape;448;p42"/>
           <p:cNvCxnSpPr>
-            <a:endCxn id="461" idx="1"/>
+            <a:endCxn id="450" idx="1"/>
           </p:cNvCxnSpPr>
           <p:nvPr/>
         </p:nvCxnSpPr>
         <p:spPr>
           <a:xfrm flipV="1">
-            <a:off x="2109960" y="4119840"/>
-            <a:ext cx="3981600" cy="12600"/>
+            <a:off x="2109960" y="4119480"/>
+            <a:ext cx="3981600" cy="13320"/>
           </a:xfrm>
           <a:prstGeom prst="straightConnector1">
             <a:avLst/>
@@ -24037,14 +24046,14 @@
       </p:cxnSp>
       <p:sp>
         <p:nvSpPr>
-          <p:cNvPr id="462" name="Google Shape;450;p42"/>
+          <p:cNvPr id="451" name="Google Shape;450;p42"/>
           <p:cNvSpPr/>
           <p:nvPr/>
         </p:nvSpPr>
         <p:spPr>
           <a:xfrm>
             <a:off x="5651280" y="1085760"/>
-            <a:ext cx="1217160" cy="475200"/>
+            <a:ext cx="1216800" cy="474840"/>
           </a:xfrm>
           <a:prstGeom prst="rect">
             <a:avLst/>
@@ -24099,16 +24108,16 @@
       </p:sp>
       <p:cxnSp>
         <p:nvCxnSpPr>
-          <p:cNvPr id="463" name="Google Shape;451;p42"/>
+          <p:cNvPr id="452" name="Google Shape;451;p42"/>
           <p:cNvCxnSpPr>
-            <a:stCxn id="462" idx="2"/>
+            <a:stCxn id="451" idx="2"/>
           </p:cNvCxnSpPr>
           <p:nvPr/>
         </p:nvCxnSpPr>
         <p:spPr>
           <a:xfrm>
-            <a:off x="6259680" y="1560960"/>
-            <a:ext cx="15840" cy="3258720"/>
+            <a:off x="6259680" y="1560600"/>
+            <a:ext cx="16200" cy="3259440"/>
           </a:xfrm>
           <a:prstGeom prst="straightConnector1">
             <a:avLst/>
@@ -24124,14 +24133,14 @@
       </p:cxnSp>
       <p:sp>
         <p:nvSpPr>
-          <p:cNvPr id="461" name="Google Shape;449;p42"/>
+          <p:cNvPr id="450" name="Google Shape;449;p42"/>
           <p:cNvSpPr/>
           <p:nvPr/>
         </p:nvSpPr>
         <p:spPr>
           <a:xfrm>
             <a:off x="6091200" y="3780360"/>
-            <a:ext cx="304200" cy="678960"/>
+            <a:ext cx="303840" cy="678600"/>
           </a:xfrm>
           <a:prstGeom prst="rect">
             <a:avLst/>
@@ -24177,14 +24186,14 @@
       </p:sp>
       <p:sp>
         <p:nvSpPr>
-          <p:cNvPr id="464" name="Google Shape;452;p42"/>
+          <p:cNvPr id="453" name="Google Shape;452;p42"/>
           <p:cNvSpPr/>
           <p:nvPr/>
         </p:nvSpPr>
         <p:spPr>
           <a:xfrm>
             <a:off x="2170080" y="3745800"/>
-            <a:ext cx="3038040" cy="327240"/>
+            <a:ext cx="3037680" cy="326880"/>
           </a:xfrm>
           <a:prstGeom prst="rect">
             <a:avLst/>
@@ -24234,16 +24243,16 @@
       </p:sp>
       <p:cxnSp>
         <p:nvCxnSpPr>
-          <p:cNvPr id="465" name="Google Shape;453;p42"/>
+          <p:cNvPr id="454" name="Google Shape;453;p42"/>
           <p:cNvCxnSpPr>
-            <a:stCxn id="461" idx="3"/>
+            <a:stCxn id="450" idx="3"/>
           </p:cNvCxnSpPr>
           <p:nvPr/>
         </p:nvCxnSpPr>
         <p:spPr>
           <a:xfrm>
-            <a:off x="6395400" y="4119840"/>
-            <a:ext cx="848880" cy="9720"/>
+            <a:off x="6395040" y="4119480"/>
+            <a:ext cx="849600" cy="10440"/>
           </a:xfrm>
           <a:prstGeom prst="straightConnector1">
             <a:avLst/>
@@ -24259,14 +24268,14 @@
       </p:cxnSp>
       <p:sp>
         <p:nvSpPr>
-          <p:cNvPr id="466" name="Google Shape;454;p42"/>
+          <p:cNvPr id="455" name="Google Shape;454;p42"/>
           <p:cNvSpPr/>
           <p:nvPr/>
         </p:nvSpPr>
         <p:spPr>
           <a:xfrm>
             <a:off x="6465600" y="3420360"/>
-            <a:ext cx="1737360" cy="579600"/>
+            <a:ext cx="1737000" cy="579240"/>
           </a:xfrm>
           <a:prstGeom prst="rect">
             <a:avLst/>
@@ -24346,7 +24355,7 @@
       </p:grpSpPr>
       <p:sp>
         <p:nvSpPr>
-          <p:cNvPr id="467" name="PlaceHolder 1"/>
+          <p:cNvPr id="456" name="PlaceHolder 1"/>
           <p:cNvSpPr>
             <a:spLocks noGrp="1"/>
           </p:cNvSpPr>
@@ -24357,7 +24366,7 @@
         <p:spPr>
           <a:xfrm>
             <a:off x="457200" y="205920"/>
-            <a:ext cx="8228880" cy="755280"/>
+            <a:ext cx="8228520" cy="754920"/>
           </a:xfrm>
           <a:prstGeom prst="rect">
             <a:avLst/>
@@ -24402,14 +24411,14 @@
       </p:sp>
       <p:sp>
         <p:nvSpPr>
-          <p:cNvPr id="468" name="Google Shape;460;p43"/>
+          <p:cNvPr id="457" name="Google Shape;460;p43"/>
           <p:cNvSpPr/>
           <p:nvPr/>
         </p:nvSpPr>
         <p:spPr>
           <a:xfrm>
             <a:off x="2027880" y="1071000"/>
-            <a:ext cx="1314000" cy="285120"/>
+            <a:ext cx="1313640" cy="284760"/>
           </a:xfrm>
           <a:prstGeom prst="rect">
             <a:avLst/>
@@ -24464,16 +24473,16 @@
       </p:sp>
       <p:cxnSp>
         <p:nvCxnSpPr>
-          <p:cNvPr id="469" name="Google Shape;461;p43"/>
+          <p:cNvPr id="458" name="Google Shape;461;p43"/>
           <p:cNvCxnSpPr>
-            <a:stCxn id="468" idx="2"/>
+            <a:stCxn id="457" idx="2"/>
           </p:cNvCxnSpPr>
           <p:nvPr/>
         </p:nvCxnSpPr>
         <p:spPr>
           <a:xfrm flipH="1">
-            <a:off x="2660400" y="1356120"/>
-            <a:ext cx="24840" cy="3366720"/>
+            <a:off x="2660400" y="1355760"/>
+            <a:ext cx="24480" cy="3367440"/>
           </a:xfrm>
           <a:prstGeom prst="straightConnector1">
             <a:avLst/>
@@ -24489,14 +24498,14 @@
       </p:cxnSp>
       <p:cxnSp>
         <p:nvCxnSpPr>
-          <p:cNvPr id="470" name="Google Shape;462;p43"/>
+          <p:cNvPr id="459" name="Google Shape;462;p43"/>
           <p:cNvCxnSpPr/>
           <p:nvPr/>
         </p:nvCxnSpPr>
         <p:spPr>
           <a:xfrm>
             <a:off x="1589760" y="2214000"/>
-            <a:ext cx="876960" cy="720"/>
+            <a:ext cx="877320" cy="1080"/>
           </a:xfrm>
           <a:prstGeom prst="straightConnector1">
             <a:avLst/>
@@ -24512,14 +24521,14 @@
       </p:cxnSp>
       <p:sp>
         <p:nvSpPr>
-          <p:cNvPr id="471" name="Google Shape;463;p43"/>
+          <p:cNvPr id="460" name="Google Shape;463;p43"/>
           <p:cNvSpPr/>
           <p:nvPr/>
         </p:nvSpPr>
         <p:spPr>
           <a:xfrm>
             <a:off x="1513440" y="1937160"/>
-            <a:ext cx="914760" cy="276120"/>
+            <a:ext cx="914400" cy="275760"/>
           </a:xfrm>
           <a:prstGeom prst="rect">
             <a:avLst/>
@@ -24569,14 +24578,14 @@
       </p:sp>
       <p:sp>
         <p:nvSpPr>
-          <p:cNvPr id="472" name="Google Shape;464;p43"/>
+          <p:cNvPr id="461" name="Google Shape;464;p43"/>
           <p:cNvSpPr/>
           <p:nvPr/>
         </p:nvSpPr>
         <p:spPr>
           <a:xfrm>
             <a:off x="2502360" y="1518840"/>
-            <a:ext cx="306000" cy="2899800"/>
+            <a:ext cx="305640" cy="2899440"/>
           </a:xfrm>
           <a:prstGeom prst="rect">
             <a:avLst/>
@@ -24622,14 +24631,14 @@
       </p:sp>
       <p:sp>
         <p:nvSpPr>
-          <p:cNvPr id="473" name="Google Shape;465;p43"/>
+          <p:cNvPr id="462" name="Google Shape;465;p43"/>
           <p:cNvSpPr/>
           <p:nvPr/>
         </p:nvSpPr>
         <p:spPr>
           <a:xfrm>
             <a:off x="4041360" y="1071000"/>
-            <a:ext cx="983160" cy="285120"/>
+            <a:ext cx="982800" cy="284760"/>
           </a:xfrm>
           <a:prstGeom prst="rect">
             <a:avLst/>
@@ -24684,14 +24693,14 @@
       </p:sp>
       <p:cxnSp>
         <p:nvCxnSpPr>
-          <p:cNvPr id="474" name="Google Shape;466;p43"/>
+          <p:cNvPr id="463" name="Google Shape;466;p43"/>
           <p:cNvCxnSpPr/>
           <p:nvPr/>
         </p:nvCxnSpPr>
         <p:spPr>
           <a:xfrm flipH="1">
             <a:off x="4558320" y="1356480"/>
-            <a:ext cx="30960" cy="3258720"/>
+            <a:ext cx="31320" cy="3259080"/>
           </a:xfrm>
           <a:prstGeom prst="straightConnector1">
             <a:avLst/>
@@ -24707,14 +24716,14 @@
       </p:cxnSp>
       <p:cxnSp>
         <p:nvCxnSpPr>
-          <p:cNvPr id="475" name="Google Shape;467;p43"/>
+          <p:cNvPr id="464" name="Google Shape;467;p43"/>
           <p:cNvCxnSpPr/>
           <p:nvPr/>
         </p:nvCxnSpPr>
         <p:spPr>
           <a:xfrm>
             <a:off x="2808720" y="1870920"/>
-            <a:ext cx="1596600" cy="720"/>
+            <a:ext cx="1596960" cy="1080"/>
           </a:xfrm>
           <a:prstGeom prst="straightConnector1">
             <a:avLst/>
@@ -24730,14 +24739,14 @@
       </p:cxnSp>
       <p:sp>
         <p:nvSpPr>
-          <p:cNvPr id="476" name="Google Shape;468;p43"/>
+          <p:cNvPr id="465" name="Google Shape;468;p43"/>
           <p:cNvSpPr/>
           <p:nvPr/>
         </p:nvSpPr>
         <p:spPr>
           <a:xfrm>
             <a:off x="4434840" y="1531440"/>
-            <a:ext cx="304200" cy="576360"/>
+            <a:ext cx="303840" cy="576000"/>
           </a:xfrm>
           <a:prstGeom prst="rect">
             <a:avLst/>
@@ -24783,14 +24792,14 @@
       </p:sp>
       <p:sp>
         <p:nvSpPr>
-          <p:cNvPr id="477" name="Google Shape;469;p43"/>
+          <p:cNvPr id="466" name="Google Shape;469;p43"/>
           <p:cNvSpPr/>
           <p:nvPr/>
         </p:nvSpPr>
         <p:spPr>
           <a:xfrm>
             <a:off x="5253480" y="1071000"/>
-            <a:ext cx="1055160" cy="285120"/>
+            <a:ext cx="1054800" cy="284760"/>
           </a:xfrm>
           <a:prstGeom prst="rect">
             <a:avLst/>
@@ -24845,16 +24854,16 @@
       </p:sp>
       <p:cxnSp>
         <p:nvCxnSpPr>
-          <p:cNvPr id="478" name="Google Shape;470;p43"/>
+          <p:cNvPr id="467" name="Google Shape;470;p43"/>
           <p:cNvCxnSpPr>
-            <a:stCxn id="477" idx="2"/>
+            <a:stCxn id="466" idx="2"/>
           </p:cNvCxnSpPr>
           <p:nvPr/>
         </p:nvCxnSpPr>
         <p:spPr>
           <a:xfrm flipH="1">
-            <a:off x="5751000" y="1356120"/>
-            <a:ext cx="30240" cy="3259080"/>
+            <a:off x="5751000" y="1355760"/>
+            <a:ext cx="30240" cy="3259800"/>
           </a:xfrm>
           <a:prstGeom prst="straightConnector1">
             <a:avLst/>
@@ -24870,14 +24879,14 @@
       </p:cxnSp>
       <p:sp>
         <p:nvSpPr>
-          <p:cNvPr id="479" name="Google Shape;471;p43"/>
+          <p:cNvPr id="468" name="Google Shape;471;p43"/>
           <p:cNvSpPr/>
           <p:nvPr/>
         </p:nvSpPr>
         <p:spPr>
           <a:xfrm>
             <a:off x="5624280" y="2498760"/>
-            <a:ext cx="304200" cy="664560"/>
+            <a:ext cx="303840" cy="664200"/>
           </a:xfrm>
           <a:prstGeom prst="rect">
             <a:avLst/>
@@ -24923,14 +24932,14 @@
       </p:sp>
       <p:cxnSp>
         <p:nvCxnSpPr>
-          <p:cNvPr id="480" name="Google Shape;472;p43"/>
+          <p:cNvPr id="469" name="Google Shape;472;p43"/>
           <p:cNvCxnSpPr/>
           <p:nvPr/>
         </p:nvCxnSpPr>
         <p:spPr>
           <a:xfrm>
             <a:off x="2830320" y="2901600"/>
-            <a:ext cx="2775960" cy="3240"/>
+            <a:ext cx="2776320" cy="3600"/>
           </a:xfrm>
           <a:prstGeom prst="straightConnector1">
             <a:avLst/>
@@ -24946,14 +24955,14 @@
       </p:cxnSp>
       <p:sp>
         <p:nvSpPr>
-          <p:cNvPr id="481" name="Google Shape;473;p43"/>
+          <p:cNvPr id="470" name="Google Shape;473;p43"/>
           <p:cNvSpPr/>
           <p:nvPr/>
         </p:nvSpPr>
         <p:spPr>
           <a:xfrm>
             <a:off x="1256400" y="2311200"/>
-            <a:ext cx="1208880" cy="2107440"/>
+            <a:ext cx="1208520" cy="2107080"/>
           </a:xfrm>
           <a:prstGeom prst="rect">
             <a:avLst/>
@@ -25071,14 +25080,14 @@
       </p:sp>
       <p:sp>
         <p:nvSpPr>
-          <p:cNvPr id="482" name="Google Shape;474;p43"/>
+          <p:cNvPr id="471" name="Google Shape;474;p43"/>
           <p:cNvSpPr/>
           <p:nvPr/>
         </p:nvSpPr>
         <p:spPr>
           <a:xfrm>
             <a:off x="2986560" y="2612880"/>
-            <a:ext cx="2116800" cy="253080"/>
+            <a:ext cx="2116440" cy="252720"/>
           </a:xfrm>
           <a:prstGeom prst="rect">
             <a:avLst/>
@@ -25128,14 +25137,14 @@
       </p:sp>
       <p:sp>
         <p:nvSpPr>
-          <p:cNvPr id="483" name="Google Shape;475;p43"/>
+          <p:cNvPr id="472" name="Google Shape;475;p43"/>
           <p:cNvSpPr/>
           <p:nvPr/>
         </p:nvSpPr>
         <p:spPr>
           <a:xfrm>
             <a:off x="2986560" y="1562760"/>
-            <a:ext cx="1605600" cy="230040"/>
+            <a:ext cx="1605240" cy="229680"/>
           </a:xfrm>
           <a:prstGeom prst="rect">
             <a:avLst/>
@@ -25216,13 +25225,13 @@
       <p:sp>
         <p:nvSpPr>
           <p:cNvPr id="167" name=""/>
-          <p:cNvSpPr txBox="1"/>
+          <p:cNvSpPr/>
           <p:nvPr/>
         </p:nvSpPr>
         <p:spPr>
           <a:xfrm>
             <a:off x="334800" y="752040"/>
-            <a:ext cx="8352000" cy="3709800"/>
+            <a:ext cx="8351640" cy="3709440"/>
           </a:xfrm>
           <a:prstGeom prst="rect">
             <a:avLst/>
@@ -25232,6 +25241,12 @@
             <a:noFill/>
           </a:ln>
         </p:spPr>
+        <p:style>
+          <a:lnRef idx="0"/>
+          <a:fillRef idx="0"/>
+          <a:effectRef idx="0"/>
+          <a:fontRef idx="minor"/>
+        </p:style>
         <p:txBody>
           <a:bodyPr lIns="90000" rIns="90000" tIns="45000" bIns="45000" anchor="t">
             <a:noAutofit/>
@@ -25273,17 +25288,7 @@
                 <a:latin typeface="Calibri"/>
                 <a:ea typeface="Calibri"/>
               </a:rPr>
-              <a:t>. L’applicazione supporta registrazione e login </a:t>
-            </a:r>
-            <a:r>
-              <a:rPr b="0" lang="it-IT" sz="1300" spc="-1" strike="noStrike">
-                <a:solidFill>
-                  <a:schemeClr val="dk1"/>
-                </a:solidFill>
-                <a:latin typeface="Calibri"/>
-                <a:ea typeface="Calibri"/>
-              </a:rPr>
-              <a:t>mediante una pagina pubblica con opportune form. La registrazione controlla la validità sintattica dell’indirizzo di </a:t>
+              <a:t>. L’applicazione supporta registrazione e login mediante una pagina pubblica con opportune form. La registrazione controlla la validità sintattica dell’indirizzo di </a:t>
             </a:r>
             <a:r>
               <a:rPr b="0" lang="it-IT" sz="1300" spc="-1" strike="noStrike">
@@ -25763,6 +25768,9 @@
               <a:lnSpc>
                 <a:spcPct val="100000"/>
               </a:lnSpc>
+              <a:tabLst>
+                <a:tab algn="l" pos="0"/>
+              </a:tabLst>
             </a:pPr>
             <a:r>
               <a:rPr b="0" lang="it-IT" sz="1300" spc="-1" strike="noStrike">
@@ -25786,13 +25794,13 @@
       <p:sp>
         <p:nvSpPr>
           <p:cNvPr id="168" name=""/>
-          <p:cNvSpPr txBox="1"/>
+          <p:cNvSpPr/>
           <p:nvPr/>
         </p:nvSpPr>
         <p:spPr>
           <a:xfrm>
             <a:off x="457200" y="339480"/>
-            <a:ext cx="3657600" cy="346320"/>
+            <a:ext cx="3657240" cy="345960"/>
           </a:xfrm>
           <a:prstGeom prst="rect">
             <a:avLst/>
@@ -25802,11 +25810,22 @@
             <a:noFill/>
           </a:ln>
         </p:spPr>
+        <p:style>
+          <a:lnRef idx="0"/>
+          <a:fillRef idx="0"/>
+          <a:effectRef idx="0"/>
+          <a:fontRef idx="minor"/>
+        </p:style>
         <p:txBody>
           <a:bodyPr lIns="90000" rIns="90000" tIns="45000" bIns="45000" anchor="t">
             <a:noAutofit/>
           </a:bodyPr>
           <a:p>
+            <a:pPr>
+              <a:lnSpc>
+                <a:spcPct val="100000"/>
+              </a:lnSpc>
+            </a:pPr>
             <a:r>
               <a:rPr b="0" lang="en-US" sz="1800" spc="-1" strike="noStrike">
                 <a:solidFill>
@@ -25828,13 +25847,13 @@
       <p:sp>
         <p:nvSpPr>
           <p:cNvPr id="169" name=""/>
-          <p:cNvSpPr txBox="1"/>
+          <p:cNvSpPr/>
           <p:nvPr/>
         </p:nvSpPr>
         <p:spPr>
           <a:xfrm>
             <a:off x="396720" y="4636440"/>
-            <a:ext cx="3260880" cy="320760"/>
+            <a:ext cx="3260520" cy="320400"/>
           </a:xfrm>
           <a:prstGeom prst="rect">
             <a:avLst/>
@@ -25844,305 +25863,73 @@
             <a:noFill/>
           </a:ln>
         </p:spPr>
+        <p:style>
+          <a:lnRef idx="0"/>
+          <a:fillRef idx="0"/>
+          <a:effectRef idx="0"/>
+          <a:fontRef idx="minor"/>
+        </p:style>
         <p:txBody>
           <a:bodyPr lIns="90000" rIns="90000" tIns="45000" bIns="45000" anchor="t">
             <a:noAutofit/>
           </a:bodyPr>
           <a:p>
-            <a:r>
-              <a:rPr b="1" lang="es" sz="1800" spc="-1" strike="noStrike">
-                <a:solidFill>
-                  <a:srgbClr val="ff0000"/>
-                </a:solidFill>
-                <a:latin typeface="Calibri"/>
-                <a:ea typeface="Calibri"/>
-              </a:rPr>
-              <a:t>Entities</a:t>
-            </a:r>
-            <a:r>
-              <a:rPr b="1" lang="es" sz="1800" spc="-1" strike="noStrike">
-                <a:solidFill>
-                  <a:schemeClr val="dk1"/>
-                </a:solidFill>
-                <a:latin typeface="Calibri"/>
-                <a:ea typeface="Calibri"/>
-              </a:rPr>
-              <a:t>, </a:t>
-            </a:r>
-            <a:r>
-              <a:rPr b="1" lang="es" sz="1800" spc="-1" strike="noStrike">
-                <a:solidFill>
-                  <a:srgbClr val="00b050"/>
-                </a:solidFill>
-                <a:latin typeface="Calibri"/>
-                <a:ea typeface="Calibri"/>
-              </a:rPr>
-              <a:t>attributes</a:t>
-            </a:r>
-            <a:r>
-              <a:rPr b="1" lang="es" sz="1800" spc="-1" strike="noStrike">
-                <a:solidFill>
-                  <a:schemeClr val="dk1"/>
-                </a:solidFill>
-                <a:latin typeface="Calibri"/>
-                <a:ea typeface="Calibri"/>
-              </a:rPr>
-              <a:t>, </a:t>
-            </a:r>
-            <a:r>
-              <a:rPr b="1" lang="es" sz="1800" spc="-1" strike="noStrike">
-                <a:solidFill>
-                  <a:srgbClr val="366092"/>
-                </a:solidFill>
-                <a:latin typeface="Calibri"/>
-                <a:ea typeface="Calibri"/>
-              </a:rPr>
-              <a:t>relationships</a:t>
-            </a:r>
-            <a:endParaRPr b="0" lang="en-US" sz="1800" spc="-1" strike="noStrike">
-              <a:solidFill>
-                <a:srgbClr val="000000"/>
-              </a:solidFill>
-              <a:latin typeface="Arial"/>
-            </a:endParaRPr>
-          </a:p>
-        </p:txBody>
-      </p:sp>
-    </p:spTree>
-  </p:cSld>
-  <mc:AlternateContent>
-    <mc:Choice Requires="p14">
-      <p:transition spd="slow" p14:dur="2000"/>
-    </mc:Choice>
-    <mc:Fallback>
-      <p:transition spd="slow"/>
-    </mc:Fallback>
-  </mc:AlternateContent>
-</p:sld>
-</file>
-
-<file path=ppt/slides/slide20.xml><?xml version="1.0" encoding="utf-8"?>
-<p:sld xmlns:a="http://schemas.openxmlformats.org/drawingml/2006/main" xmlns:p="http://schemas.openxmlformats.org/presentationml/2006/main" xmlns:r="http://schemas.openxmlformats.org/officeDocument/2006/relationships" xmlns:p14="http://schemas.microsoft.com/office/powerpoint/2010/main" xmlns:p15="http://schemas.microsoft.com/office/powerpoint/2012/main" xmlns:mc="http://schemas.openxmlformats.org/markup-compatibility/2006">
-  <p:cSld>
-    <p:spTree>
-      <p:nvGrpSpPr>
-        <p:cNvPr id="1" name=""/>
-        <p:cNvGrpSpPr/>
-        <p:nvPr/>
-      </p:nvGrpSpPr>
-      <p:grpSpPr>
-        <a:xfrm>
-          <a:off x="0" y="0"/>
-          <a:ext cx="0" cy="0"/>
-          <a:chOff x="0" y="0"/>
-          <a:chExt cx="0" cy="0"/>
-        </a:xfrm>
-      </p:grpSpPr>
-      <p:sp>
-        <p:nvSpPr>
-          <p:cNvPr id="484" name="PlaceHolder 1"/>
-          <p:cNvSpPr>
-            <a:spLocks noGrp="1"/>
-          </p:cNvSpPr>
-          <p:nvPr>
-            <p:ph type="title"/>
-          </p:nvPr>
-        </p:nvSpPr>
-        <p:spPr>
-          <a:xfrm>
-            <a:off x="457200" y="205920"/>
-            <a:ext cx="8228880" cy="856440"/>
-          </a:xfrm>
-          <a:prstGeom prst="rect">
-            <a:avLst/>
-          </a:prstGeom>
-          <a:noFill/>
-          <a:ln w="0">
-            <a:noFill/>
-          </a:ln>
-        </p:spPr>
-        <p:txBody>
-          <a:bodyPr lIns="90000" rIns="90000" tIns="45000" bIns="45000" anchor="ctr">
-            <a:normAutofit fontScale="91000"/>
-          </a:bodyPr>
-          <a:p>
-            <a:pPr indent="0" algn="ctr">
+            <a:pPr>
               <a:lnSpc>
                 <a:spcPct val="100000"/>
               </a:lnSpc>
-              <a:buNone/>
-              <a:tabLst>
-                <a:tab algn="l" pos="0"/>
-              </a:tabLst>
-            </a:pPr>
-            <a:r>
-              <a:rPr b="0" lang="en-US" sz="4400" spc="-1" strike="noStrike">
+            </a:pPr>
+            <a:r>
+              <a:rPr b="1" lang="es" sz="1800" spc="-1" strike="noStrike">
+                <a:solidFill>
+                  <a:srgbClr val="ff0000"/>
+                </a:solidFill>
+                <a:latin typeface="Calibri"/>
+                <a:ea typeface="Calibri"/>
+              </a:rPr>
+              <a:t>Entities</a:t>
+            </a:r>
+            <a:r>
+              <a:rPr b="1" lang="es" sz="1800" spc="-1" strike="noStrike">
                 <a:solidFill>
                   <a:schemeClr val="dk1"/>
                 </a:solidFill>
                 <a:latin typeface="Calibri"/>
                 <a:ea typeface="Calibri"/>
               </a:rPr>
-              <a:t>Some (advanced) coding best practices</a:t>
-            </a:r>
-            <a:endParaRPr b="0" lang="en-US" sz="4400" spc="-1" strike="noStrike">
-              <a:solidFill>
-                <a:srgbClr val="000000"/>
-              </a:solidFill>
-              <a:latin typeface="Arial"/>
-            </a:endParaRPr>
-          </a:p>
-        </p:txBody>
-      </p:sp>
-      <p:sp>
-        <p:nvSpPr>
-          <p:cNvPr id="485" name="PlaceHolder 2"/>
-          <p:cNvSpPr>
-            <a:spLocks noGrp="1"/>
-          </p:cNvSpPr>
-          <p:nvPr>
-            <p:ph/>
-          </p:nvPr>
-        </p:nvSpPr>
-        <p:spPr>
-          <a:xfrm>
-            <a:off x="457200" y="1200240"/>
-            <a:ext cx="8228880" cy="3393720"/>
-          </a:xfrm>
-          <a:prstGeom prst="rect">
-            <a:avLst/>
-          </a:prstGeom>
-          <a:noFill/>
-          <a:ln w="0">
-            <a:noFill/>
-          </a:ln>
-        </p:spPr>
-        <p:txBody>
-          <a:bodyPr lIns="90000" rIns="90000" tIns="45000" bIns="45000" anchor="t">
-            <a:noAutofit/>
-          </a:bodyPr>
-          <a:p>
-            <a:pPr marL="457200" indent="-343080">
-              <a:lnSpc>
-                <a:spcPct val="100000"/>
-              </a:lnSpc>
-              <a:spcBef>
-                <a:spcPts val="360"/>
-              </a:spcBef>
-              <a:buClr>
-                <a:srgbClr val="000000"/>
-              </a:buClr>
-              <a:buFont typeface="Arial"/>
-              <a:buChar char="•"/>
-            </a:pPr>
-            <a:r>
-              <a:rPr b="0" lang="en-US" sz="3200" spc="-1" strike="noStrike">
+              <a:t>, </a:t>
+            </a:r>
+            <a:r>
+              <a:rPr b="1" lang="es" sz="1800" spc="-1" strike="noStrike">
+                <a:solidFill>
+                  <a:srgbClr val="00b050"/>
+                </a:solidFill>
+                <a:latin typeface="Calibri"/>
+                <a:ea typeface="Calibri"/>
+              </a:rPr>
+              <a:t>attributes</a:t>
+            </a:r>
+            <a:r>
+              <a:rPr b="1" lang="es" sz="1800" spc="-1" strike="noStrike">
                 <a:solidFill>
                   <a:schemeClr val="dk1"/>
                 </a:solidFill>
                 <a:latin typeface="Calibri"/>
                 <a:ea typeface="Calibri"/>
               </a:rPr>
-              <a:t>Exception handling</a:t>
-            </a:r>
-            <a:endParaRPr b="0" lang="en-US" sz="3200" spc="-1" strike="noStrike">
-              <a:solidFill>
-                <a:srgbClr val="000000"/>
-              </a:solidFill>
-              <a:latin typeface="Arial"/>
-            </a:endParaRPr>
-          </a:p>
-          <a:p>
-            <a:pPr lvl="1" marL="914400" indent="-343080">
-              <a:lnSpc>
-                <a:spcPct val="100000"/>
-              </a:lnSpc>
-              <a:spcBef>
-                <a:spcPts val="360"/>
-              </a:spcBef>
-              <a:buClr>
-                <a:srgbClr val="000000"/>
-              </a:buClr>
-              <a:buFont typeface="Arial"/>
-              <a:buChar char="–"/>
-            </a:pPr>
-            <a:r>
-              <a:rPr b="0" lang="en-US" sz="2800" spc="-1" strike="noStrike" u="sng">
-                <a:solidFill>
-                  <a:schemeClr val="dk1"/>
-                </a:solidFill>
-                <a:uFillTx/>
-                <a:latin typeface="Calibri"/>
-                <a:ea typeface="Calibri"/>
-                <a:hlinkClick r:id="rId1"/>
-              </a:rPr>
-              <a:t>https://howtodoinjava.com/best-practices/java-exception-handling-best-practices/</a:t>
-            </a:r>
-            <a:endParaRPr b="0" lang="en-US" sz="2800" spc="-1" strike="noStrike">
-              <a:solidFill>
-                <a:srgbClr val="000000"/>
-              </a:solidFill>
-              <a:latin typeface="Arial"/>
-            </a:endParaRPr>
-          </a:p>
-          <a:p>
-            <a:pPr marL="457200" indent="-343080">
-              <a:lnSpc>
-                <a:spcPct val="100000"/>
-              </a:lnSpc>
-              <a:spcBef>
-                <a:spcPts val="360"/>
-              </a:spcBef>
-              <a:buClr>
-                <a:srgbClr val="000000"/>
-              </a:buClr>
-              <a:buFont typeface="Arial"/>
-              <a:buChar char="•"/>
-            </a:pPr>
-            <a:r>
-              <a:rPr b="0" lang="en-US" sz="3200" spc="-1" strike="noStrike">
-                <a:solidFill>
-                  <a:schemeClr val="dk1"/>
-                </a:solidFill>
-                <a:latin typeface="Calibri"/>
-                <a:ea typeface="Calibri"/>
-              </a:rPr>
-              <a:t>Release of resources</a:t>
-            </a:r>
-            <a:endParaRPr b="0" lang="en-US" sz="3200" spc="-1" strike="noStrike">
-              <a:solidFill>
-                <a:srgbClr val="000000"/>
-              </a:solidFill>
-              <a:latin typeface="Arial"/>
-            </a:endParaRPr>
-          </a:p>
-          <a:p>
-            <a:pPr lvl="1" marL="914400" indent="-343080">
-              <a:lnSpc>
-                <a:spcPct val="100000"/>
-              </a:lnSpc>
-              <a:spcBef>
-                <a:spcPts val="360"/>
-              </a:spcBef>
-              <a:buClr>
-                <a:srgbClr val="000000"/>
-              </a:buClr>
-              <a:buFont typeface="Arial"/>
-              <a:buChar char="–"/>
-            </a:pPr>
-            <a:r>
-              <a:rPr b="0" lang="en-US" sz="2800" spc="-1" strike="noStrike" u="sng">
-                <a:solidFill>
-                  <a:schemeClr val="dk1"/>
-                </a:solidFill>
-                <a:uFillTx/>
-                <a:latin typeface="Calibri"/>
-                <a:ea typeface="Calibri"/>
-                <a:hlinkClick r:id="rId2"/>
-              </a:rPr>
-              <a:t>https://docs.oracle.com/javase/tutorial/essential/exceptions/tryResourceClose.html</a:t>
-            </a:r>
-            <a:endParaRPr b="0" lang="en-US" sz="2800" spc="-1" strike="noStrike">
+              <a:t>, </a:t>
+            </a:r>
+            <a:r>
+              <a:rPr b="1" lang="es" sz="1800" spc="-1" strike="noStrike">
+                <a:solidFill>
+                  <a:srgbClr val="366092"/>
+                </a:solidFill>
+                <a:latin typeface="Calibri"/>
+                <a:ea typeface="Calibri"/>
+              </a:rPr>
+              <a:t>relationships</a:t>
+            </a:r>
+            <a:endParaRPr b="0" lang="en-US" sz="1800" spc="-1" strike="noStrike">
               <a:solidFill>
                 <a:srgbClr val="000000"/>
               </a:solidFill>
@@ -26194,7 +25981,7 @@
         <p:spPr>
           <a:xfrm>
             <a:off x="457200" y="205920"/>
-            <a:ext cx="8228880" cy="856440"/>
+            <a:ext cx="8228520" cy="856080"/>
           </a:xfrm>
           <a:prstGeom prst="rect">
             <a:avLst/>
@@ -26239,14 +26026,175 @@
       </p:sp>
       <p:sp>
         <p:nvSpPr>
-          <p:cNvPr id="171" name="Google Shape;148;p28"/>
+          <p:cNvPr id="171" name="Google Shape;149;p28"/>
           <p:cNvSpPr/>
           <p:nvPr/>
         </p:nvSpPr>
         <p:spPr>
           <a:xfrm>
-            <a:off x="3465000" y="3286800"/>
-            <a:ext cx="1403280" cy="370800"/>
+            <a:off x="141120" y="2085480"/>
+            <a:ext cx="1342800" cy="1300320"/>
+          </a:xfrm>
+          <a:prstGeom prst="rect">
+            <a:avLst/>
+          </a:prstGeom>
+          <a:noFill/>
+          <a:ln w="0">
+            <a:noFill/>
+          </a:ln>
+        </p:spPr>
+        <p:style>
+          <a:lnRef idx="0"/>
+          <a:fillRef idx="0"/>
+          <a:effectRef idx="0"/>
+          <a:fontRef idx="minor"/>
+        </p:style>
+        <p:txBody>
+          <a:bodyPr lIns="90000" rIns="90000" tIns="45000" bIns="45000" anchor="t">
+            <a:noAutofit/>
+          </a:bodyPr>
+          <a:p>
+            <a:pPr algn="r">
+              <a:lnSpc>
+                <a:spcPct val="100000"/>
+              </a:lnSpc>
+              <a:tabLst>
+                <a:tab algn="l" pos="0"/>
+              </a:tabLst>
+            </a:pPr>
+            <a:r>
+              <a:rPr b="1" lang="es-419" sz="1600" spc="-1" strike="noStrike">
+                <a:solidFill>
+                  <a:schemeClr val="dk1"/>
+                </a:solidFill>
+                <a:latin typeface="Calibri"/>
+                <a:ea typeface="Calibri"/>
+              </a:rPr>
+              <a:t>Username</a:t>
+            </a:r>
+            <a:endParaRPr b="0" lang="en-US" sz="1600" spc="-1" strike="noStrike">
+              <a:solidFill>
+                <a:srgbClr val="000000"/>
+              </a:solidFill>
+              <a:latin typeface="Arial"/>
+            </a:endParaRPr>
+          </a:p>
+          <a:p>
+            <a:pPr algn="r">
+              <a:lnSpc>
+                <a:spcPct val="100000"/>
+              </a:lnSpc>
+              <a:tabLst>
+                <a:tab algn="l" pos="0"/>
+              </a:tabLst>
+            </a:pPr>
+            <a:r>
+              <a:rPr b="0" lang="es" sz="1600" spc="-1" strike="noStrike">
+                <a:solidFill>
+                  <a:schemeClr val="dk1"/>
+                </a:solidFill>
+                <a:latin typeface="Calibri"/>
+                <a:ea typeface="Calibri"/>
+              </a:rPr>
+              <a:t>Name</a:t>
+            </a:r>
+            <a:endParaRPr b="0" lang="en-US" sz="1600" spc="-1" strike="noStrike">
+              <a:solidFill>
+                <a:srgbClr val="000000"/>
+              </a:solidFill>
+              <a:latin typeface="Arial"/>
+            </a:endParaRPr>
+          </a:p>
+          <a:p>
+            <a:pPr algn="r">
+              <a:lnSpc>
+                <a:spcPct val="100000"/>
+              </a:lnSpc>
+              <a:tabLst>
+                <a:tab algn="l" pos="0"/>
+              </a:tabLst>
+            </a:pPr>
+            <a:r>
+              <a:rPr b="0" lang="es" sz="1600" spc="-1" strike="noStrike">
+                <a:solidFill>
+                  <a:schemeClr val="dk1"/>
+                </a:solidFill>
+                <a:latin typeface="Calibri"/>
+                <a:ea typeface="Calibri"/>
+              </a:rPr>
+              <a:t>Surname</a:t>
+            </a:r>
+            <a:endParaRPr b="0" lang="en-US" sz="1600" spc="-1" strike="noStrike">
+              <a:solidFill>
+                <a:srgbClr val="000000"/>
+              </a:solidFill>
+              <a:latin typeface="Arial"/>
+            </a:endParaRPr>
+          </a:p>
+          <a:p>
+            <a:pPr algn="r">
+              <a:lnSpc>
+                <a:spcPct val="100000"/>
+              </a:lnSpc>
+              <a:tabLst>
+                <a:tab algn="l" pos="0"/>
+              </a:tabLst>
+            </a:pPr>
+            <a:r>
+              <a:rPr b="0" lang="es" sz="1600" spc="-1" strike="noStrike">
+                <a:solidFill>
+                  <a:schemeClr val="dk1"/>
+                </a:solidFill>
+                <a:latin typeface="Calibri"/>
+                <a:ea typeface="Calibri"/>
+              </a:rPr>
+              <a:t>Email</a:t>
+            </a:r>
+            <a:endParaRPr b="0" lang="en-US" sz="1600" spc="-1" strike="noStrike">
+              <a:solidFill>
+                <a:srgbClr val="000000"/>
+              </a:solidFill>
+              <a:latin typeface="Arial"/>
+            </a:endParaRPr>
+          </a:p>
+          <a:p>
+            <a:pPr algn="r">
+              <a:lnSpc>
+                <a:spcPct val="100000"/>
+              </a:lnSpc>
+              <a:tabLst>
+                <a:tab algn="l" pos="0"/>
+              </a:tabLst>
+            </a:pPr>
+            <a:r>
+              <a:rPr b="0" lang="es-419" sz="1600" spc="-1" strike="noStrike">
+                <a:solidFill>
+                  <a:schemeClr val="dk1"/>
+                </a:solidFill>
+                <a:latin typeface="Calibri"/>
+                <a:ea typeface="Calibri"/>
+              </a:rPr>
+              <a:t>Password</a:t>
+            </a:r>
+            <a:endParaRPr b="0" lang="en-US" sz="1600" spc="-1" strike="noStrike">
+              <a:solidFill>
+                <a:srgbClr val="000000"/>
+              </a:solidFill>
+              <a:latin typeface="Arial"/>
+            </a:endParaRPr>
+          </a:p>
+        </p:txBody>
+      </p:sp>
+      <p:sp>
+        <p:nvSpPr>
+          <p:cNvPr id="172" name="Google Shape;150;p28"/>
+          <p:cNvSpPr/>
+          <p:nvPr/>
+        </p:nvSpPr>
+        <p:spPr>
+          <a:xfrm>
+            <a:off x="1547640" y="2121480"/>
+            <a:ext cx="1067400" cy="393840"/>
           </a:xfrm>
           <a:prstGeom prst="rect">
             <a:avLst/>
@@ -26288,7 +26236,7 @@
                 <a:latin typeface="Calibri"/>
                 <a:ea typeface="Calibri"/>
               </a:rPr>
-              <a:t>user2Group</a:t>
+              <a:t>User</a:t>
             </a:r>
             <a:endParaRPr b="0" lang="en-US" sz="1800" spc="-1" strike="noStrike">
               <a:solidFill>
@@ -26301,14 +26249,14 @@
       </p:sp>
       <p:sp>
         <p:nvSpPr>
-          <p:cNvPr id="172" name="Google Shape;149;p28"/>
+          <p:cNvPr id="173" name="Google Shape;152;p28"/>
           <p:cNvSpPr/>
           <p:nvPr/>
         </p:nvSpPr>
         <p:spPr>
           <a:xfrm>
-            <a:off x="141120" y="1329480"/>
-            <a:ext cx="1343160" cy="1300680"/>
+            <a:off x="7390440" y="2021760"/>
+            <a:ext cx="1681200" cy="1705680"/>
           </a:xfrm>
           <a:prstGeom prst="rect">
             <a:avLst/>
@@ -26329,7 +26277,7 @@
             <a:noAutofit/>
           </a:bodyPr>
           <a:p>
-            <a:pPr algn="r">
+            <a:pPr>
               <a:lnSpc>
                 <a:spcPct val="100000"/>
               </a:lnSpc>
@@ -26338,24 +26286,24 @@
               </a:tabLst>
             </a:pPr>
             <a:r>
-              <a:rPr b="1" lang="es-419" sz="1600" spc="-1" strike="noStrike">
+              <a:rPr b="1" lang="es-419" sz="1800" spc="-1" strike="noStrike">
                 <a:solidFill>
                   <a:schemeClr val="dk1"/>
                 </a:solidFill>
                 <a:latin typeface="Calibri"/>
                 <a:ea typeface="Calibri"/>
               </a:rPr>
-              <a:t>Username</a:t>
-            </a:r>
-            <a:endParaRPr b="0" lang="en-US" sz="1600" spc="-1" strike="noStrike">
-              <a:solidFill>
-                <a:srgbClr val="000000"/>
-              </a:solidFill>
-              <a:latin typeface="Arial"/>
-            </a:endParaRPr>
-          </a:p>
-          <a:p>
-            <a:pPr algn="r">
+              <a:t>ID</a:t>
+            </a:r>
+            <a:endParaRPr b="0" lang="en-US" sz="1800" spc="-1" strike="noStrike">
+              <a:solidFill>
+                <a:srgbClr val="000000"/>
+              </a:solidFill>
+              <a:latin typeface="Arial"/>
+            </a:endParaRPr>
+          </a:p>
+          <a:p>
+            <a:pPr>
               <a:lnSpc>
                 <a:spcPct val="100000"/>
               </a:lnSpc>
@@ -26364,14 +26312,14 @@
               </a:tabLst>
             </a:pPr>
             <a:r>
-              <a:rPr b="0" lang="es" sz="1600" spc="-1" strike="noStrike">
+              <a:rPr b="0" lang="es-419" sz="1600" spc="-1" strike="noStrike">
                 <a:solidFill>
                   <a:schemeClr val="dk1"/>
                 </a:solidFill>
                 <a:latin typeface="Calibri"/>
                 <a:ea typeface="Calibri"/>
               </a:rPr>
-              <a:t>name</a:t>
+              <a:t>Title</a:t>
             </a:r>
             <a:endParaRPr b="0" lang="en-US" sz="1600" spc="-1" strike="noStrike">
               <a:solidFill>
@@ -26381,7 +26329,7 @@
             </a:endParaRPr>
           </a:p>
           <a:p>
-            <a:pPr algn="r">
+            <a:pPr>
               <a:lnSpc>
                 <a:spcPct val="100000"/>
               </a:lnSpc>
@@ -26390,14 +26338,14 @@
               </a:tabLst>
             </a:pPr>
             <a:r>
-              <a:rPr b="0" lang="es" sz="1600" spc="-1" strike="noStrike">
+              <a:rPr b="0" lang="es-419" sz="1600" spc="-1" strike="noStrike">
                 <a:solidFill>
                   <a:schemeClr val="dk1"/>
                 </a:solidFill>
                 <a:latin typeface="Calibri"/>
                 <a:ea typeface="Calibri"/>
               </a:rPr>
-              <a:t>Surname</a:t>
+              <a:t>CreationDate</a:t>
             </a:r>
             <a:endParaRPr b="0" lang="en-US" sz="1600" spc="-1" strike="noStrike">
               <a:solidFill>
@@ -26407,7 +26355,7 @@
             </a:endParaRPr>
           </a:p>
           <a:p>
-            <a:pPr algn="r">
+            <a:pPr>
               <a:lnSpc>
                 <a:spcPct val="100000"/>
               </a:lnSpc>
@@ -26416,14 +26364,14 @@
               </a:tabLst>
             </a:pPr>
             <a:r>
-              <a:rPr b="0" lang="es" sz="1600" spc="-1" strike="noStrike">
+              <a:rPr b="0" lang="es-419" sz="1600" spc="-1" strike="noStrike">
                 <a:solidFill>
                   <a:schemeClr val="dk1"/>
                 </a:solidFill>
                 <a:latin typeface="Calibri"/>
                 <a:ea typeface="Calibri"/>
               </a:rPr>
-              <a:t>Email</a:t>
+              <a:t>Duration</a:t>
             </a:r>
             <a:endParaRPr b="0" lang="en-US" sz="1600" spc="-1" strike="noStrike">
               <a:solidFill>
@@ -26433,7 +26381,7 @@
             </a:endParaRPr>
           </a:p>
           <a:p>
-            <a:pPr algn="r">
+            <a:pPr>
               <a:lnSpc>
                 <a:spcPct val="100000"/>
               </a:lnSpc>
@@ -26449,7 +26397,7 @@
                 <a:latin typeface="Calibri"/>
                 <a:ea typeface="Calibri"/>
               </a:rPr>
-              <a:t>Password</a:t>
+              <a:t>MinParticipants</a:t>
             </a:r>
             <a:endParaRPr b="0" lang="en-US" sz="1600" spc="-1" strike="noStrike">
               <a:solidFill>
@@ -26458,18 +26406,44 @@
               <a:latin typeface="Arial"/>
             </a:endParaRPr>
           </a:p>
-        </p:txBody>
-      </p:sp>
-      <p:sp>
-        <p:nvSpPr>
-          <p:cNvPr id="173" name="Google Shape;150;p28"/>
+          <a:p>
+            <a:pPr>
+              <a:lnSpc>
+                <a:spcPct val="100000"/>
+              </a:lnSpc>
+              <a:tabLst>
+                <a:tab algn="l" pos="0"/>
+              </a:tabLst>
+            </a:pPr>
+            <a:r>
+              <a:rPr b="0" lang="es-419" sz="1600" spc="-1" strike="noStrike">
+                <a:solidFill>
+                  <a:schemeClr val="dk1"/>
+                </a:solidFill>
+                <a:latin typeface="Calibri"/>
+                <a:ea typeface="Calibri"/>
+              </a:rPr>
+              <a:t>MaxParticipants</a:t>
+            </a:r>
+            <a:endParaRPr b="0" lang="en-US" sz="1600" spc="-1" strike="noStrike">
+              <a:solidFill>
+                <a:srgbClr val="000000"/>
+              </a:solidFill>
+              <a:latin typeface="Arial"/>
+            </a:endParaRPr>
+          </a:p>
+        </p:txBody>
+      </p:sp>
+      <p:sp>
+        <p:nvSpPr>
+          <p:cNvPr id="174" name="Google Shape;153;p28"/>
           <p:cNvSpPr/>
           <p:nvPr/>
         </p:nvSpPr>
         <p:spPr>
           <a:xfrm>
-            <a:off x="1547640" y="1365480"/>
-            <a:ext cx="1067760" cy="394200"/>
+            <a:off x="5871600" y="2071800"/>
+            <a:ext cx="1427400" cy="476640"/>
           </a:xfrm>
           <a:prstGeom prst="rect">
             <a:avLst/>
@@ -26511,7 +26485,7 @@
                 <a:latin typeface="Calibri"/>
                 <a:ea typeface="Calibri"/>
               </a:rPr>
-              <a:t>User</a:t>
+              <a:t>Group</a:t>
             </a:r>
             <a:endParaRPr b="0" lang="en-US" sz="1800" spc="-1" strike="noStrike">
               <a:solidFill>
@@ -26524,14 +26498,71 @@
       </p:sp>
       <p:sp>
         <p:nvSpPr>
-          <p:cNvPr id="174" name="Google Shape;151;p28"/>
+          <p:cNvPr id="175" name="Google Shape;154;p28"/>
           <p:cNvSpPr/>
           <p:nvPr/>
         </p:nvSpPr>
         <p:spPr>
           <a:xfrm>
-            <a:off x="3200400" y="3657600"/>
-            <a:ext cx="1546200" cy="1143360"/>
+            <a:off x="2679120" y="1971720"/>
+            <a:ext cx="565920" cy="230040"/>
+          </a:xfrm>
+          <a:prstGeom prst="rect">
+            <a:avLst/>
+          </a:prstGeom>
+          <a:noFill/>
+          <a:ln w="0">
+            <a:noFill/>
+          </a:ln>
+        </p:spPr>
+        <p:style>
+          <a:lnRef idx="0"/>
+          <a:fillRef idx="0"/>
+          <a:effectRef idx="0"/>
+          <a:fontRef idx="minor"/>
+        </p:style>
+        <p:txBody>
+          <a:bodyPr lIns="90000" rIns="90000" tIns="45000" bIns="45000" anchor="t">
+            <a:noAutofit/>
+          </a:bodyPr>
+          <a:p>
+            <a:pPr>
+              <a:lnSpc>
+                <a:spcPct val="100000"/>
+              </a:lnSpc>
+              <a:tabLst>
+                <a:tab algn="l" pos="0"/>
+              </a:tabLst>
+            </a:pPr>
+            <a:r>
+              <a:rPr b="0" lang="es-419" sz="1400" spc="-1" strike="noStrike">
+                <a:solidFill>
+                  <a:schemeClr val="dk1"/>
+                </a:solidFill>
+                <a:latin typeface="Calibri"/>
+                <a:ea typeface="Calibri"/>
+              </a:rPr>
+              <a:t>0:N</a:t>
+            </a:r>
+            <a:endParaRPr b="0" lang="en-US" sz="1400" spc="-1" strike="noStrike">
+              <a:solidFill>
+                <a:srgbClr val="000000"/>
+              </a:solidFill>
+              <a:latin typeface="Arial"/>
+            </a:endParaRPr>
+          </a:p>
+        </p:txBody>
+      </p:sp>
+      <p:sp>
+        <p:nvSpPr>
+          <p:cNvPr id="176" name="Google Shape;155;p28"/>
+          <p:cNvSpPr/>
+          <p:nvPr/>
+        </p:nvSpPr>
+        <p:spPr>
+          <a:xfrm>
+            <a:off x="3477240" y="1818360"/>
+            <a:ext cx="1492560" cy="252720"/>
           </a:xfrm>
           <a:prstGeom prst="rect">
             <a:avLst/>
@@ -26561,40 +26592,14 @@
               </a:tabLst>
             </a:pPr>
             <a:r>
-              <a:rPr b="1" lang="es-419" sz="1800" spc="-1" strike="noStrike">
+              <a:rPr b="0" lang="es-419" sz="1600" spc="-1" strike="noStrike">
                 <a:solidFill>
                   <a:schemeClr val="dk1"/>
                 </a:solidFill>
                 <a:latin typeface="Calibri"/>
                 <a:ea typeface="Calibri"/>
               </a:rPr>
-              <a:t>groupID</a:t>
-            </a:r>
-            <a:endParaRPr b="0" lang="en-US" sz="1800" spc="-1" strike="noStrike">
-              <a:solidFill>
-                <a:srgbClr val="000000"/>
-              </a:solidFill>
-              <a:latin typeface="Arial"/>
-            </a:endParaRPr>
-          </a:p>
-          <a:p>
-            <a:pPr algn="r">
-              <a:lnSpc>
-                <a:spcPct val="100000"/>
-              </a:lnSpc>
-              <a:tabLst>
-                <a:tab algn="l" pos="0"/>
-              </a:tabLst>
-            </a:pPr>
-            <a:r>
-              <a:rPr b="1" lang="es-419" sz="1600" spc="-1" strike="noStrike">
-                <a:solidFill>
-                  <a:schemeClr val="dk1"/>
-                </a:solidFill>
-                <a:latin typeface="Calibri"/>
-                <a:ea typeface="Calibri"/>
-              </a:rPr>
-              <a:t>username</a:t>
+              <a:t>participating</a:t>
             </a:r>
             <a:endParaRPr b="0" lang="en-US" sz="1600" spc="-1" strike="noStrike">
               <a:solidFill>
@@ -26607,377 +26612,14 @@
       </p:sp>
       <p:sp>
         <p:nvSpPr>
-          <p:cNvPr id="175" name="Google Shape;152;p28"/>
+          <p:cNvPr id="177" name="Google Shape;156;p28"/>
           <p:cNvSpPr/>
           <p:nvPr/>
         </p:nvSpPr>
         <p:spPr>
           <a:xfrm>
-            <a:off x="7390440" y="1265760"/>
-            <a:ext cx="1681560" cy="1706040"/>
-          </a:xfrm>
-          <a:prstGeom prst="rect">
-            <a:avLst/>
-          </a:prstGeom>
-          <a:noFill/>
-          <a:ln w="0">
-            <a:noFill/>
-          </a:ln>
-        </p:spPr>
-        <p:style>
-          <a:lnRef idx="0"/>
-          <a:fillRef idx="0"/>
-          <a:effectRef idx="0"/>
-          <a:fontRef idx="minor"/>
-        </p:style>
-        <p:txBody>
-          <a:bodyPr lIns="90000" rIns="90000" tIns="45000" bIns="45000" anchor="t">
-            <a:noAutofit/>
-          </a:bodyPr>
-          <a:p>
-            <a:pPr>
-              <a:lnSpc>
-                <a:spcPct val="100000"/>
-              </a:lnSpc>
-              <a:tabLst>
-                <a:tab algn="l" pos="0"/>
-              </a:tabLst>
-            </a:pPr>
-            <a:r>
-              <a:rPr b="1" lang="es-419" sz="1800" spc="-1" strike="noStrike">
-                <a:solidFill>
-                  <a:schemeClr val="dk1"/>
-                </a:solidFill>
-                <a:latin typeface="Calibri"/>
-                <a:ea typeface="Calibri"/>
-              </a:rPr>
-              <a:t>ID</a:t>
-            </a:r>
-            <a:endParaRPr b="0" lang="en-US" sz="1800" spc="-1" strike="noStrike">
-              <a:solidFill>
-                <a:srgbClr val="000000"/>
-              </a:solidFill>
-              <a:latin typeface="Arial"/>
-            </a:endParaRPr>
-          </a:p>
-          <a:p>
-            <a:pPr>
-              <a:lnSpc>
-                <a:spcPct val="100000"/>
-              </a:lnSpc>
-              <a:tabLst>
-                <a:tab algn="l" pos="0"/>
-              </a:tabLst>
-            </a:pPr>
-            <a:r>
-              <a:rPr b="0" lang="es-419" sz="1600" spc="-1" strike="noStrike">
-                <a:solidFill>
-                  <a:schemeClr val="dk1"/>
-                </a:solidFill>
-                <a:latin typeface="Calibri"/>
-                <a:ea typeface="Calibri"/>
-              </a:rPr>
-              <a:t>Title</a:t>
-            </a:r>
-            <a:endParaRPr b="0" lang="en-US" sz="1600" spc="-1" strike="noStrike">
-              <a:solidFill>
-                <a:srgbClr val="000000"/>
-              </a:solidFill>
-              <a:latin typeface="Arial"/>
-            </a:endParaRPr>
-          </a:p>
-          <a:p>
-            <a:pPr>
-              <a:lnSpc>
-                <a:spcPct val="100000"/>
-              </a:lnSpc>
-              <a:tabLst>
-                <a:tab algn="l" pos="0"/>
-              </a:tabLst>
-            </a:pPr>
-            <a:r>
-              <a:rPr b="0" lang="es-419" sz="1600" spc="-1" strike="noStrike">
-                <a:solidFill>
-                  <a:schemeClr val="dk1"/>
-                </a:solidFill>
-                <a:latin typeface="Calibri"/>
-                <a:ea typeface="Calibri"/>
-              </a:rPr>
-              <a:t>CreationDate</a:t>
-            </a:r>
-            <a:endParaRPr b="0" lang="en-US" sz="1600" spc="-1" strike="noStrike">
-              <a:solidFill>
-                <a:srgbClr val="000000"/>
-              </a:solidFill>
-              <a:latin typeface="Arial"/>
-            </a:endParaRPr>
-          </a:p>
-          <a:p>
-            <a:pPr>
-              <a:lnSpc>
-                <a:spcPct val="100000"/>
-              </a:lnSpc>
-              <a:tabLst>
-                <a:tab algn="l" pos="0"/>
-              </a:tabLst>
-            </a:pPr>
-            <a:r>
-              <a:rPr b="0" lang="es-419" sz="1600" spc="-1" strike="noStrike">
-                <a:solidFill>
-                  <a:schemeClr val="dk1"/>
-                </a:solidFill>
-                <a:latin typeface="Calibri"/>
-                <a:ea typeface="Calibri"/>
-              </a:rPr>
-              <a:t>Duration</a:t>
-            </a:r>
-            <a:endParaRPr b="0" lang="en-US" sz="1600" spc="-1" strike="noStrike">
-              <a:solidFill>
-                <a:srgbClr val="000000"/>
-              </a:solidFill>
-              <a:latin typeface="Arial"/>
-            </a:endParaRPr>
-          </a:p>
-          <a:p>
-            <a:pPr>
-              <a:lnSpc>
-                <a:spcPct val="100000"/>
-              </a:lnSpc>
-              <a:tabLst>
-                <a:tab algn="l" pos="0"/>
-              </a:tabLst>
-            </a:pPr>
-            <a:r>
-              <a:rPr b="0" lang="es-419" sz="1600" spc="-1" strike="noStrike">
-                <a:solidFill>
-                  <a:schemeClr val="dk1"/>
-                </a:solidFill>
-                <a:latin typeface="Calibri"/>
-                <a:ea typeface="Calibri"/>
-              </a:rPr>
-              <a:t>MinParticipants</a:t>
-            </a:r>
-            <a:endParaRPr b="0" lang="en-US" sz="1600" spc="-1" strike="noStrike">
-              <a:solidFill>
-                <a:srgbClr val="000000"/>
-              </a:solidFill>
-              <a:latin typeface="Arial"/>
-            </a:endParaRPr>
-          </a:p>
-          <a:p>
-            <a:pPr>
-              <a:lnSpc>
-                <a:spcPct val="100000"/>
-              </a:lnSpc>
-              <a:tabLst>
-                <a:tab algn="l" pos="0"/>
-              </a:tabLst>
-            </a:pPr>
-            <a:r>
-              <a:rPr b="0" lang="es-419" sz="1600" spc="-1" strike="noStrike">
-                <a:solidFill>
-                  <a:schemeClr val="dk1"/>
-                </a:solidFill>
-                <a:latin typeface="Calibri"/>
-                <a:ea typeface="Calibri"/>
-              </a:rPr>
-              <a:t>MaxParticipants</a:t>
-            </a:r>
-            <a:endParaRPr b="0" lang="en-US" sz="1600" spc="-1" strike="noStrike">
-              <a:solidFill>
-                <a:srgbClr val="000000"/>
-              </a:solidFill>
-              <a:latin typeface="Arial"/>
-            </a:endParaRPr>
-          </a:p>
-        </p:txBody>
-      </p:sp>
-      <p:sp>
-        <p:nvSpPr>
-          <p:cNvPr id="176" name="Google Shape;153;p28"/>
-          <p:cNvSpPr/>
-          <p:nvPr/>
-        </p:nvSpPr>
-        <p:spPr>
-          <a:xfrm>
-            <a:off x="5871600" y="1315800"/>
-            <a:ext cx="1427760" cy="477000"/>
-          </a:xfrm>
-          <a:prstGeom prst="rect">
-            <a:avLst/>
-          </a:prstGeom>
-          <a:solidFill>
-            <a:schemeClr val="lt1"/>
-          </a:solidFill>
-          <a:ln w="25400">
-            <a:solidFill>
-              <a:srgbClr val="4f81bd"/>
-            </a:solidFill>
-            <a:round/>
-          </a:ln>
-        </p:spPr>
-        <p:style>
-          <a:lnRef idx="0"/>
-          <a:fillRef idx="0"/>
-          <a:effectRef idx="0"/>
-          <a:fontRef idx="minor"/>
-        </p:style>
-        <p:txBody>
-          <a:bodyPr lIns="90000" rIns="90000" tIns="45000" bIns="45000" anchor="ctr">
-            <a:noAutofit/>
-          </a:bodyPr>
-          <a:p>
-            <a:pPr algn="ctr">
-              <a:lnSpc>
-                <a:spcPct val="100000"/>
-              </a:lnSpc>
-              <a:tabLst>
-                <a:tab algn="l" pos="0"/>
-              </a:tabLst>
-            </a:pPr>
-            <a:r>
-              <a:rPr b="0" lang="es-419" sz="1800" spc="-1" strike="noStrike">
-                <a:solidFill>
-                  <a:schemeClr val="dk1"/>
-                </a:solidFill>
-                <a:latin typeface="Calibri"/>
-                <a:ea typeface="Calibri"/>
-              </a:rPr>
-              <a:t>Group</a:t>
-            </a:r>
-            <a:endParaRPr b="0" lang="en-US" sz="1800" spc="-1" strike="noStrike">
-              <a:solidFill>
-                <a:srgbClr val="000000"/>
-              </a:solidFill>
-              <a:latin typeface="Arial"/>
-            </a:endParaRPr>
-          </a:p>
-        </p:txBody>
-      </p:sp>
-      <p:sp>
-        <p:nvSpPr>
-          <p:cNvPr id="177" name="Google Shape;154;p28"/>
-          <p:cNvSpPr/>
-          <p:nvPr/>
-        </p:nvSpPr>
-        <p:spPr>
-          <a:xfrm>
-            <a:off x="2679120" y="1215720"/>
-            <a:ext cx="566280" cy="230400"/>
-          </a:xfrm>
-          <a:prstGeom prst="rect">
-            <a:avLst/>
-          </a:prstGeom>
-          <a:noFill/>
-          <a:ln w="0">
-            <a:noFill/>
-          </a:ln>
-        </p:spPr>
-        <p:style>
-          <a:lnRef idx="0"/>
-          <a:fillRef idx="0"/>
-          <a:effectRef idx="0"/>
-          <a:fontRef idx="minor"/>
-        </p:style>
-        <p:txBody>
-          <a:bodyPr lIns="90000" rIns="90000" tIns="45000" bIns="45000" anchor="t">
-            <a:noAutofit/>
-          </a:bodyPr>
-          <a:p>
-            <a:pPr>
-              <a:lnSpc>
-                <a:spcPct val="100000"/>
-              </a:lnSpc>
-              <a:tabLst>
-                <a:tab algn="l" pos="0"/>
-              </a:tabLst>
-            </a:pPr>
-            <a:r>
-              <a:rPr b="0" lang="es-419" sz="1400" spc="-1" strike="noStrike">
-                <a:solidFill>
-                  <a:schemeClr val="dk1"/>
-                </a:solidFill>
-                <a:latin typeface="Calibri"/>
-                <a:ea typeface="Calibri"/>
-              </a:rPr>
-              <a:t>0:N</a:t>
-            </a:r>
-            <a:endParaRPr b="0" lang="en-US" sz="1400" spc="-1" strike="noStrike">
-              <a:solidFill>
-                <a:srgbClr val="000000"/>
-              </a:solidFill>
-              <a:latin typeface="Arial"/>
-            </a:endParaRPr>
-          </a:p>
-        </p:txBody>
-      </p:sp>
-      <p:sp>
-        <p:nvSpPr>
-          <p:cNvPr id="178" name="Google Shape;155;p28"/>
-          <p:cNvSpPr/>
-          <p:nvPr/>
-        </p:nvSpPr>
-        <p:spPr>
-          <a:xfrm>
-            <a:off x="3765240" y="1062360"/>
-            <a:ext cx="963360" cy="253080"/>
-          </a:xfrm>
-          <a:prstGeom prst="rect">
-            <a:avLst/>
-          </a:prstGeom>
-          <a:noFill/>
-          <a:ln w="0">
-            <a:noFill/>
-          </a:ln>
-        </p:spPr>
-        <p:style>
-          <a:lnRef idx="0"/>
-          <a:fillRef idx="0"/>
-          <a:effectRef idx="0"/>
-          <a:fontRef idx="minor"/>
-        </p:style>
-        <p:txBody>
-          <a:bodyPr lIns="90000" rIns="90000" tIns="45000" bIns="45000" anchor="t">
-            <a:noAutofit/>
-          </a:bodyPr>
-          <a:p>
-            <a:pPr algn="r">
-              <a:lnSpc>
-                <a:spcPct val="100000"/>
-              </a:lnSpc>
-              <a:tabLst>
-                <a:tab algn="l" pos="0"/>
-              </a:tabLst>
-            </a:pPr>
-            <a:r>
-              <a:rPr b="0" lang="es-419" sz="1600" spc="-1" strike="noStrike">
-                <a:solidFill>
-                  <a:schemeClr val="dk1"/>
-                </a:solidFill>
-                <a:latin typeface="Calibri"/>
-                <a:ea typeface="Calibri"/>
-              </a:rPr>
-              <a:t>creating</a:t>
-            </a:r>
-            <a:endParaRPr b="0" lang="en-US" sz="1600" spc="-1" strike="noStrike">
-              <a:solidFill>
-                <a:srgbClr val="000000"/>
-              </a:solidFill>
-              <a:latin typeface="Arial"/>
-            </a:endParaRPr>
-          </a:p>
-        </p:txBody>
-      </p:sp>
-      <p:sp>
-        <p:nvSpPr>
-          <p:cNvPr id="179" name="Google Shape;156;p28"/>
-          <p:cNvSpPr/>
-          <p:nvPr/>
-        </p:nvSpPr>
-        <p:spPr>
-          <a:xfrm>
-            <a:off x="3993840" y="1350000"/>
-            <a:ext cx="596160" cy="394200"/>
+            <a:off x="3993840" y="2106000"/>
+            <a:ext cx="595800" cy="393840"/>
           </a:xfrm>
           <a:prstGeom prst="diamond">
             <a:avLst/>
@@ -27023,17 +26665,17 @@
       </p:sp>
       <p:cxnSp>
         <p:nvCxnSpPr>
-          <p:cNvPr id="180" name="Google Shape;157;p28"/>
+          <p:cNvPr id="178" name="Google Shape;157;p28"/>
           <p:cNvCxnSpPr>
-            <a:stCxn id="173" idx="3"/>
-            <a:endCxn id="179" idx="1"/>
+            <a:stCxn id="172" idx="3"/>
+            <a:endCxn id="177" idx="1"/>
           </p:cNvCxnSpPr>
           <p:nvPr/>
         </p:nvCxnSpPr>
         <p:spPr>
           <a:xfrm flipV="1">
-            <a:off x="2615400" y="1547280"/>
-            <a:ext cx="1378800" cy="15480"/>
+            <a:off x="2615040" y="2302920"/>
+            <a:ext cx="1379160" cy="15840"/>
           </a:xfrm>
           <a:prstGeom prst="straightConnector1">
             <a:avLst/>
@@ -27048,17 +26690,17 @@
       </p:cxnSp>
       <p:cxnSp>
         <p:nvCxnSpPr>
-          <p:cNvPr id="181" name="Google Shape;158;p28"/>
+          <p:cNvPr id="179" name="Google Shape;158;p28"/>
           <p:cNvCxnSpPr>
-            <a:stCxn id="179" idx="3"/>
-            <a:endCxn id="176" idx="1"/>
+            <a:stCxn id="177" idx="3"/>
+            <a:endCxn id="174" idx="1"/>
           </p:cNvCxnSpPr>
           <p:nvPr/>
         </p:nvCxnSpPr>
         <p:spPr>
           <a:xfrm>
-            <a:off x="4590000" y="1547280"/>
-            <a:ext cx="1281960" cy="7200"/>
+            <a:off x="4589640" y="2302920"/>
+            <a:ext cx="1282320" cy="7560"/>
           </a:xfrm>
           <a:prstGeom prst="straightConnector1">
             <a:avLst/>
@@ -27073,14 +26715,14 @@
       </p:cxnSp>
       <p:sp>
         <p:nvSpPr>
-          <p:cNvPr id="182" name="Google Shape;159;p28"/>
+          <p:cNvPr id="180" name="Google Shape;159;p28"/>
           <p:cNvSpPr/>
           <p:nvPr/>
         </p:nvSpPr>
         <p:spPr>
           <a:xfrm>
-            <a:off x="7452360" y="2988720"/>
-            <a:ext cx="183960" cy="691920"/>
+            <a:off x="7452360" y="3744720"/>
+            <a:ext cx="183600" cy="691560"/>
           </a:xfrm>
           <a:prstGeom prst="rect">
             <a:avLst/>
@@ -27152,92 +26794,14 @@
       </p:sp>
       <p:sp>
         <p:nvSpPr>
-          <p:cNvPr id="183" name="Google Shape;160;p28"/>
+          <p:cNvPr id="181" name="Google Shape;162;p28"/>
           <p:cNvSpPr/>
           <p:nvPr/>
         </p:nvSpPr>
         <p:spPr>
           <a:xfrm>
-            <a:off x="5275440" y="2514600"/>
-            <a:ext cx="596160" cy="394200"/>
-          </a:xfrm>
-          <a:prstGeom prst="diamond">
-            <a:avLst/>
-          </a:prstGeom>
-          <a:solidFill>
-            <a:schemeClr val="lt1"/>
-          </a:solidFill>
-          <a:ln w="25400">
-            <a:solidFill>
-              <a:srgbClr val="f79646"/>
-            </a:solidFill>
-            <a:round/>
-          </a:ln>
-        </p:spPr>
-        <p:style>
-          <a:lnRef idx="0"/>
-          <a:fillRef idx="0"/>
-          <a:effectRef idx="0"/>
-          <a:fontRef idx="minor"/>
-        </p:style>
-        <p:txBody>
-          <a:bodyPr lIns="90000" rIns="90000" tIns="45000" bIns="45000" anchor="ctr">
-            <a:noAutofit/>
-          </a:bodyPr>
-          <a:p>
-            <a:pPr algn="ctr">
-              <a:lnSpc>
-                <a:spcPct val="100000"/>
-              </a:lnSpc>
-              <a:tabLst>
-                <a:tab algn="l" pos="0"/>
-              </a:tabLst>
-            </a:pPr>
-            <a:endParaRPr b="0" lang="en-US" sz="1800" spc="-1" strike="noStrike">
-              <a:solidFill>
-                <a:schemeClr val="dk1"/>
-              </a:solidFill>
-              <a:latin typeface="Calibri"/>
-              <a:ea typeface="Calibri"/>
-            </a:endParaRPr>
-          </a:p>
-        </p:txBody>
-      </p:sp>
-      <p:cxnSp>
-        <p:nvCxnSpPr>
-          <p:cNvPr id="184" name="Google Shape;161;p28"/>
-          <p:cNvCxnSpPr>
-            <a:stCxn id="183" idx="0"/>
-            <a:endCxn id="176" idx="2"/>
-          </p:cNvCxnSpPr>
-          <p:nvPr/>
-        </p:nvCxnSpPr>
-        <p:spPr>
-          <a:xfrm flipV="1">
-            <a:off x="5573520" y="1792800"/>
-            <a:ext cx="1012320" cy="722160"/>
-          </a:xfrm>
-          <a:prstGeom prst="straightConnector1">
-            <a:avLst/>
-          </a:prstGeom>
-          <a:ln w="9525">
-            <a:solidFill>
-              <a:srgbClr val="4a7dba"/>
-            </a:solidFill>
-            <a:round/>
-          </a:ln>
-        </p:spPr>
-      </p:cxnSp>
-      <p:sp>
-        <p:nvSpPr>
-          <p:cNvPr id="185" name="Google Shape;162;p28"/>
-          <p:cNvSpPr/>
-          <p:nvPr/>
-        </p:nvSpPr>
-        <p:spPr>
-          <a:xfrm>
-            <a:off x="6557400" y="1935360"/>
-            <a:ext cx="414720" cy="350640"/>
+            <a:off x="6557400" y="2691360"/>
+            <a:ext cx="414360" cy="350280"/>
           </a:xfrm>
           <a:prstGeom prst="rect">
             <a:avLst/>
@@ -27287,14 +26851,71 @@
       </p:sp>
       <p:sp>
         <p:nvSpPr>
-          <p:cNvPr id="186" name="Google Shape;163;p28"/>
+          <p:cNvPr id="182" name="Google Shape;164;p28"/>
           <p:cNvSpPr/>
           <p:nvPr/>
         </p:nvSpPr>
         <p:spPr>
           <a:xfrm>
-            <a:off x="1773360" y="1828800"/>
-            <a:ext cx="512640" cy="276120"/>
+            <a:off x="5001480" y="4296600"/>
+            <a:ext cx="1093680" cy="252720"/>
+          </a:xfrm>
+          <a:prstGeom prst="rect">
+            <a:avLst/>
+          </a:prstGeom>
+          <a:noFill/>
+          <a:ln w="0">
+            <a:noFill/>
+          </a:ln>
+        </p:spPr>
+        <p:style>
+          <a:lnRef idx="0"/>
+          <a:fillRef idx="0"/>
+          <a:effectRef idx="0"/>
+          <a:fontRef idx="minor"/>
+        </p:style>
+        <p:txBody>
+          <a:bodyPr lIns="90000" rIns="90000" tIns="45000" bIns="45000" anchor="t">
+            <a:noAutofit/>
+          </a:bodyPr>
+          <a:p>
+            <a:pPr algn="r">
+              <a:lnSpc>
+                <a:spcPct val="100000"/>
+              </a:lnSpc>
+              <a:tabLst>
+                <a:tab algn="l" pos="0"/>
+              </a:tabLst>
+            </a:pPr>
+            <a:r>
+              <a:rPr b="0" lang="es-419" sz="1600" spc="-1" strike="noStrike">
+                <a:solidFill>
+                  <a:schemeClr val="dk1"/>
+                </a:solidFill>
+                <a:latin typeface="Calibri"/>
+                <a:ea typeface="Calibri"/>
+              </a:rPr>
+              <a:t>	</a:t>
+            </a:r>
+            <a:endParaRPr b="0" lang="en-US" sz="1600" spc="-1" strike="noStrike">
+              <a:solidFill>
+                <a:srgbClr val="000000"/>
+              </a:solidFill>
+              <a:latin typeface="Arial"/>
+            </a:endParaRPr>
+          </a:p>
+        </p:txBody>
+      </p:sp>
+      <p:sp>
+        <p:nvSpPr>
+          <p:cNvPr id="183" name="Google Shape;165;p28"/>
+          <p:cNvSpPr/>
+          <p:nvPr/>
+        </p:nvSpPr>
+        <p:spPr>
+          <a:xfrm>
+            <a:off x="5401800" y="2007000"/>
+            <a:ext cx="457200" cy="229680"/>
           </a:xfrm>
           <a:prstGeom prst="rect">
             <a:avLst/>
@@ -27331,352 +26952,7 @@
                 <a:latin typeface="Calibri"/>
                 <a:ea typeface="Calibri"/>
               </a:rPr>
-              <a:t>0:N</a:t>
-            </a:r>
-            <a:endParaRPr b="0" lang="en-US" sz="1400" spc="-1" strike="noStrike">
-              <a:solidFill>
-                <a:srgbClr val="000000"/>
-              </a:solidFill>
-              <a:latin typeface="Arial"/>
-            </a:endParaRPr>
-          </a:p>
-        </p:txBody>
-      </p:sp>
-      <p:sp>
-        <p:nvSpPr>
-          <p:cNvPr id="187" name="Google Shape;164;p28"/>
-          <p:cNvSpPr/>
-          <p:nvPr/>
-        </p:nvSpPr>
-        <p:spPr>
-          <a:xfrm>
-            <a:off x="5001480" y="4296600"/>
-            <a:ext cx="1094040" cy="253080"/>
-          </a:xfrm>
-          <a:prstGeom prst="rect">
-            <a:avLst/>
-          </a:prstGeom>
-          <a:noFill/>
-          <a:ln w="0">
-            <a:noFill/>
-          </a:ln>
-        </p:spPr>
-        <p:style>
-          <a:lnRef idx="0"/>
-          <a:fillRef idx="0"/>
-          <a:effectRef idx="0"/>
-          <a:fontRef idx="minor"/>
-        </p:style>
-        <p:txBody>
-          <a:bodyPr lIns="90000" rIns="90000" tIns="45000" bIns="45000" anchor="t">
-            <a:noAutofit/>
-          </a:bodyPr>
-          <a:p>
-            <a:pPr algn="r">
-              <a:lnSpc>
-                <a:spcPct val="100000"/>
-              </a:lnSpc>
-              <a:tabLst>
-                <a:tab algn="l" pos="0"/>
-              </a:tabLst>
-            </a:pPr>
-            <a:r>
-              <a:rPr b="0" lang="es-419" sz="1600" spc="-1" strike="noStrike">
-                <a:solidFill>
-                  <a:schemeClr val="dk1"/>
-                </a:solidFill>
-                <a:latin typeface="Calibri"/>
-                <a:ea typeface="Calibri"/>
-              </a:rPr>
-              <a:t>	</a:t>
-            </a:r>
-            <a:endParaRPr b="0" lang="en-US" sz="1600" spc="-1" strike="noStrike">
-              <a:solidFill>
-                <a:srgbClr val="000000"/>
-              </a:solidFill>
-              <a:latin typeface="Arial"/>
-            </a:endParaRPr>
-          </a:p>
-        </p:txBody>
-      </p:sp>
-      <p:sp>
-        <p:nvSpPr>
-          <p:cNvPr id="188" name="Google Shape;165;p28"/>
-          <p:cNvSpPr/>
-          <p:nvPr/>
-        </p:nvSpPr>
-        <p:spPr>
-          <a:xfrm>
-            <a:off x="5456880" y="1251000"/>
-            <a:ext cx="414720" cy="230040"/>
-          </a:xfrm>
-          <a:prstGeom prst="rect">
-            <a:avLst/>
-          </a:prstGeom>
-          <a:noFill/>
-          <a:ln w="0">
-            <a:noFill/>
-          </a:ln>
-        </p:spPr>
-        <p:style>
-          <a:lnRef idx="0"/>
-          <a:fillRef idx="0"/>
-          <a:effectRef idx="0"/>
-          <a:fontRef idx="minor"/>
-        </p:style>
-        <p:txBody>
-          <a:bodyPr lIns="90000" rIns="90000" tIns="45000" bIns="45000" anchor="t">
-            <a:noAutofit/>
-          </a:bodyPr>
-          <a:p>
-            <a:pPr>
-              <a:lnSpc>
-                <a:spcPct val="100000"/>
-              </a:lnSpc>
-              <a:tabLst>
-                <a:tab algn="l" pos="0"/>
-              </a:tabLst>
-            </a:pPr>
-            <a:r>
-              <a:rPr b="0" lang="es-419" sz="1400" spc="-1" strike="noStrike">
-                <a:solidFill>
-                  <a:schemeClr val="dk1"/>
-                </a:solidFill>
-                <a:latin typeface="Calibri"/>
-                <a:ea typeface="Calibri"/>
-              </a:rPr>
-              <a:t>1:1</a:t>
-            </a:r>
-            <a:endParaRPr b="0" lang="en-US" sz="1400" spc="-1" strike="noStrike">
-              <a:solidFill>
-                <a:srgbClr val="000000"/>
-              </a:solidFill>
-              <a:latin typeface="Arial"/>
-            </a:endParaRPr>
-          </a:p>
-        </p:txBody>
-      </p:sp>
-      <p:sp>
-        <p:nvSpPr>
-          <p:cNvPr id="189" name="Google Shape;156;p 1"/>
-          <p:cNvSpPr/>
-          <p:nvPr/>
-        </p:nvSpPr>
-        <p:spPr>
-          <a:xfrm>
-            <a:off x="2444760" y="2466360"/>
-            <a:ext cx="596160" cy="394200"/>
-          </a:xfrm>
-          <a:prstGeom prst="diamond">
-            <a:avLst/>
-          </a:prstGeom>
-          <a:solidFill>
-            <a:schemeClr val="lt1"/>
-          </a:solidFill>
-          <a:ln w="25400">
-            <a:solidFill>
-              <a:srgbClr val="f79646"/>
-            </a:solidFill>
-            <a:round/>
-          </a:ln>
-        </p:spPr>
-        <p:style>
-          <a:lnRef idx="0"/>
-          <a:fillRef idx="0"/>
-          <a:effectRef idx="0"/>
-          <a:fontRef idx="minor"/>
-        </p:style>
-        <p:txBody>
-          <a:bodyPr lIns="90000" rIns="90000" tIns="45000" bIns="45000" anchor="ctr">
-            <a:noAutofit/>
-          </a:bodyPr>
-          <a:p>
-            <a:endParaRPr b="0" lang="en-US" sz="1800" spc="-1" strike="noStrike">
-              <a:solidFill>
-                <a:schemeClr val="dk1"/>
-              </a:solidFill>
-              <a:latin typeface="Calibri"/>
-              <a:ea typeface="Calibri"/>
-            </a:endParaRPr>
-          </a:p>
-        </p:txBody>
-      </p:sp>
-      <p:cxnSp>
-        <p:nvCxnSpPr>
-          <p:cNvPr id="190" name=""/>
-          <p:cNvCxnSpPr>
-            <a:stCxn id="171" idx="3"/>
-            <a:endCxn id="183" idx="2"/>
-          </p:cNvCxnSpPr>
-          <p:nvPr/>
-        </p:nvCxnSpPr>
-        <p:spPr>
-          <a:xfrm flipV="1">
-            <a:off x="4868280" y="2908800"/>
-            <a:ext cx="705600" cy="563760"/>
-          </a:xfrm>
-          <a:prstGeom prst="straightConnector1">
-            <a:avLst/>
-          </a:prstGeom>
-          <a:ln w="0">
-            <a:solidFill>
-              <a:srgbClr val="3465a4"/>
-            </a:solidFill>
-          </a:ln>
-        </p:spPr>
-      </p:cxnSp>
-      <p:cxnSp>
-        <p:nvCxnSpPr>
-          <p:cNvPr id="191" name=""/>
-          <p:cNvCxnSpPr>
-            <a:stCxn id="173" idx="2"/>
-            <a:endCxn id="189" idx="0"/>
-          </p:cNvCxnSpPr>
-          <p:nvPr/>
-        </p:nvCxnSpPr>
-        <p:spPr>
-          <a:xfrm>
-            <a:off x="2081520" y="1759680"/>
-            <a:ext cx="661680" cy="707040"/>
-          </a:xfrm>
-          <a:prstGeom prst="straightConnector1">
-            <a:avLst/>
-          </a:prstGeom>
-          <a:ln w="0">
-            <a:solidFill>
-              <a:srgbClr val="3465a4"/>
-            </a:solidFill>
-          </a:ln>
-        </p:spPr>
-      </p:cxnSp>
-      <p:cxnSp>
-        <p:nvCxnSpPr>
-          <p:cNvPr id="192" name=""/>
-          <p:cNvCxnSpPr>
-            <a:stCxn id="189" idx="2"/>
-            <a:endCxn id="171" idx="1"/>
-          </p:cNvCxnSpPr>
-          <p:nvPr/>
-        </p:nvCxnSpPr>
-        <p:spPr>
-          <a:xfrm>
-            <a:off x="2742840" y="2860560"/>
-            <a:ext cx="722520" cy="612000"/>
-          </a:xfrm>
-          <a:prstGeom prst="straightConnector1">
-            <a:avLst/>
-          </a:prstGeom>
-          <a:ln w="0">
-            <a:solidFill>
-              <a:srgbClr val="3465a4"/>
-            </a:solidFill>
-          </a:ln>
-        </p:spPr>
-      </p:cxnSp>
-      <p:sp>
-        <p:nvSpPr>
-          <p:cNvPr id="193" name="Google Shape;155;p 1"/>
-          <p:cNvSpPr/>
-          <p:nvPr/>
-        </p:nvSpPr>
-        <p:spPr>
-          <a:xfrm>
-            <a:off x="1828800" y="2947320"/>
-            <a:ext cx="963360" cy="253080"/>
-          </a:xfrm>
-          <a:prstGeom prst="rect">
-            <a:avLst/>
-          </a:prstGeom>
-          <a:noFill/>
-          <a:ln w="0">
-            <a:noFill/>
-          </a:ln>
-        </p:spPr>
-        <p:style>
-          <a:lnRef idx="0"/>
-          <a:fillRef idx="0"/>
-          <a:effectRef idx="0"/>
-          <a:fontRef idx="minor"/>
-        </p:style>
-        <p:txBody>
-          <a:bodyPr lIns="90000" rIns="90000" tIns="45000" bIns="45000" anchor="t">
-            <a:noAutofit/>
-          </a:bodyPr>
-          <a:p>
-            <a:pPr algn="r">
-              <a:lnSpc>
-                <a:spcPct val="100000"/>
-              </a:lnSpc>
-              <a:tabLst>
-                <a:tab algn="l" pos="0"/>
-              </a:tabLst>
-            </a:pPr>
-            <a:r>
-              <a:rPr b="0" lang="es-419" sz="1600" spc="-1" strike="noStrike">
-                <a:solidFill>
-                  <a:schemeClr val="dk1"/>
-                </a:solidFill>
-                <a:latin typeface="Calibri"/>
-                <a:ea typeface="Calibri"/>
-              </a:rPr>
-              <a:t>inviting</a:t>
-            </a:r>
-            <a:endParaRPr b="0" lang="en-US" sz="1600" spc="-1" strike="noStrike">
-              <a:solidFill>
-                <a:srgbClr val="000000"/>
-              </a:solidFill>
-              <a:latin typeface="Arial"/>
-            </a:endParaRPr>
-          </a:p>
-        </p:txBody>
-      </p:sp>
-      <p:sp>
-        <p:nvSpPr>
-          <p:cNvPr id="194" name="Google Shape;154;p 4"/>
-          <p:cNvSpPr/>
-          <p:nvPr/>
-        </p:nvSpPr>
-        <p:spPr>
-          <a:xfrm>
-            <a:off x="2971800" y="3427200"/>
-            <a:ext cx="566280" cy="230400"/>
-          </a:xfrm>
-          <a:prstGeom prst="rect">
-            <a:avLst/>
-          </a:prstGeom>
-          <a:noFill/>
-          <a:ln w="0">
-            <a:noFill/>
-          </a:ln>
-        </p:spPr>
-        <p:style>
-          <a:lnRef idx="0"/>
-          <a:fillRef idx="0"/>
-          <a:effectRef idx="0"/>
-          <a:fontRef idx="minor"/>
-        </p:style>
-        <p:txBody>
-          <a:bodyPr lIns="90000" rIns="90000" tIns="45000" bIns="45000" anchor="t">
-            <a:noAutofit/>
-          </a:bodyPr>
-          <a:p>
-            <a:pPr>
-              <a:lnSpc>
-                <a:spcPct val="100000"/>
-              </a:lnSpc>
-              <a:tabLst>
-                <a:tab algn="l" pos="0"/>
-              </a:tabLst>
-            </a:pPr>
-            <a:r>
-              <a:rPr b="0" lang="es-419" sz="1400" spc="-1" strike="noStrike">
-                <a:solidFill>
-                  <a:schemeClr val="dk1"/>
-                </a:solidFill>
-                <a:latin typeface="Calibri"/>
-                <a:ea typeface="Calibri"/>
-              </a:rPr>
-              <a:t>0:N</a:t>
+              <a:t>1:N</a:t>
             </a:r>
             <a:endParaRPr b="0" lang="en-US" sz="1400" spc="-1" strike="noStrike">
               <a:solidFill>
@@ -27719,7 +26995,7 @@
       </p:grpSpPr>
       <p:sp>
         <p:nvSpPr>
-          <p:cNvPr id="195" name="PlaceHolder 1"/>
+          <p:cNvPr id="184" name="PlaceHolder 1"/>
           <p:cNvSpPr>
             <a:spLocks noGrp="1"/>
           </p:cNvSpPr>
@@ -27730,7 +27006,7 @@
         <p:spPr>
           <a:xfrm>
             <a:off x="457920" y="57960"/>
-            <a:ext cx="8228880" cy="856440"/>
+            <a:ext cx="8228520" cy="856080"/>
           </a:xfrm>
           <a:prstGeom prst="rect">
             <a:avLst/>
@@ -27775,7 +27051,7 @@
       </p:sp>
       <p:sp>
         <p:nvSpPr>
-          <p:cNvPr id="196" name="PlaceHolder 2"/>
+          <p:cNvPr id="185" name="PlaceHolder 2"/>
           <p:cNvSpPr>
             <a:spLocks noGrp="1"/>
           </p:cNvSpPr>
@@ -27786,7 +27062,7 @@
         <p:spPr>
           <a:xfrm>
             <a:off x="425160" y="938880"/>
-            <a:ext cx="4111560" cy="2081520"/>
+            <a:ext cx="4111200" cy="2081160"/>
           </a:xfrm>
           <a:prstGeom prst="rect">
             <a:avLst/>
@@ -27914,7 +27190,7 @@
       </p:sp>
       <p:sp>
         <p:nvSpPr>
-          <p:cNvPr id="197" name="PlaceHolder 3"/>
+          <p:cNvPr id="186" name="PlaceHolder 3"/>
           <p:cNvSpPr>
             <a:spLocks noGrp="1"/>
           </p:cNvSpPr>
@@ -27925,7 +27201,7 @@
         <p:spPr>
           <a:xfrm>
             <a:off x="4572000" y="938880"/>
-            <a:ext cx="4392000" cy="2538720"/>
+            <a:ext cx="4391640" cy="2538360"/>
           </a:xfrm>
           <a:prstGeom prst="rect">
             <a:avLst/>
@@ -28155,7 +27431,7 @@
       </p:grpSpPr>
       <p:sp>
         <p:nvSpPr>
-          <p:cNvPr id="198" name="PlaceHolder 1"/>
+          <p:cNvPr id="187" name="PlaceHolder 1"/>
           <p:cNvSpPr>
             <a:spLocks noGrp="1"/>
           </p:cNvSpPr>
@@ -28166,7 +27442,7 @@
         <p:spPr>
           <a:xfrm>
             <a:off x="457200" y="205920"/>
-            <a:ext cx="8228880" cy="856440"/>
+            <a:ext cx="8228520" cy="856080"/>
           </a:xfrm>
           <a:prstGeom prst="rect">
             <a:avLst/>
@@ -28211,7 +27487,7 @@
       </p:sp>
       <p:sp>
         <p:nvSpPr>
-          <p:cNvPr id="199" name="PlaceHolder 2"/>
+          <p:cNvPr id="188" name="PlaceHolder 2"/>
           <p:cNvSpPr>
             <a:spLocks noGrp="1"/>
           </p:cNvSpPr>
@@ -28222,7 +27498,7 @@
         <p:spPr>
           <a:xfrm>
             <a:off x="2044800" y="1096560"/>
-            <a:ext cx="4797360" cy="3393720"/>
+            <a:ext cx="4797000" cy="3393360"/>
           </a:xfrm>
           <a:prstGeom prst="rect">
             <a:avLst/>
@@ -28425,7 +27701,7 @@
       </p:grpSpPr>
       <p:sp>
         <p:nvSpPr>
-          <p:cNvPr id="200" name="PlaceHolder 1"/>
+          <p:cNvPr id="189" name="PlaceHolder 1"/>
           <p:cNvSpPr>
             <a:spLocks noGrp="1"/>
           </p:cNvSpPr>
@@ -28436,7 +27712,7 @@
         <p:spPr>
           <a:xfrm>
             <a:off x="457200" y="205920"/>
-            <a:ext cx="8228880" cy="856800"/>
+            <a:ext cx="8228520" cy="856440"/>
           </a:xfrm>
           <a:prstGeom prst="rect">
             <a:avLst/>
@@ -28481,7 +27757,7 @@
       </p:sp>
       <p:sp>
         <p:nvSpPr>
-          <p:cNvPr id="201" name="PlaceHolder 2"/>
+          <p:cNvPr id="190" name="PlaceHolder 2"/>
           <p:cNvSpPr>
             <a:spLocks noGrp="1"/>
           </p:cNvSpPr>
@@ -28492,7 +27768,7 @@
         <p:spPr>
           <a:xfrm>
             <a:off x="457200" y="1000440"/>
-            <a:ext cx="8228880" cy="4105440"/>
+            <a:ext cx="8228520" cy="4105080"/>
           </a:xfrm>
           <a:prstGeom prst="rect">
             <a:avLst/>
@@ -28973,7 +28249,7 @@
       </p:grpSpPr>
       <p:sp>
         <p:nvSpPr>
-          <p:cNvPr id="202" name="PlaceHolder 1"/>
+          <p:cNvPr id="191" name="PlaceHolder 1"/>
           <p:cNvSpPr>
             <a:spLocks noGrp="1"/>
           </p:cNvSpPr>
@@ -28984,7 +28260,7 @@
         <p:spPr>
           <a:xfrm>
             <a:off x="457200" y="205920"/>
-            <a:ext cx="8228880" cy="856440"/>
+            <a:ext cx="8228520" cy="856080"/>
           </a:xfrm>
           <a:prstGeom prst="rect">
             <a:avLst/>
@@ -29029,7 +28305,7 @@
       </p:sp>
       <p:sp>
         <p:nvSpPr>
-          <p:cNvPr id="203" name="PlaceHolder 2"/>
+          <p:cNvPr id="192" name="PlaceHolder 2"/>
           <p:cNvSpPr>
             <a:spLocks noGrp="1"/>
           </p:cNvSpPr>
@@ -29040,7 +28316,7 @@
         <p:spPr>
           <a:xfrm>
             <a:off x="457200" y="1200240"/>
-            <a:ext cx="8434440" cy="3693240"/>
+            <a:ext cx="8434080" cy="3692880"/>
           </a:xfrm>
           <a:prstGeom prst="rect">
             <a:avLst/>
@@ -29283,7 +28559,7 @@
       </p:grpSpPr>
       <p:sp>
         <p:nvSpPr>
-          <p:cNvPr id="204" name="PlaceHolder 1"/>
+          <p:cNvPr id="193" name="PlaceHolder 1"/>
           <p:cNvSpPr>
             <a:spLocks noGrp="1"/>
           </p:cNvSpPr>
@@ -29294,7 +28570,7 @@
         <p:spPr>
           <a:xfrm>
             <a:off x="457200" y="205920"/>
-            <a:ext cx="8228880" cy="856440"/>
+            <a:ext cx="8228520" cy="856080"/>
           </a:xfrm>
           <a:prstGeom prst="rect">
             <a:avLst/>
@@ -29339,14 +28615,14 @@
       </p:sp>
       <p:sp>
         <p:nvSpPr>
-          <p:cNvPr id="205" name="Google Shape;197;p33"/>
+          <p:cNvPr id="194" name="Google Shape;197;p33"/>
           <p:cNvSpPr/>
           <p:nvPr/>
         </p:nvSpPr>
         <p:spPr>
           <a:xfrm>
             <a:off x="323640" y="1617480"/>
-            <a:ext cx="2807640" cy="1508040"/>
+            <a:ext cx="2807280" cy="1507680"/>
           </a:xfrm>
           <a:prstGeom prst="rect">
             <a:avLst/>
@@ -29401,14 +28677,14 @@
       </p:sp>
       <p:sp>
         <p:nvSpPr>
-          <p:cNvPr id="206" name="Google Shape;198;p33"/>
+          <p:cNvPr id="195" name="Google Shape;198;p33"/>
           <p:cNvSpPr/>
           <p:nvPr/>
         </p:nvSpPr>
         <p:spPr>
           <a:xfrm>
             <a:off x="467280" y="1997640"/>
-            <a:ext cx="1835640" cy="859680"/>
+            <a:ext cx="1835280" cy="859320"/>
           </a:xfrm>
           <a:prstGeom prst="roundRect">
             <a:avLst>
@@ -29504,14 +28780,14 @@
       </p:sp>
       <p:sp>
         <p:nvSpPr>
-          <p:cNvPr id="207" name="Google Shape;199;p33"/>
+          <p:cNvPr id="196" name="Google Shape;199;p33"/>
           <p:cNvSpPr/>
           <p:nvPr/>
         </p:nvSpPr>
         <p:spPr>
           <a:xfrm>
             <a:off x="5606640" y="3364200"/>
-            <a:ext cx="2668320" cy="1295280"/>
+            <a:ext cx="2667960" cy="1294920"/>
           </a:xfrm>
           <a:prstGeom prst="rect">
             <a:avLst/>
@@ -29566,14 +28842,14 @@
       </p:sp>
       <p:sp>
         <p:nvSpPr>
-          <p:cNvPr id="208" name="Google Shape;200;p33"/>
+          <p:cNvPr id="197" name="Google Shape;200;p33"/>
           <p:cNvSpPr/>
           <p:nvPr/>
         </p:nvSpPr>
         <p:spPr>
           <a:xfrm>
             <a:off x="2195640" y="2206800"/>
-            <a:ext cx="287280" cy="215280"/>
+            <a:ext cx="286920" cy="214920"/>
           </a:xfrm>
           <a:prstGeom prst="ellipse">
             <a:avLst/>
@@ -29619,21 +28895,21 @@
       </p:sp>
       <p:cxnSp>
         <p:nvCxnSpPr>
-          <p:cNvPr id="209" name="Google Shape;201;p33"/>
+          <p:cNvPr id="198" name="Google Shape;201;p33"/>
           <p:cNvCxnSpPr>
-            <a:stCxn id="210" idx="2"/>
-            <a:endCxn id="211" idx="5"/>
+            <a:stCxn id="199" idx="2"/>
+            <a:endCxn id="200" idx="5"/>
           </p:cNvCxnSpPr>
           <p:nvPr/>
         </p:nvCxnSpPr>
         <p:spPr>
           <a:xfrm flipV="1">
-            <a:off x="4726080" y="2320200"/>
-            <a:ext cx="1599840" cy="6480"/>
+            <a:off x="4725720" y="2319840"/>
+            <a:ext cx="1600200" cy="6480"/>
           </a:xfrm>
           <a:prstGeom prst="bentConnector3">
             <a:avLst>
-              <a:gd name="adj1" fmla="val 50033"/>
+              <a:gd name="adj1" fmla="val 50045"/>
             </a:avLst>
           </a:prstGeom>
           <a:ln w="25400">
@@ -29647,14 +28923,14 @@
       </p:cxnSp>
       <p:sp>
         <p:nvSpPr>
-          <p:cNvPr id="212" name="Google Shape;204;p33"/>
+          <p:cNvPr id="201" name="Google Shape;204;p33"/>
           <p:cNvSpPr/>
           <p:nvPr/>
         </p:nvSpPr>
         <p:spPr>
           <a:xfrm>
             <a:off x="2328120" y="1928520"/>
-            <a:ext cx="831600" cy="276120"/>
+            <a:ext cx="831240" cy="275760"/>
           </a:xfrm>
           <a:prstGeom prst="rect">
             <a:avLst/>
@@ -29704,21 +28980,21 @@
       </p:sp>
       <p:cxnSp>
         <p:nvCxnSpPr>
-          <p:cNvPr id="213" name="Google Shape;205;p33"/>
+          <p:cNvPr id="202" name="Google Shape;205;p33"/>
           <p:cNvCxnSpPr>
-            <a:stCxn id="214" idx="4"/>
-            <a:endCxn id="205" idx="2"/>
+            <a:stCxn id="203" idx="4"/>
+            <a:endCxn id="194" idx="2"/>
           </p:cNvCxnSpPr>
           <p:nvPr/>
         </p:nvCxnSpPr>
         <p:spPr>
           <a:xfrm rot="5400000">
-            <a:off x="2501280" y="1991520"/>
+            <a:off x="2501280" y="1991160"/>
             <a:ext cx="360360" cy="1908720"/>
           </a:xfrm>
           <a:prstGeom prst="bentConnector3">
             <a:avLst>
-              <a:gd name="adj1" fmla="val 363700"/>
+              <a:gd name="adj1" fmla="val 464100"/>
             </a:avLst>
           </a:prstGeom>
           <a:ln w="25400">
@@ -29732,14 +29008,14 @@
       </p:cxnSp>
       <p:sp>
         <p:nvSpPr>
-          <p:cNvPr id="215" name="Google Shape;207;p33"/>
+          <p:cNvPr id="204" name="Google Shape;207;p33"/>
           <p:cNvSpPr/>
           <p:nvPr/>
         </p:nvSpPr>
         <p:spPr>
           <a:xfrm>
             <a:off x="2043000" y="3273840"/>
-            <a:ext cx="2487960" cy="276120"/>
+            <a:ext cx="2487600" cy="275760"/>
           </a:xfrm>
           <a:prstGeom prst="rect">
             <a:avLst/>
@@ -29789,14 +29065,14 @@
       </p:sp>
       <p:sp>
         <p:nvSpPr>
-          <p:cNvPr id="216" name="Google Shape;208;p33"/>
+          <p:cNvPr id="205" name="Google Shape;208;p33"/>
           <p:cNvSpPr/>
           <p:nvPr/>
         </p:nvSpPr>
         <p:spPr>
           <a:xfrm>
             <a:off x="3420000" y="1418040"/>
-            <a:ext cx="2185920" cy="307080"/>
+            <a:ext cx="2185560" cy="306720"/>
           </a:xfrm>
           <a:prstGeom prst="rect">
             <a:avLst/>
@@ -29851,14 +29127,14 @@
       </p:sp>
       <p:cxnSp>
         <p:nvCxnSpPr>
-          <p:cNvPr id="217" name="Google Shape;209;p33"/>
+          <p:cNvPr id="206" name="Google Shape;209;p33"/>
           <p:cNvCxnSpPr/>
           <p:nvPr/>
         </p:nvCxnSpPr>
         <p:spPr>
           <a:xfrm flipH="1">
             <a:off x="3184920" y="1754280"/>
-            <a:ext cx="473400" cy="559080"/>
+            <a:ext cx="473760" cy="559440"/>
           </a:xfrm>
           <a:prstGeom prst="straightConnector1">
             <a:avLst/>
@@ -29873,14 +29149,14 @@
       </p:cxnSp>
       <p:sp>
         <p:nvSpPr>
-          <p:cNvPr id="210" name="Google Shape;202;p33"/>
+          <p:cNvPr id="199" name="Google Shape;202;p33"/>
           <p:cNvSpPr/>
           <p:nvPr/>
         </p:nvSpPr>
         <p:spPr>
           <a:xfrm>
             <a:off x="3420000" y="2081160"/>
-            <a:ext cx="1367280" cy="489960"/>
+            <a:ext cx="1366920" cy="489600"/>
           </a:xfrm>
           <a:prstGeom prst="parallelogram">
             <a:avLst>
@@ -29950,17 +29226,17 @@
       </p:sp>
       <p:cxnSp>
         <p:nvCxnSpPr>
-          <p:cNvPr id="218" name="Google Shape;210;p33"/>
+          <p:cNvPr id="207" name="Google Shape;210;p33"/>
           <p:cNvCxnSpPr>
-            <a:stCxn id="208" idx="6"/>
-            <a:endCxn id="210" idx="5"/>
+            <a:stCxn id="197" idx="6"/>
+            <a:endCxn id="199" idx="5"/>
           </p:cNvCxnSpPr>
           <p:nvPr/>
         </p:nvCxnSpPr>
         <p:spPr>
           <a:xfrm>
-            <a:off x="2482920" y="2314440"/>
-            <a:ext cx="998640" cy="12240"/>
+            <a:off x="2482560" y="2314440"/>
+            <a:ext cx="999000" cy="11880"/>
           </a:xfrm>
           <a:prstGeom prst="straightConnector1">
             <a:avLst/>
@@ -29976,14 +29252,14 @@
       </p:cxnSp>
       <p:sp>
         <p:nvSpPr>
-          <p:cNvPr id="219" name="Google Shape;211;p33"/>
+          <p:cNvPr id="208" name="Google Shape;211;p33"/>
           <p:cNvSpPr/>
           <p:nvPr/>
         </p:nvSpPr>
         <p:spPr>
           <a:xfrm>
             <a:off x="4572000" y="2247840"/>
-            <a:ext cx="287280" cy="215280"/>
+            <a:ext cx="286920" cy="214920"/>
           </a:xfrm>
           <a:prstGeom prst="ellipse">
             <a:avLst/>
@@ -30029,14 +29305,14 @@
       </p:sp>
       <p:sp>
         <p:nvSpPr>
-          <p:cNvPr id="214" name="Google Shape;206;p33"/>
+          <p:cNvPr id="203" name="Google Shape;206;p33"/>
           <p:cNvSpPr/>
           <p:nvPr/>
         </p:nvSpPr>
         <p:spPr>
           <a:xfrm>
             <a:off x="3492000" y="2550240"/>
-            <a:ext cx="287280" cy="215280"/>
+            <a:ext cx="286920" cy="214920"/>
           </a:xfrm>
           <a:prstGeom prst="ellipse">
             <a:avLst/>
@@ -30082,14 +29358,14 @@
       </p:sp>
       <p:sp>
         <p:nvSpPr>
-          <p:cNvPr id="220" name="Google Shape;212;p33"/>
+          <p:cNvPr id="209" name="Google Shape;212;p33"/>
           <p:cNvSpPr/>
           <p:nvPr/>
         </p:nvSpPr>
         <p:spPr>
           <a:xfrm>
             <a:off x="4788000" y="2463840"/>
-            <a:ext cx="1551240" cy="276120"/>
+            <a:ext cx="1550880" cy="275760"/>
           </a:xfrm>
           <a:prstGeom prst="rect">
             <a:avLst/>
@@ -30139,22 +29415,22 @@
       </p:sp>
       <p:cxnSp>
         <p:nvCxnSpPr>
-          <p:cNvPr id="221" name="Google Shape;213;p33"/>
+          <p:cNvPr id="210" name="Google Shape;213;p33"/>
           <p:cNvCxnSpPr>
-            <a:stCxn id="211" idx="2"/>
-            <a:endCxn id="207" idx="0"/>
+            <a:stCxn id="200" idx="2"/>
+            <a:endCxn id="196" idx="0"/>
           </p:cNvCxnSpPr>
           <p:nvPr/>
         </p:nvCxnSpPr>
         <p:spPr>
           <a:xfrm flipH="1">
-            <a:off x="6940800" y="2320200"/>
-            <a:ext cx="942840" cy="1044360"/>
+            <a:off x="6940440" y="2319840"/>
+            <a:ext cx="942840" cy="1044720"/>
           </a:xfrm>
           <a:prstGeom prst="bentConnector4">
             <a:avLst>
-              <a:gd name="adj1" fmla="val -24331"/>
-              <a:gd name="adj2" fmla="val 61793"/>
+              <a:gd name="adj1" fmla="val -24407"/>
+              <a:gd name="adj2" fmla="val 61840"/>
             </a:avLst>
           </a:prstGeom>
           <a:ln w="25400">
@@ -30168,14 +29444,14 @@
       </p:cxnSp>
       <p:sp>
         <p:nvSpPr>
-          <p:cNvPr id="211" name="Google Shape;203;p33"/>
+          <p:cNvPr id="200" name="Google Shape;203;p33"/>
           <p:cNvSpPr/>
           <p:nvPr/>
         </p:nvSpPr>
         <p:spPr>
           <a:xfrm>
             <a:off x="6264360" y="2075040"/>
-            <a:ext cx="1680120" cy="489960"/>
+            <a:ext cx="1679760" cy="489600"/>
           </a:xfrm>
           <a:prstGeom prst="parallelogram">
             <a:avLst>
@@ -30232,14 +29508,14 @@
       </p:sp>
       <p:sp>
         <p:nvSpPr>
-          <p:cNvPr id="222" name="Google Shape;214;p33"/>
+          <p:cNvPr id="211" name="Google Shape;214;p33"/>
           <p:cNvSpPr/>
           <p:nvPr/>
         </p:nvSpPr>
         <p:spPr>
           <a:xfrm>
             <a:off x="7105320" y="2997000"/>
-            <a:ext cx="1551240" cy="276120"/>
+            <a:ext cx="1550880" cy="275760"/>
           </a:xfrm>
           <a:prstGeom prst="rect">
             <a:avLst/>
@@ -30289,14 +29565,14 @@
       </p:sp>
       <p:sp>
         <p:nvSpPr>
-          <p:cNvPr id="223" name="Google Shape;200;p33"/>
+          <p:cNvPr id="212" name="Google Shape;200;p33"/>
           <p:cNvSpPr/>
           <p:nvPr/>
         </p:nvSpPr>
         <p:spPr>
           <a:xfrm>
             <a:off x="5398560" y="3983400"/>
-            <a:ext cx="287280" cy="215280"/>
+            <a:ext cx="286920" cy="214920"/>
           </a:xfrm>
           <a:prstGeom prst="ellipse">
             <a:avLst/>
@@ -30342,18 +29618,18 @@
       </p:sp>
       <p:cxnSp>
         <p:nvCxnSpPr>
-          <p:cNvPr id="224" name="Elbow Connector 2"/>
+          <p:cNvPr id="213" name="Elbow Connector 2"/>
           <p:cNvCxnSpPr/>
           <p:nvPr/>
         </p:nvCxnSpPr>
         <p:spPr>
           <a:xfrm rot="10800000">
-            <a:off x="1543320" y="3097800"/>
-            <a:ext cx="3854520" cy="995040"/>
+            <a:off x="1542960" y="3097800"/>
+            <a:ext cx="3854880" cy="995400"/>
           </a:xfrm>
           <a:prstGeom prst="bentConnector3">
             <a:avLst>
-              <a:gd name="adj1" fmla="val 99981"/>
+              <a:gd name="adj1" fmla="val 99971"/>
             </a:avLst>
           </a:prstGeom>
           <a:ln w="25400">
@@ -30367,14 +29643,14 @@
       </p:cxnSp>
       <p:sp>
         <p:nvSpPr>
-          <p:cNvPr id="225" name="Google Shape;204;p33"/>
+          <p:cNvPr id="214" name="Google Shape;204;p33"/>
           <p:cNvSpPr/>
           <p:nvPr/>
         </p:nvSpPr>
         <p:spPr>
           <a:xfrm>
             <a:off x="4792320" y="4173120"/>
-            <a:ext cx="831600" cy="276120"/>
+            <a:ext cx="831240" cy="275760"/>
           </a:xfrm>
           <a:prstGeom prst="rect">
             <a:avLst/>
@@ -30454,7 +29730,7 @@
       </p:grpSpPr>
       <p:sp>
         <p:nvSpPr>
-          <p:cNvPr id="226" name="PlaceHolder 1"/>
+          <p:cNvPr id="215" name="PlaceHolder 1"/>
           <p:cNvSpPr>
             <a:spLocks noGrp="1"/>
           </p:cNvSpPr>
@@ -30465,7 +29741,7 @@
         <p:spPr>
           <a:xfrm>
             <a:off x="457200" y="205920"/>
-            <a:ext cx="8228880" cy="856800"/>
+            <a:ext cx="8228520" cy="856440"/>
           </a:xfrm>
           <a:prstGeom prst="rect">
             <a:avLst/>
@@ -30510,14 +29786,14 @@
       </p:sp>
       <p:sp>
         <p:nvSpPr>
-          <p:cNvPr id="227" name="Google Shape;220;p34"/>
+          <p:cNvPr id="216" name="Google Shape;220;p34"/>
           <p:cNvSpPr/>
           <p:nvPr/>
         </p:nvSpPr>
         <p:spPr>
           <a:xfrm>
             <a:off x="457200" y="963000"/>
-            <a:ext cx="3922560" cy="3800880"/>
+            <a:ext cx="3922200" cy="3800520"/>
           </a:xfrm>
           <a:prstGeom prst="rect">
             <a:avLst/>
@@ -30572,14 +29848,14 @@
       </p:sp>
       <p:sp>
         <p:nvSpPr>
-          <p:cNvPr id="228" name="Google Shape;221;p34"/>
+          <p:cNvPr id="217" name="Google Shape;221;p34"/>
           <p:cNvSpPr/>
           <p:nvPr/>
         </p:nvSpPr>
         <p:spPr>
           <a:xfrm>
             <a:off x="1278720" y="1231200"/>
-            <a:ext cx="2111760" cy="1802520"/>
+            <a:ext cx="2111400" cy="1802160"/>
           </a:xfrm>
           <a:prstGeom prst="roundRect">
             <a:avLst>
@@ -30727,14 +30003,14 @@
       </p:sp>
       <p:sp>
         <p:nvSpPr>
-          <p:cNvPr id="229" name="Google Shape;222;p34"/>
+          <p:cNvPr id="218" name="Google Shape;222;p34"/>
           <p:cNvSpPr/>
           <p:nvPr/>
         </p:nvSpPr>
         <p:spPr>
           <a:xfrm>
             <a:off x="3260520" y="1635840"/>
-            <a:ext cx="287280" cy="215280"/>
+            <a:ext cx="286920" cy="214920"/>
           </a:xfrm>
           <a:prstGeom prst="ellipse">
             <a:avLst/>
@@ -30780,20 +30056,22 @@
       </p:sp>
       <p:cxnSp>
         <p:nvCxnSpPr>
-          <p:cNvPr id="230" name="Google Shape;223;p34"/>
+          <p:cNvPr id="219" name="Google Shape;223;p34"/>
           <p:cNvCxnSpPr>
-            <a:stCxn id="229" idx="6"/>
-            <a:endCxn id="231" idx="5"/>
+            <a:stCxn id="218" idx="6"/>
+            <a:endCxn id="220" idx="5"/>
           </p:cNvCxnSpPr>
           <p:nvPr/>
         </p:nvCxnSpPr>
         <p:spPr>
-          <a:xfrm>
-            <a:off x="3547800" y="1743480"/>
-            <a:ext cx="1949760" cy="360"/>
-          </a:xfrm>
-          <a:prstGeom prst="bentConnector2">
-            <a:avLst/>
+          <a:xfrm flipV="1">
+            <a:off x="3547440" y="1743120"/>
+            <a:ext cx="1950120" cy="720"/>
+          </a:xfrm>
+          <a:prstGeom prst="bentConnector3">
+            <a:avLst>
+              <a:gd name="adj1" fmla="val 98430"/>
+            </a:avLst>
           </a:prstGeom>
           <a:ln w="25400">
             <a:solidFill>
@@ -30806,14 +30084,14 @@
       </p:cxnSp>
       <p:sp>
         <p:nvSpPr>
-          <p:cNvPr id="232" name="Google Shape;225;p34"/>
+          <p:cNvPr id="221" name="Google Shape;225;p34"/>
           <p:cNvSpPr/>
           <p:nvPr/>
         </p:nvSpPr>
         <p:spPr>
           <a:xfrm>
             <a:off x="3548520" y="1417320"/>
-            <a:ext cx="831600" cy="276120"/>
+            <a:ext cx="831240" cy="275760"/>
           </a:xfrm>
           <a:prstGeom prst="rect">
             <a:avLst/>
@@ -30863,14 +30141,14 @@
       </p:sp>
       <p:sp>
         <p:nvSpPr>
-          <p:cNvPr id="233" name="Google Shape;226;p34"/>
+          <p:cNvPr id="222" name="Google Shape;226;p34"/>
           <p:cNvSpPr/>
           <p:nvPr/>
         </p:nvSpPr>
         <p:spPr>
           <a:xfrm>
             <a:off x="5077800" y="951480"/>
-            <a:ext cx="3855960" cy="340920"/>
+            <a:ext cx="3855600" cy="340560"/>
           </a:xfrm>
           <a:prstGeom prst="rect">
             <a:avLst/>
@@ -30925,14 +30203,14 @@
       </p:sp>
       <p:cxnSp>
         <p:nvCxnSpPr>
-          <p:cNvPr id="234" name="Google Shape;227;p34"/>
+          <p:cNvPr id="223" name="Google Shape;227;p34"/>
           <p:cNvCxnSpPr/>
           <p:nvPr/>
         </p:nvCxnSpPr>
         <p:spPr>
           <a:xfrm flipH="1">
             <a:off x="4728600" y="1308240"/>
-            <a:ext cx="581760" cy="436680"/>
+            <a:ext cx="582120" cy="437040"/>
           </a:xfrm>
           <a:prstGeom prst="straightConnector1">
             <a:avLst/>
@@ -30947,14 +30225,14 @@
       </p:cxnSp>
       <p:sp>
         <p:nvSpPr>
-          <p:cNvPr id="231" name="Google Shape;224;p34"/>
+          <p:cNvPr id="220" name="Google Shape;224;p34"/>
           <p:cNvSpPr/>
           <p:nvPr/>
         </p:nvSpPr>
         <p:spPr>
           <a:xfrm>
             <a:off x="5436000" y="1498320"/>
-            <a:ext cx="1367640" cy="489960"/>
+            <a:ext cx="1367280" cy="489600"/>
           </a:xfrm>
           <a:prstGeom prst="parallelogram">
             <a:avLst>
@@ -31011,16 +30289,16 @@
       </p:sp>
       <p:cxnSp>
         <p:nvCxnSpPr>
-          <p:cNvPr id="235" name="Google Shape;228;p34"/>
+          <p:cNvPr id="224" name="Google Shape;228;p34"/>
           <p:cNvCxnSpPr>
-            <a:stCxn id="231" idx="4"/>
+            <a:stCxn id="220" idx="4"/>
           </p:cNvCxnSpPr>
           <p:nvPr/>
         </p:nvCxnSpPr>
         <p:spPr>
           <a:xfrm rot="5400000">
-            <a:off x="5057640" y="1310760"/>
-            <a:ext cx="384840" cy="1740240"/>
+            <a:off x="5056920" y="1310760"/>
+            <a:ext cx="385560" cy="1740240"/>
           </a:xfrm>
           <a:prstGeom prst="bentConnector3">
             <a:avLst>
@@ -31038,14 +30316,14 @@
       </p:cxnSp>
       <p:sp>
         <p:nvSpPr>
-          <p:cNvPr id="236" name="Google Shape;229;p34"/>
+          <p:cNvPr id="225" name="Google Shape;229;p34"/>
           <p:cNvSpPr/>
           <p:nvPr/>
         </p:nvSpPr>
         <p:spPr>
           <a:xfrm>
             <a:off x="1219320" y="3404160"/>
-            <a:ext cx="2111760" cy="1029240"/>
+            <a:ext cx="2111400" cy="1028880"/>
           </a:xfrm>
           <a:prstGeom prst="roundRect">
             <a:avLst>
@@ -31128,14 +30406,14 @@
       </p:sp>
       <p:sp>
         <p:nvSpPr>
-          <p:cNvPr id="237" name="Google Shape;230;p34"/>
+          <p:cNvPr id="226" name="Google Shape;230;p34"/>
           <p:cNvSpPr/>
           <p:nvPr/>
         </p:nvSpPr>
         <p:spPr>
           <a:xfrm>
             <a:off x="5077800" y="4490640"/>
-            <a:ext cx="1697760" cy="340920"/>
+            <a:ext cx="1697400" cy="340560"/>
           </a:xfrm>
           <a:prstGeom prst="rect">
             <a:avLst/>
@@ -31190,14 +30468,14 @@
       </p:sp>
       <p:cxnSp>
         <p:nvCxnSpPr>
-          <p:cNvPr id="238" name="Google Shape;231;p34"/>
+          <p:cNvPr id="227" name="Google Shape;231;p34"/>
           <p:cNvCxnSpPr/>
           <p:nvPr/>
         </p:nvCxnSpPr>
         <p:spPr>
           <a:xfrm flipH="1" flipV="1">
             <a:off x="4380480" y="4306680"/>
-            <a:ext cx="676800" cy="320040"/>
+            <a:ext cx="677160" cy="320400"/>
           </a:xfrm>
           <a:prstGeom prst="straightConnector1">
             <a:avLst/>
@@ -31213,14 +30491,14 @@
       </p:cxnSp>
       <p:sp>
         <p:nvSpPr>
-          <p:cNvPr id="239" name="Google Shape;232;p34"/>
+          <p:cNvPr id="228" name="Google Shape;232;p34"/>
           <p:cNvSpPr/>
           <p:nvPr/>
         </p:nvSpPr>
         <p:spPr>
           <a:xfrm>
             <a:off x="3164400" y="3810960"/>
-            <a:ext cx="287280" cy="215280"/>
+            <a:ext cx="286920" cy="214920"/>
           </a:xfrm>
           <a:prstGeom prst="ellipse">
             <a:avLst/>
@@ -31266,21 +30544,21 @@
       </p:sp>
       <p:cxnSp>
         <p:nvCxnSpPr>
-          <p:cNvPr id="240" name="Google Shape;233;p34"/>
+          <p:cNvPr id="229" name="Google Shape;233;p34"/>
           <p:cNvCxnSpPr>
-            <a:stCxn id="239" idx="6"/>
-            <a:endCxn id="241" idx="5"/>
+            <a:stCxn id="228" idx="6"/>
+            <a:endCxn id="230" idx="5"/>
           </p:cNvCxnSpPr>
           <p:nvPr/>
         </p:nvCxnSpPr>
         <p:spPr>
           <a:xfrm flipV="1">
-            <a:off x="3451680" y="3547080"/>
-            <a:ext cx="1607040" cy="371880"/>
+            <a:off x="3451320" y="3546720"/>
+            <a:ext cx="1607400" cy="372240"/>
           </a:xfrm>
           <a:prstGeom prst="bentConnector3">
             <a:avLst>
-              <a:gd name="adj1" fmla="val 48129"/>
+              <a:gd name="adj1" fmla="val 48140"/>
             </a:avLst>
           </a:prstGeom>
           <a:ln w="25400">
@@ -31294,14 +30572,14 @@
       </p:cxnSp>
       <p:sp>
         <p:nvSpPr>
-          <p:cNvPr id="242" name="Google Shape;235;p34"/>
+          <p:cNvPr id="231" name="Google Shape;235;p34"/>
           <p:cNvSpPr/>
           <p:nvPr/>
         </p:nvSpPr>
         <p:spPr>
           <a:xfrm>
             <a:off x="6673320" y="2865960"/>
-            <a:ext cx="2363760" cy="1477440"/>
+            <a:ext cx="2363400" cy="1477080"/>
           </a:xfrm>
           <a:prstGeom prst="rect">
             <a:avLst/>
@@ -31356,14 +30634,14 @@
       </p:sp>
       <p:sp>
         <p:nvSpPr>
-          <p:cNvPr id="243" name="Google Shape;236;p34"/>
+          <p:cNvPr id="232" name="Google Shape;236;p34"/>
           <p:cNvSpPr/>
           <p:nvPr/>
         </p:nvSpPr>
         <p:spPr>
           <a:xfrm>
             <a:off x="4676040" y="2692800"/>
-            <a:ext cx="1168920" cy="340920"/>
+            <a:ext cx="1168560" cy="340560"/>
           </a:xfrm>
           <a:prstGeom prst="rect">
             <a:avLst/>
@@ -31418,16 +30696,16 @@
       </p:sp>
       <p:cxnSp>
         <p:nvCxnSpPr>
-          <p:cNvPr id="244" name="Google Shape;237;p34"/>
+          <p:cNvPr id="233" name="Google Shape;237;p34"/>
           <p:cNvCxnSpPr>
-            <a:stCxn id="243" idx="2"/>
+            <a:stCxn id="232" idx="2"/>
           </p:cNvCxnSpPr>
           <p:nvPr/>
         </p:nvCxnSpPr>
         <p:spPr>
           <a:xfrm flipH="1">
-            <a:off x="4744080" y="3033720"/>
-            <a:ext cx="516600" cy="499320"/>
+            <a:off x="4744080" y="3033360"/>
+            <a:ext cx="516600" cy="500040"/>
           </a:xfrm>
           <a:prstGeom prst="straightConnector1">
             <a:avLst/>
@@ -31442,14 +30720,14 @@
       </p:cxnSp>
       <p:sp>
         <p:nvSpPr>
-          <p:cNvPr id="241" name="Google Shape;234;p34"/>
+          <p:cNvPr id="230" name="Google Shape;234;p34"/>
           <p:cNvSpPr/>
           <p:nvPr/>
         </p:nvSpPr>
         <p:spPr>
           <a:xfrm>
             <a:off x="4997160" y="3301920"/>
-            <a:ext cx="1367640" cy="489960"/>
+            <a:ext cx="1367280" cy="489600"/>
           </a:xfrm>
           <a:prstGeom prst="parallelogram">
             <a:avLst>
@@ -31506,22 +30784,22 @@
       </p:sp>
       <p:cxnSp>
         <p:nvCxnSpPr>
-          <p:cNvPr id="245" name="Google Shape;238;p34"/>
+          <p:cNvPr id="234" name="Google Shape;238;p34"/>
           <p:cNvCxnSpPr>
-            <a:stCxn id="241" idx="3"/>
-            <a:endCxn id="242" idx="1"/>
+            <a:stCxn id="230" idx="3"/>
+            <a:endCxn id="231" idx="1"/>
           </p:cNvCxnSpPr>
           <p:nvPr/>
         </p:nvCxnSpPr>
         <p:spPr>
           <a:xfrm flipH="1" flipV="1" rot="5400000">
-            <a:off x="6052680" y="3171600"/>
+            <a:off x="6052680" y="3171240"/>
             <a:ext cx="187560" cy="1054080"/>
           </a:xfrm>
           <a:prstGeom prst="bentConnector4">
             <a:avLst>
-              <a:gd name="adj1" fmla="val -127692"/>
-              <a:gd name="adj2" fmla="val 85377"/>
+              <a:gd name="adj1" fmla="val -128269"/>
+              <a:gd name="adj2" fmla="val 85343"/>
             </a:avLst>
           </a:prstGeom>
           <a:ln w="25400">
@@ -31535,14 +30813,14 @@
       </p:cxnSp>
       <p:sp>
         <p:nvSpPr>
-          <p:cNvPr id="246" name="Google Shape;225;p34"/>
+          <p:cNvPr id="235" name="Google Shape;225;p34"/>
           <p:cNvSpPr/>
           <p:nvPr/>
         </p:nvSpPr>
         <p:spPr>
           <a:xfrm>
             <a:off x="3417840" y="3931920"/>
-            <a:ext cx="831600" cy="276120"/>
+            <a:ext cx="831240" cy="275760"/>
           </a:xfrm>
           <a:prstGeom prst="rect">
             <a:avLst/>
